--- a/Présentation ISN.pptx
+++ b/Présentation ISN.pptx
@@ -9,15 +9,16 @@
     <p:sldId id="257" r:id="rId3"/>
     <p:sldId id="258" r:id="rId4"/>
     <p:sldId id="269" r:id="rId5"/>
-    <p:sldId id="259" r:id="rId6"/>
-    <p:sldId id="267" r:id="rId7"/>
-    <p:sldId id="262" r:id="rId8"/>
-    <p:sldId id="265" r:id="rId9"/>
-    <p:sldId id="270" r:id="rId10"/>
-    <p:sldId id="266" r:id="rId11"/>
-    <p:sldId id="271" r:id="rId12"/>
-    <p:sldId id="268" r:id="rId13"/>
-    <p:sldId id="264" r:id="rId14"/>
+    <p:sldId id="272" r:id="rId6"/>
+    <p:sldId id="259" r:id="rId7"/>
+    <p:sldId id="267" r:id="rId8"/>
+    <p:sldId id="262" r:id="rId9"/>
+    <p:sldId id="265" r:id="rId10"/>
+    <p:sldId id="270" r:id="rId11"/>
+    <p:sldId id="266" r:id="rId12"/>
+    <p:sldId id="271" r:id="rId13"/>
+    <p:sldId id="268" r:id="rId14"/>
+    <p:sldId id="264" r:id="rId15"/>
   </p:sldIdLst>
   <p:sldSz cx="12192000" cy="6858000"/>
   <p:notesSz cx="6858000" cy="9144000"/>
@@ -3080,6 +3081,2384 @@
       </p:grpSpPr>
       <p:sp>
         <p:nvSpPr>
+          <p:cNvPr id="4" name="ZoneTexte 3"/>
+          <p:cNvSpPr txBox="1"/>
+          <p:nvPr/>
+        </p:nvSpPr>
+        <p:spPr>
+          <a:xfrm>
+            <a:off x="356460" y="232476"/>
+            <a:ext cx="11623729" cy="6355586"/>
+          </a:xfrm>
+          <a:prstGeom prst="rect">
+            <a:avLst/>
+          </a:prstGeom>
+          <a:noFill/>
+        </p:spPr>
+        <p:txBody>
+          <a:bodyPr wrap="square" rtlCol="0">
+            <a:spAutoFit/>
+          </a:bodyPr>
+          <a:lstStyle/>
+          <a:p>
+            <a:r>
+              <a:rPr lang="fr-FR" sz="1100" dirty="0"/>
+              <a:t>&lt;?</a:t>
+            </a:r>
+            <a:r>
+              <a:rPr lang="fr-FR" sz="1100" dirty="0" err="1"/>
+              <a:t>php</a:t>
+            </a:r>
+            <a:r>
+              <a:rPr lang="fr-FR" sz="1100" dirty="0"/>
+              <a:t>	</a:t>
+            </a:r>
+            <a:endParaRPr lang="fr-FR" sz="1100" dirty="0" smtClean="0"/>
+          </a:p>
+          <a:p>
+            <a:r>
+              <a:rPr lang="fr-FR" sz="1100" dirty="0" smtClean="0"/>
+              <a:t>      </a:t>
+            </a:r>
+            <a:r>
+              <a:rPr lang="fr-FR" sz="1100" dirty="0" err="1" smtClean="0">
+                <a:solidFill>
+                  <a:schemeClr val="accent5"/>
+                </a:solidFill>
+              </a:rPr>
+              <a:t>namespace</a:t>
+            </a:r>
+            <a:r>
+              <a:rPr lang="fr-FR" sz="1100" dirty="0" smtClean="0"/>
+              <a:t> </a:t>
+            </a:r>
+            <a:r>
+              <a:rPr lang="fr-FR" sz="1100" dirty="0" err="1">
+                <a:solidFill>
+                  <a:srgbClr val="7030A0"/>
+                </a:solidFill>
+              </a:rPr>
+              <a:t>Members</a:t>
+            </a:r>
+            <a:r>
+              <a:rPr lang="fr-FR" sz="1100" dirty="0">
+                <a:solidFill>
+                  <a:srgbClr val="7030A0"/>
+                </a:solidFill>
+              </a:rPr>
+              <a:t>;</a:t>
+            </a:r>
+            <a:r>
+              <a:rPr lang="fr-FR" sz="1100" dirty="0"/>
+              <a:t>	</a:t>
+            </a:r>
+            <a:endParaRPr lang="fr-FR" sz="1100" dirty="0" smtClean="0"/>
+          </a:p>
+          <a:p>
+            <a:r>
+              <a:rPr lang="fr-FR" sz="1100" dirty="0"/>
+              <a:t> </a:t>
+            </a:r>
+            <a:r>
+              <a:rPr lang="fr-FR" sz="1100" dirty="0" smtClean="0"/>
+              <a:t>      class </a:t>
+            </a:r>
+            <a:r>
+              <a:rPr lang="fr-FR" sz="1100" dirty="0">
+                <a:solidFill>
+                  <a:srgbClr val="7030A0"/>
+                </a:solidFill>
+              </a:rPr>
+              <a:t>Single </a:t>
+            </a:r>
+            <a:r>
+              <a:rPr lang="fr-FR" sz="1100" dirty="0"/>
+              <a:t>{		</a:t>
+            </a:r>
+            <a:endParaRPr lang="fr-FR" sz="1100" dirty="0" smtClean="0"/>
+          </a:p>
+          <a:p>
+            <a:r>
+              <a:rPr lang="fr-FR" sz="1100" dirty="0"/>
+              <a:t>	</a:t>
+            </a:r>
+            <a:r>
+              <a:rPr lang="fr-FR" sz="1100" dirty="0" smtClean="0">
+                <a:solidFill>
+                  <a:schemeClr val="accent5"/>
+                </a:solidFill>
+              </a:rPr>
+              <a:t>public </a:t>
+            </a:r>
+            <a:r>
+              <a:rPr lang="fr-FR" sz="1100" dirty="0" err="1">
+                <a:solidFill>
+                  <a:schemeClr val="accent5"/>
+                </a:solidFill>
+              </a:rPr>
+              <a:t>function</a:t>
+            </a:r>
+            <a:r>
+              <a:rPr lang="fr-FR" sz="1100" dirty="0">
+                <a:solidFill>
+                  <a:schemeClr val="accent5"/>
+                </a:solidFill>
+              </a:rPr>
+              <a:t> </a:t>
+            </a:r>
+            <a:r>
+              <a:rPr lang="fr-FR" sz="1100" dirty="0" err="1">
+                <a:solidFill>
+                  <a:srgbClr val="7030A0"/>
+                </a:solidFill>
+              </a:rPr>
+              <a:t>notificationsCount</a:t>
+            </a:r>
+            <a:r>
+              <a:rPr lang="fr-FR" sz="1100" dirty="0"/>
+              <a:t>() {			</a:t>
+            </a:r>
+            <a:endParaRPr lang="fr-FR" sz="1100" dirty="0" smtClean="0"/>
+          </a:p>
+          <a:p>
+            <a:r>
+              <a:rPr lang="fr-FR" sz="1100" dirty="0"/>
+              <a:t>	</a:t>
+            </a:r>
+            <a:r>
+              <a:rPr lang="fr-FR" sz="1100" dirty="0">
+                <a:solidFill>
+                  <a:schemeClr val="accent5"/>
+                </a:solidFill>
+              </a:rPr>
+              <a:t> </a:t>
+            </a:r>
+            <a:r>
+              <a:rPr lang="fr-FR" sz="1100" dirty="0" smtClean="0">
+                <a:solidFill>
+                  <a:schemeClr val="accent5"/>
+                </a:solidFill>
+              </a:rPr>
+              <a:t>return </a:t>
+            </a:r>
+            <a:r>
+              <a:rPr lang="fr-FR" sz="1100" dirty="0"/>
+              <a:t>\Basics\Handling::</a:t>
+            </a:r>
+            <a:r>
+              <a:rPr lang="fr-FR" sz="1100" dirty="0" err="1"/>
+              <a:t>countEntries</a:t>
+            </a:r>
+            <a:r>
+              <a:rPr lang="fr-FR" sz="1100" dirty="0"/>
+              <a:t>(</a:t>
+            </a:r>
+            <a:r>
+              <a:rPr lang="fr-FR" sz="1100" dirty="0">
+                <a:solidFill>
+                  <a:schemeClr val="accent4"/>
+                </a:solidFill>
+              </a:rPr>
+              <a:t>'notifications', '</a:t>
+            </a:r>
+            <a:r>
+              <a:rPr lang="fr-FR" sz="1100" dirty="0" err="1">
+                <a:solidFill>
+                  <a:schemeClr val="accent4"/>
+                </a:solidFill>
+              </a:rPr>
+              <a:t>subject_id</a:t>
+            </a:r>
+            <a:r>
+              <a:rPr lang="fr-FR" sz="1100" dirty="0">
+                <a:solidFill>
+                  <a:schemeClr val="accent4"/>
+                </a:solidFill>
+              </a:rPr>
+              <a:t> = ' </a:t>
+            </a:r>
+            <a:r>
+              <a:rPr lang="fr-FR" sz="1100" dirty="0"/>
+              <a:t>. $</a:t>
+            </a:r>
+            <a:r>
+              <a:rPr lang="fr-FR" sz="1100" dirty="0" err="1"/>
+              <a:t>this</a:t>
+            </a:r>
+            <a:r>
+              <a:rPr lang="fr-FR" sz="1100" dirty="0"/>
+              <a:t>-&gt;</a:t>
+            </a:r>
+            <a:r>
+              <a:rPr lang="fr-FR" sz="1100" dirty="0" err="1"/>
+              <a:t>member</a:t>
+            </a:r>
+            <a:r>
+              <a:rPr lang="fr-FR" sz="1100" dirty="0"/>
+              <a:t>['id'] </a:t>
+            </a:r>
+            <a:r>
+              <a:rPr lang="fr-FR" sz="1100" dirty="0">
+                <a:solidFill>
+                  <a:schemeClr val="accent4"/>
+                </a:solidFill>
+              </a:rPr>
+              <a:t>. ' AND </a:t>
+            </a:r>
+            <a:r>
+              <a:rPr lang="fr-FR" sz="1100" dirty="0" err="1">
+                <a:solidFill>
+                  <a:schemeClr val="accent4"/>
+                </a:solidFill>
+              </a:rPr>
+              <a:t>seen</a:t>
+            </a:r>
+            <a:r>
+              <a:rPr lang="fr-FR" sz="1100" dirty="0">
+                <a:solidFill>
+                  <a:schemeClr val="accent4"/>
+                </a:solidFill>
+              </a:rPr>
+              <a:t> = \'0\''</a:t>
+            </a:r>
+            <a:r>
+              <a:rPr lang="fr-FR" sz="1100" dirty="0"/>
+              <a:t>);		}		</a:t>
+            </a:r>
+            <a:r>
+              <a:rPr lang="fr-FR" sz="1100" dirty="0" smtClean="0"/>
+              <a:t>                                  	</a:t>
+            </a:r>
+            <a:r>
+              <a:rPr lang="fr-FR" sz="1100" dirty="0" smtClean="0">
+                <a:solidFill>
+                  <a:schemeClr val="accent5"/>
+                </a:solidFill>
+              </a:rPr>
+              <a:t>public </a:t>
+            </a:r>
+            <a:r>
+              <a:rPr lang="fr-FR" sz="1100" dirty="0" err="1">
+                <a:solidFill>
+                  <a:schemeClr val="accent5"/>
+                </a:solidFill>
+              </a:rPr>
+              <a:t>function</a:t>
+            </a:r>
+            <a:r>
+              <a:rPr lang="fr-FR" sz="1100" dirty="0">
+                <a:solidFill>
+                  <a:schemeClr val="accent5"/>
+                </a:solidFill>
+              </a:rPr>
+              <a:t> </a:t>
+            </a:r>
+            <a:r>
+              <a:rPr lang="fr-FR" sz="1100" dirty="0" err="1">
+                <a:solidFill>
+                  <a:srgbClr val="7030A0"/>
+                </a:solidFill>
+              </a:rPr>
+              <a:t>getNotifications</a:t>
+            </a:r>
+            <a:r>
+              <a:rPr lang="fr-FR" sz="1100" dirty="0"/>
+              <a:t>() {			</a:t>
+            </a:r>
+            <a:endParaRPr lang="fr-FR" sz="1100" dirty="0" smtClean="0"/>
+          </a:p>
+          <a:p>
+            <a:r>
+              <a:rPr lang="fr-FR" sz="1100" dirty="0"/>
+              <a:t>	</a:t>
+            </a:r>
+            <a:r>
+              <a:rPr lang="fr-FR" sz="1100" dirty="0" smtClean="0"/>
+              <a:t>$</a:t>
+            </a:r>
+            <a:r>
+              <a:rPr lang="fr-FR" sz="1100" dirty="0" err="1"/>
+              <a:t>request</a:t>
+            </a:r>
+            <a:r>
+              <a:rPr lang="fr-FR" sz="1100" dirty="0"/>
+              <a:t> = \Basics\Site::</a:t>
+            </a:r>
+            <a:r>
+              <a:rPr lang="fr-FR" sz="1100" dirty="0" err="1"/>
+              <a:t>getDB</a:t>
+            </a:r>
+            <a:r>
+              <a:rPr lang="fr-FR" sz="1100" dirty="0"/>
+              <a:t>()-&gt;</a:t>
+            </a:r>
+            <a:r>
+              <a:rPr lang="fr-FR" sz="1100" dirty="0" err="1"/>
+              <a:t>prepare</a:t>
+            </a:r>
+            <a:r>
+              <a:rPr lang="fr-FR" sz="1100" dirty="0"/>
+              <a:t>(</a:t>
+            </a:r>
+            <a:r>
+              <a:rPr lang="fr-FR" sz="1100" dirty="0">
+                <a:solidFill>
+                  <a:schemeClr val="accent4"/>
+                </a:solidFill>
+              </a:rPr>
+              <a:t>'SELECT * FROM notifications WHERE </a:t>
+            </a:r>
+            <a:r>
+              <a:rPr lang="fr-FR" sz="1100" dirty="0" err="1">
+                <a:solidFill>
+                  <a:schemeClr val="accent4"/>
+                </a:solidFill>
+              </a:rPr>
+              <a:t>subject_id</a:t>
+            </a:r>
+            <a:r>
+              <a:rPr lang="fr-FR" sz="1100" dirty="0">
+                <a:solidFill>
+                  <a:schemeClr val="accent4"/>
+                </a:solidFill>
+              </a:rPr>
+              <a:t> = ? ORDER BY </a:t>
+            </a:r>
+            <a:r>
+              <a:rPr lang="fr-FR" sz="1100" dirty="0" err="1">
+                <a:solidFill>
+                  <a:schemeClr val="accent4"/>
+                </a:solidFill>
+              </a:rPr>
+              <a:t>created_at</a:t>
+            </a:r>
+            <a:r>
+              <a:rPr lang="fr-FR" sz="1100" dirty="0">
+                <a:solidFill>
+                  <a:schemeClr val="accent4"/>
+                </a:solidFill>
+              </a:rPr>
+              <a:t> DESC'</a:t>
+            </a:r>
+            <a:r>
+              <a:rPr lang="fr-FR" sz="1100" dirty="0"/>
+              <a:t>);			</a:t>
+            </a:r>
+            <a:endParaRPr lang="fr-FR" sz="1100" dirty="0" smtClean="0"/>
+          </a:p>
+          <a:p>
+            <a:r>
+              <a:rPr lang="fr-FR" sz="1100" dirty="0"/>
+              <a:t>	</a:t>
+            </a:r>
+            <a:r>
+              <a:rPr lang="fr-FR" sz="1100" dirty="0" smtClean="0"/>
+              <a:t>$</a:t>
+            </a:r>
+            <a:r>
+              <a:rPr lang="fr-FR" sz="1100" dirty="0" err="1"/>
+              <a:t>request</a:t>
+            </a:r>
+            <a:r>
+              <a:rPr lang="fr-FR" sz="1100" dirty="0"/>
+              <a:t>-&gt;</a:t>
+            </a:r>
+            <a:r>
+              <a:rPr lang="fr-FR" sz="1100" dirty="0" err="1"/>
+              <a:t>execute</a:t>
+            </a:r>
+            <a:r>
+              <a:rPr lang="fr-FR" sz="1100" dirty="0"/>
+              <a:t>([$</a:t>
+            </a:r>
+            <a:r>
+              <a:rPr lang="fr-FR" sz="1100" dirty="0" err="1"/>
+              <a:t>this</a:t>
+            </a:r>
+            <a:r>
+              <a:rPr lang="fr-FR" sz="1100" dirty="0"/>
+              <a:t>-&gt;</a:t>
+            </a:r>
+            <a:r>
+              <a:rPr lang="fr-FR" sz="1100" dirty="0" err="1"/>
+              <a:t>member</a:t>
+            </a:r>
+            <a:r>
+              <a:rPr lang="fr-FR" sz="1100" dirty="0"/>
+              <a:t>['id']]);			</a:t>
+            </a:r>
+            <a:r>
+              <a:rPr lang="fr-FR" sz="1100" dirty="0" smtClean="0"/>
+              <a:t>                                                                                                                                                                                       	$</a:t>
+            </a:r>
+            <a:r>
+              <a:rPr lang="fr-FR" sz="1100" dirty="0"/>
+              <a:t>notifications = $</a:t>
+            </a:r>
+            <a:r>
+              <a:rPr lang="fr-FR" sz="1100" dirty="0" err="1"/>
+              <a:t>request</a:t>
+            </a:r>
+            <a:r>
+              <a:rPr lang="fr-FR" sz="1100" dirty="0"/>
+              <a:t>-&gt;</a:t>
+            </a:r>
+            <a:r>
+              <a:rPr lang="fr-FR" sz="1100" dirty="0" err="1"/>
+              <a:t>fetchAll</a:t>
+            </a:r>
+            <a:r>
+              <a:rPr lang="fr-FR" sz="1100" dirty="0"/>
+              <a:t>(\PDO::FETCH_ASSOC);			</a:t>
+            </a:r>
+            <a:endParaRPr lang="fr-FR" sz="1100" dirty="0" smtClean="0"/>
+          </a:p>
+          <a:p>
+            <a:r>
+              <a:rPr lang="fr-FR" sz="1100" dirty="0"/>
+              <a:t>	</a:t>
+            </a:r>
+            <a:r>
+              <a:rPr lang="fr-FR" sz="1100" dirty="0" err="1" smtClean="0">
+                <a:solidFill>
+                  <a:schemeClr val="accent5"/>
+                </a:solidFill>
+              </a:rPr>
+              <a:t>foreach</a:t>
+            </a:r>
+            <a:r>
+              <a:rPr lang="fr-FR" sz="1100" dirty="0" smtClean="0"/>
+              <a:t> </a:t>
+            </a:r>
+            <a:r>
+              <a:rPr lang="fr-FR" sz="1100" dirty="0"/>
+              <a:t>($notifications </a:t>
+            </a:r>
+            <a:r>
+              <a:rPr lang="fr-FR" sz="1100" dirty="0">
+                <a:solidFill>
+                  <a:schemeClr val="accent5"/>
+                </a:solidFill>
+              </a:rPr>
+              <a:t>as</a:t>
+            </a:r>
+            <a:r>
+              <a:rPr lang="fr-FR" sz="1100" dirty="0"/>
+              <a:t> $key =&gt; $</a:t>
+            </a:r>
+            <a:r>
+              <a:rPr lang="fr-FR" sz="1100" dirty="0" err="1"/>
+              <a:t>notificationLoop</a:t>
+            </a:r>
+            <a:r>
+              <a:rPr lang="fr-FR" sz="1100" dirty="0"/>
+              <a:t>) {				</a:t>
+            </a:r>
+            <a:endParaRPr lang="fr-FR" sz="1100" dirty="0" smtClean="0"/>
+          </a:p>
+          <a:p>
+            <a:r>
+              <a:rPr lang="fr-FR" sz="1100" dirty="0"/>
+              <a:t>	</a:t>
+            </a:r>
+            <a:r>
+              <a:rPr lang="fr-FR" sz="1100" dirty="0" smtClean="0"/>
+              <a:t>$</a:t>
+            </a:r>
+            <a:r>
+              <a:rPr lang="fr-FR" sz="1100" dirty="0"/>
+              <a:t>notifications[$key</a:t>
+            </a:r>
+            <a:r>
+              <a:rPr lang="fr-FR" sz="1100" dirty="0" smtClean="0"/>
+              <a:t>][</a:t>
+            </a:r>
+            <a:r>
+              <a:rPr lang="fr-FR" sz="1100" dirty="0" smtClean="0">
+                <a:solidFill>
+                  <a:schemeClr val="accent4"/>
+                </a:solidFill>
+              </a:rPr>
+              <a:t>'</a:t>
+            </a:r>
+            <a:r>
+              <a:rPr lang="fr-FR" sz="1100" dirty="0" err="1" smtClean="0">
+                <a:solidFill>
+                  <a:schemeClr val="accent4"/>
+                </a:solidFill>
+              </a:rPr>
+              <a:t>sender</a:t>
+            </a:r>
+            <a:r>
+              <a:rPr lang="fr-FR" sz="1100" dirty="0" smtClean="0">
+                <a:solidFill>
+                  <a:schemeClr val="accent4"/>
+                </a:solidFill>
+              </a:rPr>
+              <a:t>'] </a:t>
+            </a:r>
+            <a:r>
+              <a:rPr lang="fr-FR" sz="1100" dirty="0" smtClean="0"/>
+              <a:t>= </a:t>
+            </a:r>
+            <a:r>
+              <a:rPr lang="fr-FR" sz="1100" dirty="0"/>
+              <a:t>(</a:t>
+            </a:r>
+            <a:r>
+              <a:rPr lang="fr-FR" sz="1100" dirty="0">
+                <a:solidFill>
+                  <a:schemeClr val="accent5"/>
+                </a:solidFill>
+              </a:rPr>
+              <a:t>new</a:t>
+            </a:r>
+            <a:r>
+              <a:rPr lang="fr-FR" sz="1100" dirty="0"/>
+              <a:t> Single($</a:t>
+            </a:r>
+            <a:r>
+              <a:rPr lang="fr-FR" sz="1100" dirty="0" err="1"/>
+              <a:t>notificationLoop</a:t>
+            </a:r>
+            <a:r>
+              <a:rPr lang="fr-FR" sz="1100" dirty="0"/>
+              <a:t>[</a:t>
+            </a:r>
+            <a:r>
+              <a:rPr lang="fr-FR" sz="1100" dirty="0">
+                <a:solidFill>
+                  <a:schemeClr val="accent4"/>
+                </a:solidFill>
+              </a:rPr>
+              <a:t>'</a:t>
+            </a:r>
+            <a:r>
+              <a:rPr lang="fr-FR" sz="1100" dirty="0" err="1">
+                <a:solidFill>
+                  <a:schemeClr val="accent4"/>
+                </a:solidFill>
+              </a:rPr>
+              <a:t>user_id</a:t>
+            </a:r>
+            <a:r>
+              <a:rPr lang="fr-FR" sz="1100" dirty="0">
+                <a:solidFill>
+                  <a:schemeClr val="accent4"/>
+                </a:solidFill>
+              </a:rPr>
+              <a:t>'</a:t>
+            </a:r>
+            <a:r>
+              <a:rPr lang="fr-FR" sz="1100" dirty="0"/>
+              <a:t>]))-&gt;</a:t>
+            </a:r>
+            <a:r>
+              <a:rPr lang="fr-FR" sz="1100" dirty="0" err="1"/>
+              <a:t>getMember</a:t>
+            </a:r>
+            <a:r>
+              <a:rPr lang="fr-FR" sz="1100" dirty="0"/>
+              <a:t>();				</a:t>
+            </a:r>
+            <a:endParaRPr lang="fr-FR" sz="1100" dirty="0" smtClean="0"/>
+          </a:p>
+          <a:p>
+            <a:r>
+              <a:rPr lang="fr-FR" sz="1100" dirty="0"/>
+              <a:t>	</a:t>
+            </a:r>
+            <a:r>
+              <a:rPr lang="fr-FR" sz="1100" dirty="0" smtClean="0"/>
+              <a:t>$</a:t>
+            </a:r>
+            <a:r>
+              <a:rPr lang="fr-FR" sz="1100" dirty="0"/>
+              <a:t>notifications[$key][</a:t>
+            </a:r>
+            <a:r>
+              <a:rPr lang="fr-FR" sz="1100" dirty="0" smtClean="0">
+                <a:solidFill>
+                  <a:schemeClr val="accent4"/>
+                </a:solidFill>
+              </a:rPr>
+              <a:t>'</a:t>
+            </a:r>
+            <a:r>
+              <a:rPr lang="fr-FR" sz="1100" dirty="0" err="1" smtClean="0">
+                <a:solidFill>
+                  <a:schemeClr val="accent4"/>
+                </a:solidFill>
+              </a:rPr>
+              <a:t>receiver</a:t>
+            </a:r>
+            <a:r>
+              <a:rPr lang="fr-FR" sz="1100" dirty="0">
+                <a:solidFill>
+                  <a:schemeClr val="accent4"/>
+                </a:solidFill>
+              </a:rPr>
+              <a:t>'</a:t>
+            </a:r>
+            <a:r>
+              <a:rPr lang="fr-FR" sz="1100" dirty="0"/>
+              <a:t>] = $</a:t>
+            </a:r>
+            <a:r>
+              <a:rPr lang="fr-FR" sz="1100" dirty="0" err="1"/>
+              <a:t>this</a:t>
+            </a:r>
+            <a:r>
+              <a:rPr lang="fr-FR" sz="1100" dirty="0"/>
+              <a:t>-&gt;</a:t>
+            </a:r>
+            <a:r>
+              <a:rPr lang="fr-FR" sz="1100" dirty="0" err="1"/>
+              <a:t>member</a:t>
+            </a:r>
+            <a:r>
+              <a:rPr lang="fr-FR" sz="1100" dirty="0"/>
+              <a:t>;			</a:t>
+            </a:r>
+            <a:endParaRPr lang="fr-FR" sz="1100" dirty="0" smtClean="0"/>
+          </a:p>
+          <a:p>
+            <a:r>
+              <a:rPr lang="fr-FR" sz="1100" dirty="0" smtClean="0"/>
+              <a:t>	} </a:t>
+            </a:r>
+            <a:r>
+              <a:rPr lang="fr-FR" sz="1100" dirty="0" smtClean="0">
+                <a:solidFill>
+                  <a:schemeClr val="accent5"/>
+                </a:solidFill>
+              </a:rPr>
+              <a:t>return </a:t>
+            </a:r>
+            <a:r>
+              <a:rPr lang="fr-FR" sz="1100" dirty="0"/>
+              <a:t>$notifications;		</a:t>
+            </a:r>
+            <a:endParaRPr lang="fr-FR" sz="1100" dirty="0" smtClean="0"/>
+          </a:p>
+          <a:p>
+            <a:r>
+              <a:rPr lang="fr-FR" sz="1100" dirty="0" smtClean="0"/>
+              <a:t>}                            </a:t>
+            </a:r>
+            <a:r>
+              <a:rPr lang="fr-FR" sz="1100" dirty="0" smtClean="0">
+                <a:solidFill>
+                  <a:schemeClr val="accent5"/>
+                </a:solidFill>
+              </a:rPr>
+              <a:t>public </a:t>
+            </a:r>
+            <a:r>
+              <a:rPr lang="fr-FR" sz="1100" dirty="0" err="1">
+                <a:solidFill>
+                  <a:schemeClr val="accent5"/>
+                </a:solidFill>
+              </a:rPr>
+              <a:t>function</a:t>
+            </a:r>
+            <a:r>
+              <a:rPr lang="fr-FR" sz="1100" dirty="0">
+                <a:solidFill>
+                  <a:schemeClr val="accent5"/>
+                </a:solidFill>
+              </a:rPr>
+              <a:t> </a:t>
+            </a:r>
+            <a:r>
+              <a:rPr lang="fr-FR" sz="1100" dirty="0" err="1">
+                <a:solidFill>
+                  <a:srgbClr val="7030A0"/>
+                </a:solidFill>
+              </a:rPr>
+              <a:t>sendFriendRequest</a:t>
+            </a:r>
+            <a:r>
+              <a:rPr lang="fr-FR" sz="1100" dirty="0"/>
+              <a:t>($</a:t>
+            </a:r>
+            <a:r>
+              <a:rPr lang="fr-FR" sz="1100" dirty="0" err="1"/>
+              <a:t>requestedId</a:t>
+            </a:r>
+            <a:r>
+              <a:rPr lang="fr-FR" sz="1100" dirty="0"/>
+              <a:t>) {			</a:t>
+            </a:r>
+            <a:endParaRPr lang="fr-FR" sz="1100" dirty="0" smtClean="0"/>
+          </a:p>
+          <a:p>
+            <a:r>
+              <a:rPr lang="fr-FR" sz="1100" dirty="0"/>
+              <a:t>	</a:t>
+            </a:r>
+            <a:r>
+              <a:rPr lang="fr-FR" sz="1100" dirty="0" smtClean="0"/>
+              <a:t>$</a:t>
+            </a:r>
+            <a:r>
+              <a:rPr lang="fr-FR" sz="1100" dirty="0" err="1"/>
+              <a:t>requestedMember</a:t>
+            </a:r>
+            <a:r>
+              <a:rPr lang="fr-FR" sz="1100" dirty="0"/>
+              <a:t> = (</a:t>
+            </a:r>
+            <a:r>
+              <a:rPr lang="fr-FR" sz="1100" dirty="0">
+                <a:solidFill>
+                  <a:schemeClr val="accent5"/>
+                </a:solidFill>
+              </a:rPr>
+              <a:t>new</a:t>
+            </a:r>
+            <a:r>
+              <a:rPr lang="fr-FR" sz="1100" dirty="0"/>
+              <a:t> Single($</a:t>
+            </a:r>
+            <a:r>
+              <a:rPr lang="fr-FR" sz="1100" dirty="0" err="1"/>
+              <a:t>requestedId</a:t>
+            </a:r>
+            <a:r>
+              <a:rPr lang="fr-FR" sz="1100" dirty="0"/>
+              <a:t>))-&gt;</a:t>
+            </a:r>
+            <a:r>
+              <a:rPr lang="fr-FR" sz="1100" dirty="0" err="1"/>
+              <a:t>getMember</a:t>
+            </a:r>
+            <a:r>
+              <a:rPr lang="fr-FR" sz="1100" dirty="0"/>
+              <a:t>();			</a:t>
+            </a:r>
+            <a:r>
+              <a:rPr lang="fr-FR" sz="1100" dirty="0" smtClean="0"/>
+              <a:t>i</a:t>
+            </a:r>
+          </a:p>
+          <a:p>
+            <a:r>
+              <a:rPr lang="fr-FR" sz="1100" dirty="0"/>
+              <a:t>	</a:t>
+            </a:r>
+            <a:r>
+              <a:rPr lang="fr-FR" sz="1100" dirty="0" smtClean="0">
+                <a:solidFill>
+                  <a:schemeClr val="accent5"/>
+                </a:solidFill>
+              </a:rPr>
+              <a:t>if </a:t>
+            </a:r>
+            <a:r>
+              <a:rPr lang="fr-FR" sz="1100" dirty="0"/>
+              <a:t>($</a:t>
+            </a:r>
+            <a:r>
+              <a:rPr lang="fr-FR" sz="1100" dirty="0" err="1"/>
+              <a:t>this</a:t>
+            </a:r>
+            <a:r>
+              <a:rPr lang="fr-FR" sz="1100" dirty="0"/>
+              <a:t>-&gt;</a:t>
+            </a:r>
+            <a:r>
+              <a:rPr lang="fr-FR" sz="1100" dirty="0" err="1"/>
+              <a:t>member</a:t>
+            </a:r>
+            <a:r>
+              <a:rPr lang="fr-FR" sz="1100" dirty="0"/>
+              <a:t>['</a:t>
+            </a:r>
+            <a:r>
+              <a:rPr lang="fr-FR" sz="1100" dirty="0" err="1">
+                <a:solidFill>
+                  <a:schemeClr val="accent4"/>
+                </a:solidFill>
+              </a:rPr>
+              <a:t>type_id</a:t>
+            </a:r>
+            <a:r>
+              <a:rPr lang="fr-FR" sz="1100" dirty="0"/>
+              <a:t>'] != </a:t>
+            </a:r>
+            <a:r>
+              <a:rPr lang="fr-FR" sz="1100" dirty="0">
+                <a:solidFill>
+                  <a:schemeClr val="accent6"/>
+                </a:solidFill>
+              </a:rPr>
+              <a:t>3</a:t>
+            </a:r>
+            <a:r>
+              <a:rPr lang="fr-FR" sz="1100" dirty="0"/>
+              <a:t> AND $</a:t>
+            </a:r>
+            <a:r>
+              <a:rPr lang="fr-FR" sz="1100" dirty="0" err="1"/>
+              <a:t>requestedMember</a:t>
+            </a:r>
+            <a:r>
+              <a:rPr lang="fr-FR" sz="1100" dirty="0"/>
+              <a:t>[</a:t>
+            </a:r>
+            <a:r>
+              <a:rPr lang="fr-FR" sz="1100" dirty="0">
+                <a:solidFill>
+                  <a:schemeClr val="accent4"/>
+                </a:solidFill>
+              </a:rPr>
+              <a:t>'</a:t>
+            </a:r>
+            <a:r>
+              <a:rPr lang="fr-FR" sz="1100" dirty="0" err="1">
+                <a:solidFill>
+                  <a:schemeClr val="accent4"/>
+                </a:solidFill>
+              </a:rPr>
+              <a:t>type_id</a:t>
+            </a:r>
+            <a:r>
+              <a:rPr lang="fr-FR" sz="1100" dirty="0">
+                <a:solidFill>
+                  <a:schemeClr val="accent4"/>
+                </a:solidFill>
+              </a:rPr>
+              <a:t>'</a:t>
+            </a:r>
+            <a:r>
+              <a:rPr lang="fr-FR" sz="1100" dirty="0"/>
+              <a:t>] </a:t>
+            </a:r>
+            <a:r>
+              <a:rPr lang="fr-FR" sz="1100" dirty="0" smtClean="0"/>
+              <a:t>!= </a:t>
+            </a:r>
+            <a:r>
+              <a:rPr lang="fr-FR" sz="1100" dirty="0">
+                <a:solidFill>
+                  <a:schemeClr val="accent6"/>
+                </a:solidFill>
+              </a:rPr>
+              <a:t>3</a:t>
+            </a:r>
+            <a:r>
+              <a:rPr lang="fr-FR" sz="1100" dirty="0" smtClean="0"/>
+              <a:t>AND </a:t>
+            </a:r>
+            <a:r>
+              <a:rPr lang="fr-FR" sz="1100" dirty="0"/>
+              <a:t>!$</a:t>
+            </a:r>
+            <a:r>
+              <a:rPr lang="fr-FR" sz="1100" dirty="0" err="1"/>
+              <a:t>this</a:t>
+            </a:r>
+            <a:r>
+              <a:rPr lang="fr-FR" sz="1100" dirty="0"/>
+              <a:t>-&gt;</a:t>
+            </a:r>
+            <a:r>
+              <a:rPr lang="fr-FR" sz="1100" dirty="0" err="1"/>
+              <a:t>befriend</a:t>
+            </a:r>
+            <a:r>
+              <a:rPr lang="fr-FR" sz="1100" dirty="0"/>
+              <a:t>($</a:t>
+            </a:r>
+            <a:r>
+              <a:rPr lang="fr-FR" sz="1100" dirty="0" err="1"/>
+              <a:t>requestedId</a:t>
+            </a:r>
+            <a:r>
+              <a:rPr lang="fr-FR" sz="1100" dirty="0"/>
+              <a:t>) AND !$</a:t>
+            </a:r>
+            <a:r>
+              <a:rPr lang="fr-FR" sz="1100" dirty="0" err="1"/>
+              <a:t>this</a:t>
+            </a:r>
+            <a:r>
+              <a:rPr lang="fr-FR" sz="1100" dirty="0"/>
+              <a:t>-&gt;</a:t>
+            </a:r>
+            <a:r>
+              <a:rPr lang="fr-FR" sz="1100" dirty="0" err="1"/>
+              <a:t>requestPending</a:t>
+            </a:r>
+            <a:r>
+              <a:rPr lang="fr-FR" sz="1100" dirty="0"/>
+              <a:t>($</a:t>
+            </a:r>
+            <a:r>
+              <a:rPr lang="fr-FR" sz="1100" dirty="0" err="1"/>
+              <a:t>requestedId</a:t>
+            </a:r>
+            <a:r>
+              <a:rPr lang="fr-FR" sz="1100" dirty="0"/>
+              <a:t>, </a:t>
+            </a:r>
+            <a:r>
+              <a:rPr lang="fr-FR" sz="1100" dirty="0" err="1">
+                <a:solidFill>
+                  <a:schemeClr val="accent4"/>
+                </a:solidFill>
+              </a:rPr>
+              <a:t>true</a:t>
+            </a:r>
+            <a:r>
+              <a:rPr lang="fr-FR" sz="1100" dirty="0"/>
+              <a:t>)) {			</a:t>
+            </a:r>
+            <a:r>
+              <a:rPr lang="fr-FR" sz="1100" dirty="0" smtClean="0"/>
+              <a:t>$</a:t>
+            </a:r>
+            <a:r>
+              <a:rPr lang="fr-FR" sz="1100" dirty="0" err="1"/>
+              <a:t>request</a:t>
+            </a:r>
+            <a:r>
+              <a:rPr lang="fr-FR" sz="1100" dirty="0"/>
+              <a:t> = \Basics\Site::</a:t>
+            </a:r>
+            <a:r>
+              <a:rPr lang="fr-FR" sz="1100" dirty="0" err="1"/>
+              <a:t>getDB</a:t>
+            </a:r>
+            <a:r>
+              <a:rPr lang="fr-FR" sz="1100" dirty="0"/>
+              <a:t>()-&gt;</a:t>
+            </a:r>
+            <a:r>
+              <a:rPr lang="fr-FR" sz="1100" dirty="0" err="1"/>
+              <a:t>prepare</a:t>
+            </a:r>
+            <a:r>
+              <a:rPr lang="fr-FR" sz="1100" dirty="0"/>
+              <a:t>(</a:t>
+            </a:r>
+            <a:r>
+              <a:rPr lang="fr-FR" sz="1100" dirty="0">
+                <a:solidFill>
+                  <a:schemeClr val="accent4"/>
+                </a:solidFill>
+              </a:rPr>
+              <a:t>'INSERT INTO </a:t>
+            </a:r>
+            <a:r>
+              <a:rPr lang="fr-FR" sz="1100" dirty="0" err="1">
+                <a:solidFill>
+                  <a:schemeClr val="accent4"/>
+                </a:solidFill>
+              </a:rPr>
+              <a:t>friend_requests</a:t>
+            </a:r>
+            <a:r>
+              <a:rPr lang="fr-FR" sz="1100" dirty="0">
+                <a:solidFill>
+                  <a:schemeClr val="accent4"/>
+                </a:solidFill>
+              </a:rPr>
+              <a:t> (</a:t>
+            </a:r>
+            <a:r>
+              <a:rPr lang="fr-FR" sz="1100" dirty="0" err="1">
+                <a:solidFill>
+                  <a:schemeClr val="accent4"/>
+                </a:solidFill>
+              </a:rPr>
+              <a:t>from_u</a:t>
+            </a:r>
+            <a:r>
+              <a:rPr lang="fr-FR" sz="1100" dirty="0">
+                <a:solidFill>
+                  <a:schemeClr val="accent4"/>
+                </a:solidFill>
+              </a:rPr>
+              <a:t>, </a:t>
+            </a:r>
+            <a:r>
+              <a:rPr lang="fr-FR" sz="1100" dirty="0" err="1">
+                <a:solidFill>
+                  <a:schemeClr val="accent4"/>
+                </a:solidFill>
+              </a:rPr>
+              <a:t>to_u</a:t>
+            </a:r>
+            <a:r>
+              <a:rPr lang="fr-FR" sz="1100" dirty="0">
+                <a:solidFill>
+                  <a:schemeClr val="accent4"/>
+                </a:solidFill>
+              </a:rPr>
+              <a:t>) VALUES (?, ?)</a:t>
+            </a:r>
+            <a:r>
+              <a:rPr lang="fr-FR" sz="1100" dirty="0"/>
+              <a:t>');				</a:t>
+            </a:r>
+            <a:endParaRPr lang="fr-FR" sz="1100" dirty="0" smtClean="0"/>
+          </a:p>
+          <a:p>
+            <a:r>
+              <a:rPr lang="fr-FR" sz="1100" dirty="0"/>
+              <a:t>	</a:t>
+            </a:r>
+            <a:r>
+              <a:rPr lang="fr-FR" sz="1100" dirty="0" smtClean="0"/>
+              <a:t>$</a:t>
+            </a:r>
+            <a:r>
+              <a:rPr lang="fr-FR" sz="1100" dirty="0" err="1"/>
+              <a:t>request</a:t>
+            </a:r>
+            <a:r>
+              <a:rPr lang="fr-FR" sz="1100" dirty="0"/>
+              <a:t>-&gt;</a:t>
+            </a:r>
+            <a:r>
+              <a:rPr lang="fr-FR" sz="1100" dirty="0" err="1"/>
+              <a:t>execute</a:t>
+            </a:r>
+            <a:r>
+              <a:rPr lang="fr-FR" sz="1100" dirty="0"/>
+              <a:t>([$</a:t>
+            </a:r>
+            <a:r>
+              <a:rPr lang="fr-FR" sz="1100" dirty="0" err="1"/>
+              <a:t>this</a:t>
+            </a:r>
+            <a:r>
+              <a:rPr lang="fr-FR" sz="1100" dirty="0"/>
+              <a:t>-&gt;</a:t>
+            </a:r>
+            <a:r>
+              <a:rPr lang="fr-FR" sz="1100" dirty="0" err="1"/>
+              <a:t>member</a:t>
+            </a:r>
+            <a:r>
+              <a:rPr lang="fr-FR" sz="1100" dirty="0"/>
+              <a:t>['id'], $</a:t>
+            </a:r>
+            <a:r>
+              <a:rPr lang="fr-FR" sz="1100" dirty="0" err="1"/>
+              <a:t>requestedId</a:t>
+            </a:r>
+            <a:r>
+              <a:rPr lang="fr-FR" sz="1100" dirty="0"/>
+              <a:t>]);				</a:t>
+            </a:r>
+            <a:endParaRPr lang="fr-FR" sz="1100" dirty="0" smtClean="0"/>
+          </a:p>
+          <a:p>
+            <a:r>
+              <a:rPr lang="fr-FR" sz="1100" dirty="0"/>
+              <a:t>	</a:t>
+            </a:r>
+            <a:r>
+              <a:rPr lang="fr-FR" sz="1100" dirty="0" smtClean="0"/>
+              <a:t>$</a:t>
+            </a:r>
+            <a:r>
+              <a:rPr lang="fr-FR" sz="1100" dirty="0" err="1"/>
+              <a:t>request</a:t>
+            </a:r>
+            <a:r>
+              <a:rPr lang="fr-FR" sz="1100" dirty="0"/>
+              <a:t> = \Basics\Site::</a:t>
+            </a:r>
+            <a:r>
+              <a:rPr lang="fr-FR" sz="1100" dirty="0" err="1"/>
+              <a:t>getDB</a:t>
+            </a:r>
+            <a:r>
+              <a:rPr lang="fr-FR" sz="1100" dirty="0"/>
+              <a:t>()-&gt;</a:t>
+            </a:r>
+            <a:r>
+              <a:rPr lang="fr-FR" sz="1100" dirty="0" err="1"/>
+              <a:t>prepare</a:t>
+            </a:r>
+            <a:r>
+              <a:rPr lang="fr-FR" sz="1100" dirty="0"/>
+              <a:t>(</a:t>
+            </a:r>
+            <a:r>
+              <a:rPr lang="fr-FR" sz="1100" dirty="0">
+                <a:solidFill>
+                  <a:schemeClr val="accent4"/>
+                </a:solidFill>
+              </a:rPr>
+              <a:t>'INSERT INTO notifications (</a:t>
+            </a:r>
+            <a:r>
+              <a:rPr lang="fr-FR" sz="1100" dirty="0" err="1">
+                <a:solidFill>
+                  <a:schemeClr val="accent4"/>
+                </a:solidFill>
+              </a:rPr>
+              <a:t>subject_id</a:t>
+            </a:r>
+            <a:r>
+              <a:rPr lang="fr-FR" sz="1100" dirty="0">
+                <a:solidFill>
+                  <a:schemeClr val="accent4"/>
+                </a:solidFill>
+              </a:rPr>
+              <a:t>, </a:t>
+            </a:r>
+            <a:r>
+              <a:rPr lang="fr-FR" sz="1100" dirty="0" err="1">
+                <a:solidFill>
+                  <a:schemeClr val="accent4"/>
+                </a:solidFill>
+              </a:rPr>
+              <a:t>name</a:t>
+            </a:r>
+            <a:r>
+              <a:rPr lang="fr-FR" sz="1100" dirty="0">
+                <a:solidFill>
+                  <a:schemeClr val="accent4"/>
+                </a:solidFill>
+              </a:rPr>
+              <a:t>, </a:t>
+            </a:r>
+            <a:r>
+              <a:rPr lang="fr-FR" sz="1100" dirty="0" err="1">
+                <a:solidFill>
+                  <a:schemeClr val="accent4"/>
+                </a:solidFill>
+              </a:rPr>
+              <a:t>user_id</a:t>
+            </a:r>
+            <a:r>
+              <a:rPr lang="fr-FR" sz="1100" dirty="0">
+                <a:solidFill>
+                  <a:schemeClr val="accent4"/>
+                </a:solidFill>
+              </a:rPr>
+              <a:t>) VALUES (:</a:t>
+            </a:r>
+            <a:r>
+              <a:rPr lang="fr-FR" sz="1100" dirty="0" err="1">
+                <a:solidFill>
+                  <a:schemeClr val="accent4"/>
+                </a:solidFill>
+              </a:rPr>
+              <a:t>subject_id</a:t>
+            </a:r>
+            <a:r>
+              <a:rPr lang="fr-FR" sz="1100" dirty="0">
+                <a:solidFill>
+                  <a:schemeClr val="accent4"/>
+                </a:solidFill>
+              </a:rPr>
+              <a:t>, :</a:t>
+            </a:r>
+            <a:r>
+              <a:rPr lang="fr-FR" sz="1100" dirty="0" err="1">
+                <a:solidFill>
+                  <a:schemeClr val="accent4"/>
+                </a:solidFill>
+              </a:rPr>
+              <a:t>name</a:t>
+            </a:r>
+            <a:r>
+              <a:rPr lang="fr-FR" sz="1100" dirty="0">
+                <a:solidFill>
+                  <a:schemeClr val="accent4"/>
+                </a:solidFill>
+              </a:rPr>
+              <a:t> , :</a:t>
+            </a:r>
+            <a:r>
+              <a:rPr lang="fr-FR" sz="1100" dirty="0" err="1">
+                <a:solidFill>
+                  <a:schemeClr val="accent4"/>
+                </a:solidFill>
+              </a:rPr>
+              <a:t>user_id</a:t>
+            </a:r>
+            <a:r>
+              <a:rPr lang="fr-FR" sz="1100" dirty="0"/>
+              <a:t>)');				$</a:t>
+            </a:r>
+            <a:r>
+              <a:rPr lang="fr-FR" sz="1100" dirty="0" err="1"/>
+              <a:t>request</a:t>
+            </a:r>
+            <a:r>
+              <a:rPr lang="fr-FR" sz="1100" dirty="0"/>
+              <a:t>-&gt;</a:t>
+            </a:r>
+            <a:r>
+              <a:rPr lang="fr-FR" sz="1100" dirty="0" err="1"/>
+              <a:t>execute</a:t>
+            </a:r>
+            <a:r>
+              <a:rPr lang="fr-FR" sz="1100" dirty="0"/>
+              <a:t>(['</a:t>
+            </a:r>
+            <a:r>
+              <a:rPr lang="fr-FR" sz="1100" dirty="0" err="1"/>
+              <a:t>subject_id</a:t>
+            </a:r>
+            <a:r>
+              <a:rPr lang="fr-FR" sz="1100" dirty="0"/>
+              <a:t>'=&gt; $</a:t>
+            </a:r>
+            <a:r>
+              <a:rPr lang="fr-FR" sz="1100" dirty="0" err="1"/>
+              <a:t>requestedId</a:t>
+            </a:r>
+            <a:r>
+              <a:rPr lang="fr-FR" sz="1100" dirty="0"/>
+              <a:t>,					</a:t>
+            </a:r>
+            <a:r>
+              <a:rPr lang="fr-FR" sz="1100" dirty="0" smtClean="0"/>
+              <a:t>’</a:t>
+            </a:r>
+          </a:p>
+          <a:p>
+            <a:r>
+              <a:rPr lang="fr-FR" sz="1100" dirty="0"/>
+              <a:t>	</a:t>
+            </a:r>
+            <a:r>
+              <a:rPr lang="fr-FR" sz="1100" dirty="0" err="1" smtClean="0">
+                <a:solidFill>
+                  <a:schemeClr val="accent4"/>
+                </a:solidFill>
+              </a:rPr>
+              <a:t>name</a:t>
+            </a:r>
+            <a:r>
+              <a:rPr lang="fr-FR" sz="1100" dirty="0"/>
+              <a:t>' =&gt; '</a:t>
+            </a:r>
+            <a:r>
+              <a:rPr lang="fr-FR" sz="1100" dirty="0" err="1">
+                <a:solidFill>
+                  <a:schemeClr val="accent4"/>
+                </a:solidFill>
+              </a:rPr>
+              <a:t>friend_request_sent</a:t>
+            </a:r>
+            <a:r>
+              <a:rPr lang="fr-FR" sz="1100" dirty="0"/>
+              <a:t>',					</a:t>
+            </a:r>
+            <a:endParaRPr lang="fr-FR" sz="1100" dirty="0" smtClean="0"/>
+          </a:p>
+          <a:p>
+            <a:r>
+              <a:rPr lang="fr-FR" sz="1100" dirty="0"/>
+              <a:t>	</a:t>
+            </a:r>
+            <a:r>
+              <a:rPr lang="fr-FR" sz="1100" dirty="0" smtClean="0">
+                <a:solidFill>
+                  <a:schemeClr val="accent4"/>
+                </a:solidFill>
+              </a:rPr>
+              <a:t>'</a:t>
+            </a:r>
+            <a:r>
+              <a:rPr lang="fr-FR" sz="1100" dirty="0" err="1" smtClean="0">
+                <a:solidFill>
+                  <a:schemeClr val="accent4"/>
+                </a:solidFill>
+              </a:rPr>
+              <a:t>user_id</a:t>
+            </a:r>
+            <a:r>
+              <a:rPr lang="fr-FR" sz="1100" dirty="0"/>
+              <a:t>' =&gt; $</a:t>
+            </a:r>
+            <a:r>
+              <a:rPr lang="fr-FR" sz="1100" dirty="0" err="1"/>
+              <a:t>this</a:t>
+            </a:r>
+            <a:r>
+              <a:rPr lang="fr-FR" sz="1100" dirty="0"/>
+              <a:t>-&gt;</a:t>
+            </a:r>
+            <a:r>
+              <a:rPr lang="fr-FR" sz="1100" dirty="0" err="1"/>
+              <a:t>member</a:t>
+            </a:r>
+            <a:r>
+              <a:rPr lang="fr-FR" sz="1100" dirty="0"/>
+              <a:t>[</a:t>
+            </a:r>
+            <a:r>
+              <a:rPr lang="fr-FR" sz="1100" dirty="0">
+                <a:solidFill>
+                  <a:schemeClr val="accent4"/>
+                </a:solidFill>
+              </a:rPr>
+              <a:t>'id']</a:t>
+            </a:r>
+            <a:r>
+              <a:rPr lang="fr-FR" sz="1100" dirty="0"/>
+              <a:t>				</a:t>
+            </a:r>
+            <a:endParaRPr lang="fr-FR" sz="1100" dirty="0" smtClean="0"/>
+          </a:p>
+          <a:p>
+            <a:r>
+              <a:rPr lang="fr-FR" sz="1100" dirty="0"/>
+              <a:t>	</a:t>
+            </a:r>
+            <a:r>
+              <a:rPr lang="fr-FR" sz="1100" dirty="0" smtClean="0"/>
+              <a:t>]);</a:t>
+            </a:r>
+            <a:r>
+              <a:rPr lang="fr-FR" sz="1100" dirty="0" smtClean="0">
+                <a:solidFill>
+                  <a:schemeClr val="accent5"/>
+                </a:solidFill>
+              </a:rPr>
+              <a:t> return </a:t>
+            </a:r>
+            <a:r>
+              <a:rPr lang="fr-FR" sz="1100" dirty="0" err="1">
+                <a:solidFill>
+                  <a:schemeClr val="accent4"/>
+                </a:solidFill>
+              </a:rPr>
+              <a:t>true</a:t>
+            </a:r>
+            <a:r>
+              <a:rPr lang="fr-FR" sz="1100" dirty="0">
+                <a:solidFill>
+                  <a:schemeClr val="accent4"/>
+                </a:solidFill>
+              </a:rPr>
+              <a:t>;</a:t>
+            </a:r>
+            <a:r>
+              <a:rPr lang="fr-FR" sz="1100" dirty="0"/>
+              <a:t>	</a:t>
+            </a:r>
+            <a:r>
+              <a:rPr lang="fr-FR" sz="1100" dirty="0" smtClean="0"/>
+              <a:t>} </a:t>
+            </a:r>
+            <a:r>
+              <a:rPr lang="fr-FR" sz="1100" dirty="0" err="1" smtClean="0">
+                <a:solidFill>
+                  <a:schemeClr val="accent5"/>
+                </a:solidFill>
+              </a:rPr>
+              <a:t>else</a:t>
+            </a:r>
+            <a:r>
+              <a:rPr lang="fr-FR" sz="1100" dirty="0" smtClean="0"/>
+              <a:t> </a:t>
+            </a:r>
+            <a:r>
+              <a:rPr lang="fr-FR" sz="1100" dirty="0" smtClean="0">
+                <a:solidFill>
+                  <a:schemeClr val="accent5"/>
+                </a:solidFill>
+              </a:rPr>
+              <a:t>return </a:t>
+            </a:r>
+            <a:r>
+              <a:rPr lang="fr-FR" sz="1100" dirty="0">
+                <a:solidFill>
+                  <a:schemeClr val="accent4"/>
+                </a:solidFill>
+              </a:rPr>
+              <a:t>false</a:t>
+            </a:r>
+            <a:r>
+              <a:rPr lang="fr-FR" sz="1100" dirty="0" smtClean="0"/>
+              <a:t>; }</a:t>
+            </a:r>
+            <a:r>
+              <a:rPr lang="fr-FR" sz="1100" dirty="0"/>
+              <a:t>		</a:t>
+            </a:r>
+            <a:endParaRPr lang="fr-FR" sz="1100" dirty="0" smtClean="0"/>
+          </a:p>
+          <a:p>
+            <a:r>
+              <a:rPr lang="fr-FR" sz="1100" dirty="0"/>
+              <a:t>	</a:t>
+            </a:r>
+            <a:r>
+              <a:rPr lang="fr-FR" sz="1100" dirty="0" smtClean="0">
+                <a:solidFill>
+                  <a:schemeClr val="accent5"/>
+                </a:solidFill>
+              </a:rPr>
+              <a:t>public </a:t>
+            </a:r>
+            <a:r>
+              <a:rPr lang="fr-FR" sz="1100" dirty="0" err="1">
+                <a:solidFill>
+                  <a:schemeClr val="accent5"/>
+                </a:solidFill>
+              </a:rPr>
+              <a:t>function</a:t>
+            </a:r>
+            <a:r>
+              <a:rPr lang="fr-FR" sz="1100" dirty="0">
+                <a:solidFill>
+                  <a:schemeClr val="accent5"/>
+                </a:solidFill>
+              </a:rPr>
+              <a:t> </a:t>
+            </a:r>
+            <a:r>
+              <a:rPr lang="fr-FR" sz="1100" dirty="0" err="1">
+                <a:solidFill>
+                  <a:srgbClr val="7030A0"/>
+                </a:solidFill>
+              </a:rPr>
+              <a:t>acceptFriendRequest</a:t>
+            </a:r>
+            <a:r>
+              <a:rPr lang="fr-FR" sz="1100" dirty="0"/>
+              <a:t>($</a:t>
+            </a:r>
+            <a:r>
+              <a:rPr lang="fr-FR" sz="1100" dirty="0" err="1"/>
+              <a:t>senderId</a:t>
+            </a:r>
+            <a:r>
+              <a:rPr lang="fr-FR" sz="1100" dirty="0"/>
+              <a:t>) {			</a:t>
+            </a:r>
+            <a:endParaRPr lang="fr-FR" sz="1100" dirty="0" smtClean="0"/>
+          </a:p>
+          <a:p>
+            <a:r>
+              <a:rPr lang="fr-FR" sz="1100" dirty="0"/>
+              <a:t>	</a:t>
+            </a:r>
+            <a:r>
+              <a:rPr lang="fr-FR" sz="1100" dirty="0" smtClean="0"/>
+              <a:t>$</a:t>
+            </a:r>
+            <a:r>
+              <a:rPr lang="fr-FR" sz="1100" dirty="0" err="1"/>
+              <a:t>requestedMemberObj</a:t>
+            </a:r>
+            <a:r>
+              <a:rPr lang="fr-FR" sz="1100" dirty="0"/>
+              <a:t> = new Single($</a:t>
+            </a:r>
+            <a:r>
+              <a:rPr lang="fr-FR" sz="1100" dirty="0" err="1"/>
+              <a:t>senderId</a:t>
+            </a:r>
+            <a:r>
+              <a:rPr lang="fr-FR" sz="1100" dirty="0"/>
+              <a:t>);			</a:t>
+            </a:r>
+            <a:endParaRPr lang="fr-FR" sz="1100" dirty="0" smtClean="0"/>
+          </a:p>
+          <a:p>
+            <a:r>
+              <a:rPr lang="fr-FR" sz="1100" dirty="0"/>
+              <a:t>	</a:t>
+            </a:r>
+            <a:r>
+              <a:rPr lang="fr-FR" sz="1100" dirty="0" smtClean="0"/>
+              <a:t>$</a:t>
+            </a:r>
+            <a:r>
+              <a:rPr lang="fr-FR" sz="1100" dirty="0" err="1"/>
+              <a:t>requestedMember</a:t>
+            </a:r>
+            <a:r>
+              <a:rPr lang="fr-FR" sz="1100" dirty="0"/>
+              <a:t> = $</a:t>
+            </a:r>
+            <a:r>
+              <a:rPr lang="fr-FR" sz="1100" dirty="0" err="1"/>
+              <a:t>requestedMemberObj</a:t>
+            </a:r>
+            <a:r>
+              <a:rPr lang="fr-FR" sz="1100" dirty="0"/>
+              <a:t>-&gt;</a:t>
+            </a:r>
+            <a:r>
+              <a:rPr lang="fr-FR" sz="1100" dirty="0" err="1"/>
+              <a:t>getMember</a:t>
+            </a:r>
+            <a:r>
+              <a:rPr lang="fr-FR" sz="1100" dirty="0"/>
+              <a:t>();			</a:t>
+            </a:r>
+            <a:endParaRPr lang="fr-FR" sz="1100" dirty="0" smtClean="0"/>
+          </a:p>
+          <a:p>
+            <a:r>
+              <a:rPr lang="fr-FR" sz="1100" dirty="0"/>
+              <a:t>	</a:t>
+            </a:r>
+            <a:r>
+              <a:rPr lang="fr-FR" sz="1100" dirty="0" smtClean="0"/>
+              <a:t>if </a:t>
+            </a:r>
+            <a:r>
+              <a:rPr lang="fr-FR" sz="1100" dirty="0"/>
+              <a:t>($</a:t>
+            </a:r>
+            <a:r>
+              <a:rPr lang="fr-FR" sz="1100" dirty="0" err="1"/>
+              <a:t>this</a:t>
+            </a:r>
+            <a:r>
+              <a:rPr lang="fr-FR" sz="1100" dirty="0"/>
+              <a:t>-&gt;</a:t>
+            </a:r>
+            <a:r>
+              <a:rPr lang="fr-FR" sz="1100" dirty="0" err="1"/>
+              <a:t>member</a:t>
+            </a:r>
+            <a:r>
+              <a:rPr lang="fr-FR" sz="1100" dirty="0"/>
+              <a:t>['</a:t>
+            </a:r>
+            <a:r>
+              <a:rPr lang="fr-FR" sz="1100" dirty="0" err="1">
+                <a:solidFill>
+                  <a:schemeClr val="accent4"/>
+                </a:solidFill>
+              </a:rPr>
+              <a:t>type_id</a:t>
+            </a:r>
+            <a:r>
+              <a:rPr lang="fr-FR" sz="1100" dirty="0"/>
+              <a:t>'] != </a:t>
+            </a:r>
+            <a:r>
+              <a:rPr lang="fr-FR" sz="1100" dirty="0">
+                <a:solidFill>
+                  <a:schemeClr val="accent6"/>
+                </a:solidFill>
+              </a:rPr>
+              <a:t>3</a:t>
+            </a:r>
+            <a:r>
+              <a:rPr lang="fr-FR" sz="1100" dirty="0"/>
+              <a:t> AND $</a:t>
+            </a:r>
+            <a:r>
+              <a:rPr lang="fr-FR" sz="1100" dirty="0" err="1"/>
+              <a:t>requestedMember</a:t>
+            </a:r>
+            <a:r>
+              <a:rPr lang="fr-FR" sz="1100" dirty="0"/>
+              <a:t>[</a:t>
+            </a:r>
+            <a:r>
+              <a:rPr lang="fr-FR" sz="1100" dirty="0">
+                <a:solidFill>
+                  <a:schemeClr val="accent4"/>
+                </a:solidFill>
+              </a:rPr>
+              <a:t>'</a:t>
+            </a:r>
+            <a:r>
+              <a:rPr lang="fr-FR" sz="1100" dirty="0" err="1">
+                <a:solidFill>
+                  <a:schemeClr val="accent4"/>
+                </a:solidFill>
+              </a:rPr>
+              <a:t>type_id</a:t>
+            </a:r>
+            <a:r>
+              <a:rPr lang="fr-FR" sz="1100" dirty="0">
+                <a:solidFill>
+                  <a:schemeClr val="accent4"/>
+                </a:solidFill>
+              </a:rPr>
+              <a:t>'</a:t>
+            </a:r>
+            <a:r>
+              <a:rPr lang="fr-FR" sz="1100" dirty="0"/>
+              <a:t>] != </a:t>
+            </a:r>
+            <a:r>
+              <a:rPr lang="fr-FR" sz="1100" dirty="0">
+                <a:solidFill>
+                  <a:schemeClr val="accent6"/>
+                </a:solidFill>
+              </a:rPr>
+              <a:t>3</a:t>
+            </a:r>
+            <a:r>
+              <a:rPr lang="fr-FR" sz="1100" dirty="0"/>
+              <a:t> AND !$</a:t>
+            </a:r>
+            <a:r>
+              <a:rPr lang="fr-FR" sz="1100" dirty="0" err="1"/>
+              <a:t>this</a:t>
+            </a:r>
+            <a:r>
+              <a:rPr lang="fr-FR" sz="1100" dirty="0"/>
+              <a:t>-&gt;</a:t>
+            </a:r>
+            <a:r>
+              <a:rPr lang="fr-FR" sz="1100" dirty="0" err="1"/>
+              <a:t>befriend</a:t>
+            </a:r>
+            <a:r>
+              <a:rPr lang="fr-FR" sz="1100" dirty="0"/>
+              <a:t>($</a:t>
+            </a:r>
+            <a:r>
+              <a:rPr lang="fr-FR" sz="1100" dirty="0" err="1"/>
+              <a:t>senderId</a:t>
+            </a:r>
+            <a:r>
+              <a:rPr lang="fr-FR" sz="1100" dirty="0"/>
+              <a:t>) AND $</a:t>
+            </a:r>
+            <a:r>
+              <a:rPr lang="fr-FR" sz="1100" dirty="0" err="1"/>
+              <a:t>requestedMemberObj</a:t>
+            </a:r>
+            <a:r>
+              <a:rPr lang="fr-FR" sz="1100" dirty="0"/>
+              <a:t>-&gt;</a:t>
+            </a:r>
+            <a:r>
+              <a:rPr lang="fr-FR" sz="1100" dirty="0" err="1"/>
+              <a:t>requestPending</a:t>
+            </a:r>
+            <a:r>
+              <a:rPr lang="fr-FR" sz="1100" dirty="0"/>
+              <a:t>($</a:t>
+            </a:r>
+            <a:r>
+              <a:rPr lang="fr-FR" sz="1100" dirty="0" err="1"/>
+              <a:t>this</a:t>
+            </a:r>
+            <a:r>
+              <a:rPr lang="fr-FR" sz="1100" dirty="0"/>
+              <a:t>-&gt;</a:t>
+            </a:r>
+            <a:r>
+              <a:rPr lang="fr-FR" sz="1100" dirty="0" err="1"/>
+              <a:t>member</a:t>
+            </a:r>
+            <a:r>
+              <a:rPr lang="fr-FR" sz="1100" dirty="0"/>
+              <a:t>[</a:t>
+            </a:r>
+            <a:r>
+              <a:rPr lang="fr-FR" sz="1100" dirty="0">
+                <a:solidFill>
+                  <a:schemeClr val="accent4"/>
+                </a:solidFill>
+              </a:rPr>
+              <a:t>'id</a:t>
+            </a:r>
+            <a:r>
+              <a:rPr lang="fr-FR" sz="1100" dirty="0"/>
+              <a:t>'])) 		</a:t>
+            </a:r>
+            <a:r>
+              <a:rPr lang="fr-FR" sz="1100" dirty="0" smtClean="0"/>
+              <a:t>$</a:t>
+            </a:r>
+            <a:r>
+              <a:rPr lang="fr-FR" sz="1100" dirty="0" err="1"/>
+              <a:t>request</a:t>
+            </a:r>
+            <a:r>
+              <a:rPr lang="fr-FR" sz="1100" dirty="0"/>
+              <a:t> = \Basics\Site::</a:t>
+            </a:r>
+            <a:r>
+              <a:rPr lang="fr-FR" sz="1100" dirty="0" err="1"/>
+              <a:t>getDB</a:t>
+            </a:r>
+            <a:r>
+              <a:rPr lang="fr-FR" sz="1100" dirty="0"/>
+              <a:t>()-&gt;</a:t>
+            </a:r>
+            <a:r>
+              <a:rPr lang="fr-FR" sz="1100" dirty="0" err="1"/>
+              <a:t>prepare</a:t>
+            </a:r>
+            <a:r>
+              <a:rPr lang="fr-FR" sz="1100" dirty="0"/>
+              <a:t>(</a:t>
+            </a:r>
+            <a:r>
+              <a:rPr lang="fr-FR" sz="1100" dirty="0">
+                <a:solidFill>
+                  <a:schemeClr val="accent4"/>
+                </a:solidFill>
+              </a:rPr>
+              <a:t>'DELETE FROM notifications WHERE </a:t>
+            </a:r>
+            <a:r>
+              <a:rPr lang="fr-FR" sz="1100" dirty="0" err="1">
+                <a:solidFill>
+                  <a:schemeClr val="accent4"/>
+                </a:solidFill>
+              </a:rPr>
+              <a:t>user_id</a:t>
+            </a:r>
+            <a:r>
+              <a:rPr lang="fr-FR" sz="1100" dirty="0">
+                <a:solidFill>
+                  <a:schemeClr val="accent4"/>
+                </a:solidFill>
+              </a:rPr>
+              <a:t> = ? AND </a:t>
+            </a:r>
+            <a:r>
+              <a:rPr lang="fr-FR" sz="1100" dirty="0" err="1">
+                <a:solidFill>
+                  <a:schemeClr val="accent4"/>
+                </a:solidFill>
+              </a:rPr>
+              <a:t>subject_id</a:t>
+            </a:r>
+            <a:r>
+              <a:rPr lang="fr-FR" sz="1100" dirty="0">
+                <a:solidFill>
+                  <a:schemeClr val="accent4"/>
+                </a:solidFill>
+              </a:rPr>
+              <a:t> = ?</a:t>
+            </a:r>
+            <a:r>
+              <a:rPr lang="fr-FR" sz="1100" dirty="0"/>
+              <a:t>');				</a:t>
+            </a:r>
+            <a:endParaRPr lang="fr-FR" sz="1100" dirty="0" smtClean="0"/>
+          </a:p>
+          <a:p>
+            <a:r>
+              <a:rPr lang="fr-FR" sz="1100" dirty="0"/>
+              <a:t>	</a:t>
+            </a:r>
+            <a:r>
+              <a:rPr lang="fr-FR" sz="1100" dirty="0" smtClean="0"/>
+              <a:t>$</a:t>
+            </a:r>
+            <a:r>
+              <a:rPr lang="fr-FR" sz="1100" dirty="0" err="1"/>
+              <a:t>request</a:t>
+            </a:r>
+            <a:r>
+              <a:rPr lang="fr-FR" sz="1100" dirty="0"/>
+              <a:t>-&gt;</a:t>
+            </a:r>
+            <a:r>
+              <a:rPr lang="fr-FR" sz="1100" dirty="0" err="1"/>
+              <a:t>execute</a:t>
+            </a:r>
+            <a:r>
+              <a:rPr lang="fr-FR" sz="1100" dirty="0"/>
+              <a:t>([$</a:t>
+            </a:r>
+            <a:r>
+              <a:rPr lang="fr-FR" sz="1100" dirty="0" err="1"/>
+              <a:t>senderId</a:t>
+            </a:r>
+            <a:r>
+              <a:rPr lang="fr-FR" sz="1100" dirty="0"/>
+              <a:t>, $</a:t>
+            </a:r>
+            <a:r>
+              <a:rPr lang="fr-FR" sz="1100" dirty="0" err="1"/>
+              <a:t>this</a:t>
+            </a:r>
+            <a:r>
+              <a:rPr lang="fr-FR" sz="1100" dirty="0"/>
+              <a:t>-&gt;</a:t>
+            </a:r>
+            <a:r>
+              <a:rPr lang="fr-FR" sz="1100" dirty="0" err="1"/>
+              <a:t>member</a:t>
+            </a:r>
+            <a:r>
+              <a:rPr lang="fr-FR" sz="1100" dirty="0"/>
+              <a:t>[</a:t>
+            </a:r>
+            <a:r>
+              <a:rPr lang="fr-FR" sz="1100" dirty="0">
+                <a:solidFill>
+                  <a:schemeClr val="accent4"/>
+                </a:solidFill>
+              </a:rPr>
+              <a:t>'id'</a:t>
+            </a:r>
+            <a:r>
+              <a:rPr lang="fr-FR" sz="1100" dirty="0"/>
+              <a:t>]]);				</a:t>
+            </a:r>
+            <a:endParaRPr lang="fr-FR" sz="1100" dirty="0" smtClean="0"/>
+          </a:p>
+          <a:p>
+            <a:r>
+              <a:rPr lang="fr-FR" sz="1100" dirty="0" smtClean="0"/>
+              <a:t>	</a:t>
+            </a:r>
+            <a:r>
+              <a:rPr lang="fr-FR" sz="1100" dirty="0" smtClean="0">
+                <a:solidFill>
+                  <a:schemeClr val="accent4"/>
+                </a:solidFill>
+              </a:rPr>
+              <a:t>return</a:t>
+            </a:r>
+            <a:r>
+              <a:rPr lang="fr-FR" sz="1100" dirty="0" smtClean="0"/>
+              <a:t> </a:t>
+            </a:r>
+            <a:r>
+              <a:rPr lang="fr-FR" sz="1100" dirty="0" err="1">
+                <a:solidFill>
+                  <a:schemeClr val="accent4"/>
+                </a:solidFill>
+              </a:rPr>
+              <a:t>true</a:t>
+            </a:r>
+            <a:r>
+              <a:rPr lang="fr-FR" sz="1100" dirty="0">
+                <a:solidFill>
+                  <a:schemeClr val="accent4"/>
+                </a:solidFill>
+              </a:rPr>
+              <a:t>;</a:t>
+            </a:r>
+            <a:r>
+              <a:rPr lang="fr-FR" sz="1100" dirty="0"/>
+              <a:t>	</a:t>
+            </a:r>
+            <a:r>
+              <a:rPr lang="fr-FR" sz="1100" dirty="0" smtClean="0"/>
+              <a:t>} </a:t>
+            </a:r>
+            <a:r>
+              <a:rPr lang="fr-FR" sz="1100" dirty="0" err="1" smtClean="0">
+                <a:solidFill>
+                  <a:schemeClr val="accent5"/>
+                </a:solidFill>
+              </a:rPr>
+              <a:t>else</a:t>
+            </a:r>
+            <a:r>
+              <a:rPr lang="fr-FR" sz="1100" dirty="0" smtClean="0">
+                <a:solidFill>
+                  <a:schemeClr val="accent5"/>
+                </a:solidFill>
+              </a:rPr>
+              <a:t> return </a:t>
+            </a:r>
+            <a:r>
+              <a:rPr lang="fr-FR" sz="1100" dirty="0">
+                <a:solidFill>
+                  <a:schemeClr val="accent4"/>
+                </a:solidFill>
+              </a:rPr>
+              <a:t>false</a:t>
+            </a:r>
+            <a:r>
+              <a:rPr lang="fr-FR" sz="1100" dirty="0" smtClean="0"/>
+              <a:t>; }</a:t>
+            </a:r>
+            <a:r>
+              <a:rPr lang="fr-FR" sz="1100" dirty="0"/>
+              <a:t>		</a:t>
+            </a:r>
+            <a:endParaRPr lang="fr-FR" sz="1100" dirty="0" smtClean="0"/>
+          </a:p>
+          <a:p>
+            <a:r>
+              <a:rPr lang="fr-FR" sz="1100" dirty="0"/>
+              <a:t>	</a:t>
+            </a:r>
+            <a:r>
+              <a:rPr lang="fr-FR" sz="1100" dirty="0" smtClean="0">
+                <a:solidFill>
+                  <a:schemeClr val="accent5"/>
+                </a:solidFill>
+              </a:rPr>
+              <a:t>public </a:t>
+            </a:r>
+            <a:r>
+              <a:rPr lang="fr-FR" sz="1100" dirty="0" err="1">
+                <a:solidFill>
+                  <a:schemeClr val="accent5"/>
+                </a:solidFill>
+              </a:rPr>
+              <a:t>function</a:t>
+            </a:r>
+            <a:r>
+              <a:rPr lang="fr-FR" sz="1100" dirty="0">
+                <a:solidFill>
+                  <a:schemeClr val="accent5"/>
+                </a:solidFill>
+              </a:rPr>
+              <a:t> </a:t>
+            </a:r>
+            <a:r>
+              <a:rPr lang="fr-FR" sz="1100" dirty="0" err="1">
+                <a:solidFill>
+                  <a:srgbClr val="7030A0"/>
+                </a:solidFill>
+              </a:rPr>
+              <a:t>cancelFriendRequest</a:t>
+            </a:r>
+            <a:r>
+              <a:rPr lang="fr-FR" sz="1100" dirty="0"/>
+              <a:t>($</a:t>
+            </a:r>
+            <a:r>
+              <a:rPr lang="fr-FR" sz="1100" dirty="0" err="1"/>
+              <a:t>requestedId</a:t>
+            </a:r>
+            <a:r>
+              <a:rPr lang="fr-FR" sz="1100" dirty="0"/>
+              <a:t>) {			</a:t>
+            </a:r>
+            <a:endParaRPr lang="fr-FR" sz="1100" dirty="0" smtClean="0"/>
+          </a:p>
+          <a:p>
+            <a:r>
+              <a:rPr lang="fr-FR" sz="1100" dirty="0"/>
+              <a:t>	</a:t>
+            </a:r>
+            <a:r>
+              <a:rPr lang="fr-FR" sz="1100" dirty="0" smtClean="0"/>
+              <a:t>$</a:t>
+            </a:r>
+            <a:r>
+              <a:rPr lang="fr-FR" sz="1100" dirty="0" err="1"/>
+              <a:t>requestedMember</a:t>
+            </a:r>
+            <a:r>
+              <a:rPr lang="fr-FR" sz="1100" dirty="0"/>
+              <a:t> = (</a:t>
+            </a:r>
+            <a:r>
+              <a:rPr lang="fr-FR" sz="1100" dirty="0">
+                <a:solidFill>
+                  <a:schemeClr val="accent5"/>
+                </a:solidFill>
+              </a:rPr>
+              <a:t>new</a:t>
+            </a:r>
+            <a:r>
+              <a:rPr lang="fr-FR" sz="1100" dirty="0"/>
+              <a:t> Single($</a:t>
+            </a:r>
+            <a:r>
+              <a:rPr lang="fr-FR" sz="1100" dirty="0" err="1"/>
+              <a:t>requestedId</a:t>
+            </a:r>
+            <a:r>
+              <a:rPr lang="fr-FR" sz="1100" dirty="0"/>
+              <a:t>))-&gt;</a:t>
+            </a:r>
+            <a:r>
+              <a:rPr lang="fr-FR" sz="1100" dirty="0" err="1"/>
+              <a:t>getMember</a:t>
+            </a:r>
+            <a:r>
+              <a:rPr lang="fr-FR" sz="1100" dirty="0"/>
+              <a:t>();			</a:t>
+            </a:r>
+            <a:endParaRPr lang="fr-FR" sz="1100" dirty="0" smtClean="0"/>
+          </a:p>
+          <a:p>
+            <a:r>
+              <a:rPr lang="fr-FR" sz="1100" dirty="0"/>
+              <a:t>	</a:t>
+            </a:r>
+            <a:r>
+              <a:rPr lang="fr-FR" sz="1100" dirty="0" smtClean="0">
+                <a:solidFill>
+                  <a:schemeClr val="accent5"/>
+                </a:solidFill>
+              </a:rPr>
+              <a:t>if </a:t>
+            </a:r>
+            <a:r>
+              <a:rPr lang="fr-FR" sz="1100" dirty="0"/>
+              <a:t>($</a:t>
+            </a:r>
+            <a:r>
+              <a:rPr lang="fr-FR" sz="1100" dirty="0" err="1"/>
+              <a:t>this</a:t>
+            </a:r>
+            <a:r>
+              <a:rPr lang="fr-FR" sz="1100" dirty="0"/>
+              <a:t>-&gt;</a:t>
+            </a:r>
+            <a:r>
+              <a:rPr lang="fr-FR" sz="1100" dirty="0" err="1"/>
+              <a:t>befriend</a:t>
+            </a:r>
+            <a:r>
+              <a:rPr lang="fr-FR" sz="1100" dirty="0"/>
+              <a:t>($</a:t>
+            </a:r>
+            <a:r>
+              <a:rPr lang="fr-FR" sz="1100" dirty="0" err="1"/>
+              <a:t>requestedId</a:t>
+            </a:r>
+            <a:r>
+              <a:rPr lang="fr-FR" sz="1100" dirty="0"/>
+              <a:t>)) {						</a:t>
+            </a:r>
+            <a:endParaRPr lang="fr-FR" sz="1100" dirty="0" smtClean="0"/>
+          </a:p>
+          <a:p>
+            <a:r>
+              <a:rPr lang="fr-FR" sz="1100" dirty="0" smtClean="0"/>
+              <a:t>                              } </a:t>
+            </a:r>
+            <a:r>
+              <a:rPr lang="fr-FR" sz="1100" dirty="0" err="1" smtClean="0">
+                <a:solidFill>
+                  <a:schemeClr val="accent5"/>
+                </a:solidFill>
+              </a:rPr>
+              <a:t>elseif</a:t>
+            </a:r>
+            <a:r>
+              <a:rPr lang="fr-FR" sz="1100" dirty="0" smtClean="0">
+                <a:solidFill>
+                  <a:schemeClr val="accent5"/>
+                </a:solidFill>
+              </a:rPr>
+              <a:t> </a:t>
+            </a:r>
+            <a:r>
+              <a:rPr lang="fr-FR" sz="1100" dirty="0"/>
+              <a:t>($</a:t>
+            </a:r>
+            <a:r>
+              <a:rPr lang="fr-FR" sz="1100" dirty="0" err="1"/>
+              <a:t>this</a:t>
+            </a:r>
+            <a:r>
+              <a:rPr lang="fr-FR" sz="1100" dirty="0"/>
+              <a:t>-&gt;</a:t>
+            </a:r>
+            <a:r>
+              <a:rPr lang="fr-FR" sz="1100" dirty="0" err="1"/>
+              <a:t>requestPending</a:t>
+            </a:r>
+            <a:r>
+              <a:rPr lang="fr-FR" sz="1100" dirty="0"/>
+              <a:t>($</a:t>
+            </a:r>
+            <a:r>
+              <a:rPr lang="fr-FR" sz="1100" dirty="0" err="1"/>
+              <a:t>requestedId</a:t>
+            </a:r>
+            <a:r>
+              <a:rPr lang="fr-FR" sz="1100" dirty="0"/>
+              <a:t>, </a:t>
+            </a:r>
+            <a:r>
+              <a:rPr lang="fr-FR" sz="1100" dirty="0" err="1"/>
+              <a:t>true</a:t>
+            </a:r>
+            <a:r>
+              <a:rPr lang="fr-FR" sz="1100" dirty="0"/>
+              <a:t>)) {							</a:t>
+            </a:r>
+            <a:endParaRPr lang="fr-FR" sz="1100" dirty="0" smtClean="0"/>
+          </a:p>
+          <a:p>
+            <a:r>
+              <a:rPr lang="fr-FR" sz="1100" dirty="0"/>
+              <a:t>	</a:t>
+            </a:r>
+            <a:r>
+              <a:rPr lang="fr-FR" sz="1100" dirty="0" smtClean="0"/>
+              <a:t>$</a:t>
+            </a:r>
+            <a:r>
+              <a:rPr lang="fr-FR" sz="1100" dirty="0" err="1"/>
+              <a:t>request</a:t>
+            </a:r>
+            <a:r>
+              <a:rPr lang="fr-FR" sz="1100" dirty="0"/>
+              <a:t> = \Basics\Site::</a:t>
+            </a:r>
+            <a:r>
+              <a:rPr lang="fr-FR" sz="1100" dirty="0" err="1"/>
+              <a:t>getDB</a:t>
+            </a:r>
+            <a:r>
+              <a:rPr lang="fr-FR" sz="1100" dirty="0"/>
+              <a:t>()-&gt;</a:t>
+            </a:r>
+            <a:r>
+              <a:rPr lang="fr-FR" sz="1100" dirty="0" err="1"/>
+              <a:t>prepare</a:t>
+            </a:r>
+            <a:r>
+              <a:rPr lang="fr-FR" sz="1100" dirty="0"/>
+              <a:t>(</a:t>
+            </a:r>
+            <a:r>
+              <a:rPr lang="fr-FR" sz="1100" dirty="0">
+                <a:solidFill>
+                  <a:schemeClr val="accent4"/>
+                </a:solidFill>
+              </a:rPr>
+              <a:t>'DELETE FROM notifications WHERE (</a:t>
+            </a:r>
+            <a:r>
+              <a:rPr lang="fr-FR" sz="1100" dirty="0" err="1">
+                <a:solidFill>
+                  <a:schemeClr val="accent4"/>
+                </a:solidFill>
+              </a:rPr>
+              <a:t>user_id</a:t>
+            </a:r>
+            <a:r>
+              <a:rPr lang="fr-FR" sz="1100" dirty="0">
+                <a:solidFill>
+                  <a:schemeClr val="accent4"/>
+                </a:solidFill>
+              </a:rPr>
+              <a:t> = ? AND </a:t>
+            </a:r>
+            <a:r>
+              <a:rPr lang="fr-FR" sz="1100" dirty="0" err="1">
+                <a:solidFill>
+                  <a:schemeClr val="accent4"/>
+                </a:solidFill>
+              </a:rPr>
+              <a:t>subject_id</a:t>
+            </a:r>
+            <a:r>
+              <a:rPr lang="fr-FR" sz="1100" dirty="0">
+                <a:solidFill>
+                  <a:schemeClr val="accent4"/>
+                </a:solidFill>
+              </a:rPr>
+              <a:t> = ?) OR (</a:t>
+            </a:r>
+            <a:r>
+              <a:rPr lang="fr-FR" sz="1100" dirty="0" err="1">
+                <a:solidFill>
+                  <a:schemeClr val="accent4"/>
+                </a:solidFill>
+              </a:rPr>
+              <a:t>subject_id</a:t>
+            </a:r>
+            <a:r>
+              <a:rPr lang="fr-FR" sz="1100" dirty="0">
+                <a:solidFill>
+                  <a:schemeClr val="accent4"/>
+                </a:solidFill>
+              </a:rPr>
+              <a:t> = ? AND </a:t>
+            </a:r>
+            <a:r>
+              <a:rPr lang="fr-FR" sz="1100" dirty="0" err="1">
+                <a:solidFill>
+                  <a:schemeClr val="accent4"/>
+                </a:solidFill>
+              </a:rPr>
+              <a:t>user_id</a:t>
+            </a:r>
+            <a:r>
+              <a:rPr lang="fr-FR" sz="1100" dirty="0">
+                <a:solidFill>
+                  <a:schemeClr val="accent4"/>
+                </a:solidFill>
+              </a:rPr>
+              <a:t> = ?)</a:t>
+            </a:r>
+            <a:r>
+              <a:rPr lang="fr-FR" sz="1100" dirty="0"/>
+              <a:t>');			</a:t>
+            </a:r>
+            <a:r>
+              <a:rPr lang="fr-FR" sz="1100" dirty="0" smtClean="0"/>
+              <a:t>$</a:t>
+            </a:r>
+            <a:r>
+              <a:rPr lang="fr-FR" sz="1100" dirty="0" err="1"/>
+              <a:t>request</a:t>
+            </a:r>
+            <a:r>
+              <a:rPr lang="fr-FR" sz="1100" dirty="0"/>
+              <a:t>-&gt;</a:t>
+            </a:r>
+            <a:r>
+              <a:rPr lang="fr-FR" sz="1100" dirty="0" err="1"/>
+              <a:t>execute</a:t>
+            </a:r>
+            <a:r>
+              <a:rPr lang="fr-FR" sz="1100" dirty="0"/>
+              <a:t>([$</a:t>
+            </a:r>
+            <a:r>
+              <a:rPr lang="fr-FR" sz="1100" dirty="0" err="1"/>
+              <a:t>requestedId</a:t>
+            </a:r>
+            <a:r>
+              <a:rPr lang="fr-FR" sz="1100" dirty="0"/>
+              <a:t>, $</a:t>
+            </a:r>
+            <a:r>
+              <a:rPr lang="fr-FR" sz="1100" dirty="0" err="1"/>
+              <a:t>this</a:t>
+            </a:r>
+            <a:r>
+              <a:rPr lang="fr-FR" sz="1100" dirty="0"/>
+              <a:t>-&gt;</a:t>
+            </a:r>
+            <a:r>
+              <a:rPr lang="fr-FR" sz="1100" dirty="0" err="1"/>
+              <a:t>member</a:t>
+            </a:r>
+            <a:r>
+              <a:rPr lang="fr-FR" sz="1100" dirty="0"/>
+              <a:t>[</a:t>
+            </a:r>
+            <a:r>
+              <a:rPr lang="fr-FR" sz="1100" dirty="0">
+                <a:solidFill>
+                  <a:schemeClr val="accent4"/>
+                </a:solidFill>
+              </a:rPr>
+              <a:t>'id'</a:t>
+            </a:r>
+            <a:r>
+              <a:rPr lang="fr-FR" sz="1100" dirty="0"/>
+              <a:t>], $</a:t>
+            </a:r>
+            <a:r>
+              <a:rPr lang="fr-FR" sz="1100" dirty="0" err="1"/>
+              <a:t>this</a:t>
+            </a:r>
+            <a:r>
+              <a:rPr lang="fr-FR" sz="1100" dirty="0"/>
+              <a:t>-&gt;</a:t>
+            </a:r>
+            <a:r>
+              <a:rPr lang="fr-FR" sz="1100" dirty="0" err="1"/>
+              <a:t>member</a:t>
+            </a:r>
+            <a:r>
+              <a:rPr lang="fr-FR" sz="1100" dirty="0"/>
+              <a:t>[</a:t>
+            </a:r>
+            <a:r>
+              <a:rPr lang="fr-FR" sz="1100" dirty="0">
+                <a:solidFill>
+                  <a:schemeClr val="accent4"/>
+                </a:solidFill>
+              </a:rPr>
+              <a:t>'id'</a:t>
+            </a:r>
+            <a:r>
+              <a:rPr lang="fr-FR" sz="1100" dirty="0"/>
+              <a:t>], $</a:t>
+            </a:r>
+            <a:r>
+              <a:rPr lang="fr-FR" sz="1100" dirty="0" err="1"/>
+              <a:t>requestedId</a:t>
+            </a:r>
+            <a:r>
+              <a:rPr lang="fr-FR" sz="1100" dirty="0"/>
+              <a:t>]);			</a:t>
+            </a:r>
+            <a:endParaRPr lang="fr-FR" sz="1100" dirty="0" smtClean="0"/>
+          </a:p>
+          <a:p>
+            <a:r>
+              <a:rPr lang="fr-FR" sz="1100" dirty="0" smtClean="0"/>
+              <a:t>}</a:t>
+            </a:r>
+            <a:r>
+              <a:rPr lang="fr-FR" sz="1100" dirty="0"/>
+              <a:t>	</a:t>
+            </a:r>
+            <a:r>
+              <a:rPr lang="fr-FR" sz="1100" dirty="0" smtClean="0">
+                <a:solidFill>
+                  <a:schemeClr val="accent5"/>
+                </a:solidFill>
+              </a:rPr>
+              <a:t>return </a:t>
+            </a:r>
+            <a:r>
+              <a:rPr lang="fr-FR" sz="1100" dirty="0" err="1">
+                <a:solidFill>
+                  <a:schemeClr val="accent4"/>
+                </a:solidFill>
+              </a:rPr>
+              <a:t>true</a:t>
+            </a:r>
+            <a:r>
+              <a:rPr lang="fr-FR" sz="1100" dirty="0"/>
+              <a:t>;		}</a:t>
+            </a:r>
+          </a:p>
+        </p:txBody>
+      </p:sp>
+    </p:spTree>
+    <p:extLst>
+      <p:ext uri="{BB962C8B-B14F-4D97-AF65-F5344CB8AC3E}">
+        <p14:creationId xmlns:p14="http://schemas.microsoft.com/office/powerpoint/2010/main" val="2007987021"/>
+      </p:ext>
+    </p:extLst>
+  </p:cSld>
+  <p:clrMapOvr>
+    <a:masterClrMapping/>
+  </p:clrMapOvr>
+  <p:timing>
+    <p:tnLst>
+      <p:par>
+        <p:cTn id="1" dur="indefinite" restart="never" nodeType="tmRoot"/>
+      </p:par>
+    </p:tnLst>
+  </p:timing>
+</p:sld>
+</file>
+
+<file path=ppt/slides/slide11.xml><?xml version="1.0" encoding="utf-8"?>
+<p:sld xmlns:a="http://schemas.openxmlformats.org/drawingml/2006/main" xmlns:r="http://schemas.openxmlformats.org/officeDocument/2006/relationships" xmlns:p="http://schemas.openxmlformats.org/presentationml/2006/main">
+  <p:cSld>
+    <p:spTree>
+      <p:nvGrpSpPr>
+        <p:cNvPr id="1" name=""/>
+        <p:cNvGrpSpPr/>
+        <p:nvPr/>
+      </p:nvGrpSpPr>
+      <p:grpSpPr>
+        <a:xfrm>
+          <a:off x="0" y="0"/>
+          <a:ext cx="0" cy="0"/>
+          <a:chOff x="0" y="0"/>
+          <a:chExt cx="0" cy="0"/>
+        </a:xfrm>
+      </p:grpSpPr>
+      <p:sp>
+        <p:nvSpPr>
           <p:cNvPr id="2" name="Titre 1"/>
           <p:cNvSpPr>
             <a:spLocks noGrp="1"/>
@@ -3367,7 +5746,7 @@
 </p:sld>
 </file>
 
-<file path=ppt/slides/slide11.xml><?xml version="1.0" encoding="utf-8"?>
+<file path=ppt/slides/slide12.xml><?xml version="1.0" encoding="utf-8"?>
 <p:sld xmlns:a="http://schemas.openxmlformats.org/drawingml/2006/main" xmlns:r="http://schemas.openxmlformats.org/officeDocument/2006/relationships" xmlns:p="http://schemas.openxmlformats.org/presentationml/2006/main">
   <p:cSld>
     <p:spTree>
@@ -4892,7 +7271,7 @@
 </p:sld>
 </file>
 
-<file path=ppt/slides/slide12.xml><?xml version="1.0" encoding="utf-8"?>
+<file path=ppt/slides/slide13.xml><?xml version="1.0" encoding="utf-8"?>
 <p:sld xmlns:a="http://schemas.openxmlformats.org/drawingml/2006/main" xmlns:r="http://schemas.openxmlformats.org/officeDocument/2006/relationships" xmlns:p="http://schemas.openxmlformats.org/presentationml/2006/main">
   <p:cSld>
     <p:spTree>
@@ -4982,7 +7361,7 @@
 </p:sld>
 </file>
 
-<file path=ppt/slides/slide13.xml><?xml version="1.0" encoding="utf-8"?>
+<file path=ppt/slides/slide14.xml><?xml version="1.0" encoding="utf-8"?>
 <p:sld xmlns:a="http://schemas.openxmlformats.org/drawingml/2006/main" xmlns:r="http://schemas.openxmlformats.org/officeDocument/2006/relationships" xmlns:p="http://schemas.openxmlformats.org/presentationml/2006/main">
   <p:cSld>
     <p:spTree>
@@ -5403,7 +7782,7 @@
       </p:sp>
       <p:pic>
         <p:nvPicPr>
-          <p:cNvPr id="4" name="Espace réservé du contenu 3"/>
+          <p:cNvPr id="5" name="Espace réservé du contenu 4"/>
           <p:cNvPicPr>
             <a:picLocks noGrp="1" noChangeAspect="1"/>
           </p:cNvPicPr>
@@ -5425,8 +7804,8 @@
         </p:blipFill>
         <p:spPr>
           <a:xfrm>
-            <a:off x="1066214" y="872197"/>
-            <a:ext cx="10059572" cy="6360775"/>
+            <a:off x="437030" y="1315026"/>
+            <a:ext cx="11317940" cy="5542974"/>
           </a:xfrm>
         </p:spPr>
       </p:pic>
@@ -5451,6 +7830,65 @@
 </file>
 
 <file path=ppt/slides/slide5.xml><?xml version="1.0" encoding="utf-8"?>
+<p:sld xmlns:a="http://schemas.openxmlformats.org/drawingml/2006/main" xmlns:r="http://schemas.openxmlformats.org/officeDocument/2006/relationships" xmlns:p="http://schemas.openxmlformats.org/presentationml/2006/main">
+  <p:cSld>
+    <p:spTree>
+      <p:nvGrpSpPr>
+        <p:cNvPr id="1" name=""/>
+        <p:cNvGrpSpPr/>
+        <p:nvPr/>
+      </p:nvGrpSpPr>
+      <p:grpSpPr>
+        <a:xfrm>
+          <a:off x="0" y="0"/>
+          <a:ext cx="0" cy="0"/>
+          <a:chOff x="0" y="0"/>
+          <a:chExt cx="0" cy="0"/>
+        </a:xfrm>
+      </p:grpSpPr>
+      <p:pic>
+        <p:nvPicPr>
+          <p:cNvPr id="4" name="Espace réservé du contenu 3"/>
+          <p:cNvPicPr>
+            <a:picLocks noGrp="1" noChangeAspect="1"/>
+          </p:cNvPicPr>
+          <p:nvPr>
+            <p:ph idx="1"/>
+          </p:nvPr>
+        </p:nvPicPr>
+        <p:blipFill>
+          <a:blip r:embed="rId2">
+            <a:extLst>
+              <a:ext uri="{28A0092B-C50C-407E-A947-70E740481C1C}">
+                <a14:useLocalDpi xmlns:a14="http://schemas.microsoft.com/office/drawing/2010/main" val="0"/>
+              </a:ext>
+            </a:extLst>
+          </a:blip>
+          <a:stretch>
+            <a:fillRect/>
+          </a:stretch>
+        </p:blipFill>
+        <p:spPr>
+          <a:xfrm>
+            <a:off x="399536" y="507811"/>
+            <a:ext cx="11585311" cy="5503023"/>
+          </a:xfrm>
+        </p:spPr>
+      </p:pic>
+    </p:spTree>
+    <p:extLst>
+      <p:ext uri="{BB962C8B-B14F-4D97-AF65-F5344CB8AC3E}">
+        <p14:creationId xmlns:p14="http://schemas.microsoft.com/office/powerpoint/2010/main" val="851744594"/>
+      </p:ext>
+    </p:extLst>
+  </p:cSld>
+  <p:clrMapOvr>
+    <a:masterClrMapping/>
+  </p:clrMapOvr>
+</p:sld>
+</file>
+
+<file path=ppt/slides/slide6.xml><?xml version="1.0" encoding="utf-8"?>
 <p:sld xmlns:a="http://schemas.openxmlformats.org/drawingml/2006/main" xmlns:r="http://schemas.openxmlformats.org/officeDocument/2006/relationships" xmlns:p="http://schemas.openxmlformats.org/presentationml/2006/main">
   <p:cSld>
     <p:spTree>
@@ -5541,7 +7979,7 @@
 </p:sld>
 </file>
 
-<file path=ppt/slides/slide6.xml><?xml version="1.0" encoding="utf-8"?>
+<file path=ppt/slides/slide7.xml><?xml version="1.0" encoding="utf-8"?>
 <p:sld xmlns:a="http://schemas.openxmlformats.org/drawingml/2006/main" xmlns:r="http://schemas.openxmlformats.org/officeDocument/2006/relationships" xmlns:p="http://schemas.openxmlformats.org/presentationml/2006/main">
   <p:cSld>
     <p:spTree>
@@ -5632,434 +8070,6 @@
 </p:sld>
 </file>
 
-<file path=ppt/slides/slide7.xml><?xml version="1.0" encoding="utf-8"?>
-<p:sld xmlns:a="http://schemas.openxmlformats.org/drawingml/2006/main" xmlns:r="http://schemas.openxmlformats.org/officeDocument/2006/relationships" xmlns:p="http://schemas.openxmlformats.org/presentationml/2006/main">
-  <p:cSld>
-    <p:spTree>
-      <p:nvGrpSpPr>
-        <p:cNvPr id="1" name=""/>
-        <p:cNvGrpSpPr/>
-        <p:nvPr/>
-      </p:nvGrpSpPr>
-      <p:grpSpPr>
-        <a:xfrm>
-          <a:off x="0" y="0"/>
-          <a:ext cx="0" cy="0"/>
-          <a:chOff x="0" y="0"/>
-          <a:chExt cx="0" cy="0"/>
-        </a:xfrm>
-      </p:grpSpPr>
-      <p:sp>
-        <p:nvSpPr>
-          <p:cNvPr id="2" name="Titre 1"/>
-          <p:cNvSpPr>
-            <a:spLocks noGrp="1"/>
-          </p:cNvSpPr>
-          <p:nvPr>
-            <p:ph type="title"/>
-          </p:nvPr>
-        </p:nvSpPr>
-        <p:spPr/>
-        <p:txBody>
-          <a:bodyPr/>
-          <a:lstStyle/>
-          <a:p>
-            <a:pPr algn="ctr"/>
-            <a:r>
-              <a:rPr lang="fr-FR" dirty="0" smtClean="0"/>
-              <a:t>Système de notifications (Controller)</a:t>
-            </a:r>
-            <a:endParaRPr lang="fr-FR" dirty="0"/>
-          </a:p>
-        </p:txBody>
-      </p:sp>
-      <p:sp>
-        <p:nvSpPr>
-          <p:cNvPr id="5" name="ZoneTexte 4"/>
-          <p:cNvSpPr txBox="1"/>
-          <p:nvPr/>
-        </p:nvSpPr>
-        <p:spPr>
-          <a:xfrm>
-            <a:off x="493363" y="1427216"/>
-            <a:ext cx="11205274" cy="1292662"/>
-          </a:xfrm>
-          <a:prstGeom prst="rect">
-            <a:avLst/>
-          </a:prstGeom>
-          <a:noFill/>
-        </p:spPr>
-        <p:txBody>
-          <a:bodyPr wrap="square" rtlCol="0">
-            <a:spAutoFit/>
-          </a:bodyPr>
-          <a:lstStyle/>
-          <a:p>
-            <a:r>
-              <a:rPr lang="fr-FR" dirty="0" smtClean="0"/>
-              <a:t>	</a:t>
-            </a:r>
-            <a:r>
-              <a:rPr lang="fr-FR" sz="1400" i="1" dirty="0" err="1" smtClean="0"/>
-              <a:t>controller</a:t>
-            </a:r>
-            <a:r>
-              <a:rPr lang="fr-FR" sz="1400" i="1" dirty="0" smtClean="0"/>
-              <a:t> </a:t>
-            </a:r>
-            <a:r>
-              <a:rPr lang="fr-FR" sz="1400" i="1" dirty="0"/>
-              <a:t>(</a:t>
-            </a:r>
-            <a:r>
-              <a:rPr lang="fr-FR" sz="1400" i="1" dirty="0" err="1"/>
-              <a:t>template</a:t>
-            </a:r>
-            <a:r>
-              <a:rPr lang="fr-FR" sz="1400" i="1" dirty="0"/>
-              <a:t>)	</a:t>
-            </a:r>
-            <a:endParaRPr lang="fr-FR" sz="1400" i="1" dirty="0" smtClean="0"/>
-          </a:p>
-          <a:p>
-            <a:r>
-              <a:rPr lang="fr-FR" sz="1400" i="1" dirty="0" smtClean="0"/>
-              <a:t>	Si </a:t>
-            </a:r>
-            <a:r>
-              <a:rPr lang="fr-FR" sz="1400" i="1" dirty="0"/>
-              <a:t>on n'est pas dans l'admin	   </a:t>
-            </a:r>
-            <a:endParaRPr lang="fr-FR" sz="1400" i="1" dirty="0" smtClean="0"/>
-          </a:p>
-          <a:p>
-            <a:r>
-              <a:rPr lang="fr-FR" sz="1400" i="1" dirty="0"/>
-              <a:t>	</a:t>
-            </a:r>
-            <a:r>
-              <a:rPr lang="fr-FR" sz="1400" i="1" dirty="0" smtClean="0"/>
-              <a:t>	Si </a:t>
-            </a:r>
-            <a:r>
-              <a:rPr lang="fr-FR" sz="1400" i="1" dirty="0"/>
-              <a:t>le membre est connecté	      </a:t>
-            </a:r>
-            <a:endParaRPr lang="fr-FR" sz="1400" i="1" dirty="0" smtClean="0"/>
-          </a:p>
-          <a:p>
-            <a:r>
-              <a:rPr lang="fr-FR" sz="1400" i="1" dirty="0"/>
-              <a:t>	</a:t>
-            </a:r>
-            <a:r>
-              <a:rPr lang="fr-FR" sz="1400" i="1" dirty="0" smtClean="0"/>
-              <a:t> </a:t>
-            </a:r>
-            <a:r>
-              <a:rPr lang="fr-FR" sz="1400" i="1" dirty="0"/>
-              <a:t>récupère le nombre de notifications dudit membre dans $</a:t>
-            </a:r>
-            <a:r>
-              <a:rPr lang="fr-FR" sz="1400" i="1" dirty="0" err="1"/>
-              <a:t>notificationsCount</a:t>
-            </a:r>
-            <a:r>
-              <a:rPr lang="fr-FR" sz="1400" i="1" dirty="0"/>
-              <a:t> en appelant </a:t>
-            </a:r>
-            <a:r>
-              <a:rPr lang="fr-FR" sz="1400" i="1" dirty="0" err="1"/>
-              <a:t>Members</a:t>
-            </a:r>
-            <a:r>
-              <a:rPr lang="fr-FR" sz="1400" i="1" dirty="0"/>
-              <a:t>\Single::</a:t>
-            </a:r>
-            <a:r>
-              <a:rPr lang="fr-FR" sz="1400" i="1" dirty="0" err="1"/>
-              <a:t>notificationsCount</a:t>
-            </a:r>
-            <a:r>
-              <a:rPr lang="fr-FR" sz="1400" i="1" dirty="0"/>
-              <a:t>	        </a:t>
-            </a:r>
-            <a:endParaRPr lang="fr-FR" sz="1400" i="1" dirty="0" smtClean="0"/>
-          </a:p>
-          <a:p>
-            <a:r>
-              <a:rPr lang="fr-FR" sz="1400" i="1" dirty="0"/>
-              <a:t>	</a:t>
-            </a:r>
-            <a:r>
-              <a:rPr lang="fr-FR" sz="1400" i="1" dirty="0" smtClean="0"/>
-              <a:t> récupère </a:t>
-            </a:r>
-            <a:r>
-              <a:rPr lang="fr-FR" sz="1400" i="1" dirty="0"/>
-              <a:t>les notifications dudit membre dans $notifications en appelant </a:t>
-            </a:r>
-            <a:r>
-              <a:rPr lang="fr-FR" sz="1400" i="1" dirty="0" err="1"/>
-              <a:t>Members</a:t>
-            </a:r>
-            <a:r>
-              <a:rPr lang="fr-FR" sz="1400" i="1" dirty="0"/>
-              <a:t>\Single::</a:t>
-            </a:r>
-            <a:r>
-              <a:rPr lang="fr-FR" sz="1400" i="1" dirty="0" err="1"/>
-              <a:t>getNotifications</a:t>
-            </a:r>
-            <a:r>
-              <a:rPr lang="fr-FR" sz="1200" i="1" dirty="0"/>
-              <a:t>	</a:t>
-            </a:r>
-            <a:r>
-              <a:rPr lang="fr-FR" sz="1200" dirty="0"/>
-              <a:t> 	</a:t>
-            </a:r>
-            <a:r>
-              <a:rPr lang="fr-FR" dirty="0" smtClean="0"/>
-              <a:t> 	</a:t>
-            </a:r>
-            <a:endParaRPr lang="fr-FR" dirty="0"/>
-          </a:p>
-        </p:txBody>
-      </p:sp>
-      <p:sp>
-        <p:nvSpPr>
-          <p:cNvPr id="6" name="ZoneTexte 5"/>
-          <p:cNvSpPr txBox="1"/>
-          <p:nvPr/>
-        </p:nvSpPr>
-        <p:spPr>
-          <a:xfrm>
-            <a:off x="493363" y="3347634"/>
-            <a:ext cx="11391254" cy="2092881"/>
-          </a:xfrm>
-          <a:prstGeom prst="rect">
-            <a:avLst/>
-          </a:prstGeom>
-          <a:noFill/>
-        </p:spPr>
-        <p:txBody>
-          <a:bodyPr wrap="square" rtlCol="0">
-            <a:spAutoFit/>
-          </a:bodyPr>
-          <a:lstStyle/>
-          <a:p>
-            <a:r>
-              <a:rPr lang="fr-FR" dirty="0" smtClean="0"/>
-              <a:t>	</a:t>
-            </a:r>
-            <a:r>
-              <a:rPr lang="fr-FR" sz="1400" dirty="0" smtClean="0">
-                <a:solidFill>
-                  <a:schemeClr val="accent5"/>
-                </a:solidFill>
-              </a:rPr>
-              <a:t>if</a:t>
-            </a:r>
-            <a:r>
-              <a:rPr lang="fr-FR" sz="1400" dirty="0" smtClean="0"/>
-              <a:t> </a:t>
-            </a:r>
-            <a:r>
-              <a:rPr lang="fr-FR" sz="1400" dirty="0"/>
-              <a:t>($admin) {		</a:t>
-            </a:r>
-            <a:endParaRPr lang="fr-FR" sz="1400" dirty="0" smtClean="0"/>
-          </a:p>
-          <a:p>
-            <a:r>
-              <a:rPr lang="fr-FR" sz="1400" dirty="0" smtClean="0"/>
-              <a:t>		...</a:t>
-            </a:r>
-            <a:r>
-              <a:rPr lang="fr-FR" sz="1400" dirty="0"/>
-              <a:t>	</a:t>
-            </a:r>
-            <a:endParaRPr lang="fr-FR" sz="1400" dirty="0" smtClean="0"/>
-          </a:p>
-          <a:p>
-            <a:r>
-              <a:rPr lang="fr-FR" sz="1400" dirty="0" smtClean="0"/>
-              <a:t>	} </a:t>
-            </a:r>
-            <a:r>
-              <a:rPr lang="fr-FR" sz="1400" dirty="0" err="1" smtClean="0">
-                <a:solidFill>
-                  <a:schemeClr val="accent5"/>
-                </a:solidFill>
-              </a:rPr>
-              <a:t>else</a:t>
-            </a:r>
-            <a:r>
-              <a:rPr lang="fr-FR" sz="1400" dirty="0" smtClean="0"/>
-              <a:t> </a:t>
-            </a:r>
-            <a:r>
-              <a:rPr lang="fr-FR" sz="1400" dirty="0"/>
-              <a:t>{		</a:t>
-            </a:r>
-            <a:endParaRPr lang="fr-FR" sz="1400" dirty="0" smtClean="0"/>
-          </a:p>
-          <a:p>
-            <a:r>
-              <a:rPr lang="fr-FR" sz="1400" dirty="0" smtClean="0"/>
-              <a:t>	$</a:t>
-            </a:r>
-            <a:r>
-              <a:rPr lang="fr-FR" sz="1400" dirty="0"/>
-              <a:t>navigation = [			..			</a:t>
-            </a:r>
-            <a:endParaRPr lang="fr-FR" sz="1400" dirty="0" smtClean="0"/>
-          </a:p>
-          <a:p>
-            <a:r>
-              <a:rPr lang="fr-FR" sz="1400" dirty="0" smtClean="0"/>
-              <a:t>];</a:t>
-            </a:r>
-            <a:r>
-              <a:rPr lang="fr-FR" sz="1400" dirty="0"/>
-              <a:t>			</a:t>
-            </a:r>
-            <a:endParaRPr lang="fr-FR" sz="1400" dirty="0" smtClean="0"/>
-          </a:p>
-          <a:p>
-            <a:r>
-              <a:rPr lang="fr-FR" sz="1400" dirty="0" smtClean="0"/>
-              <a:t>	$</a:t>
-            </a:r>
-            <a:r>
-              <a:rPr lang="fr-FR" sz="1400" dirty="0" err="1"/>
-              <a:t>currentMemberObj</a:t>
-            </a:r>
-            <a:r>
-              <a:rPr lang="fr-FR" sz="1400" dirty="0"/>
-              <a:t> = </a:t>
-            </a:r>
-            <a:r>
-              <a:rPr lang="fr-FR" sz="1400" dirty="0">
-                <a:solidFill>
-                  <a:schemeClr val="accent5"/>
-                </a:solidFill>
-              </a:rPr>
-              <a:t>new</a:t>
-            </a:r>
-            <a:r>
-              <a:rPr lang="fr-FR" sz="1400" dirty="0"/>
-              <a:t> </a:t>
-            </a:r>
-            <a:r>
-              <a:rPr lang="fr-FR" sz="1400" dirty="0" err="1"/>
-              <a:t>Members</a:t>
-            </a:r>
-            <a:r>
-              <a:rPr lang="fr-FR" sz="1400" dirty="0"/>
-              <a:t>\Single($</a:t>
-            </a:r>
-            <a:r>
-              <a:rPr lang="fr-FR" sz="1400" dirty="0" err="1"/>
-              <a:t>currentMemberId</a:t>
-            </a:r>
-            <a:r>
-              <a:rPr lang="fr-FR" sz="1400" dirty="0"/>
-              <a:t>);			</a:t>
-            </a:r>
-            <a:endParaRPr lang="fr-FR" sz="1400" dirty="0" smtClean="0"/>
-          </a:p>
-          <a:p>
-            <a:r>
-              <a:rPr lang="fr-FR" sz="1400" dirty="0" smtClean="0"/>
-              <a:t>	$</a:t>
-            </a:r>
-            <a:r>
-              <a:rPr lang="fr-FR" sz="1400" dirty="0" err="1"/>
-              <a:t>notificationsCount</a:t>
-            </a:r>
-            <a:r>
-              <a:rPr lang="fr-FR" sz="1400" dirty="0"/>
-              <a:t> = $</a:t>
-            </a:r>
-            <a:r>
-              <a:rPr lang="fr-FR" sz="1400" dirty="0" err="1"/>
-              <a:t>currentMemberObj</a:t>
-            </a:r>
-            <a:r>
-              <a:rPr lang="fr-FR" sz="1400" dirty="0"/>
-              <a:t>-&gt;</a:t>
-            </a:r>
-            <a:r>
-              <a:rPr lang="fr-FR" sz="1400" dirty="0" err="1"/>
-              <a:t>notificationsCount</a:t>
-            </a:r>
-            <a:r>
-              <a:rPr lang="fr-FR" sz="1400" dirty="0"/>
-              <a:t>();			</a:t>
-            </a:r>
-            <a:endParaRPr lang="fr-FR" sz="1400" dirty="0" smtClean="0"/>
-          </a:p>
-          <a:p>
-            <a:r>
-              <a:rPr lang="fr-FR" sz="1400" dirty="0" smtClean="0"/>
-              <a:t>	$</a:t>
-            </a:r>
-            <a:r>
-              <a:rPr lang="fr-FR" sz="1400" dirty="0"/>
-              <a:t>notifications = $</a:t>
-            </a:r>
-            <a:r>
-              <a:rPr lang="fr-FR" sz="1400" dirty="0" err="1"/>
-              <a:t>currentMemberObj</a:t>
-            </a:r>
-            <a:r>
-              <a:rPr lang="fr-FR" sz="1400" dirty="0"/>
-              <a:t>-&gt;</a:t>
-            </a:r>
-            <a:r>
-              <a:rPr lang="fr-FR" sz="1400" dirty="0" err="1"/>
-              <a:t>getNotifications</a:t>
-            </a:r>
-            <a:r>
-              <a:rPr lang="fr-FR" sz="1400" dirty="0"/>
-              <a:t>();		</a:t>
-            </a:r>
-            <a:endParaRPr lang="fr-FR" sz="1400" dirty="0" smtClean="0"/>
-          </a:p>
-          <a:p>
-            <a:r>
-              <a:rPr lang="fr-FR" sz="1400" dirty="0" smtClean="0"/>
-              <a:t>}</a:t>
-            </a:r>
-            <a:r>
-              <a:rPr lang="fr-FR" sz="1400" dirty="0"/>
-              <a:t>		</a:t>
-            </a:r>
-          </a:p>
-        </p:txBody>
-      </p:sp>
-    </p:spTree>
-    <p:extLst>
-      <p:ext uri="{BB962C8B-B14F-4D97-AF65-F5344CB8AC3E}">
-        <p14:creationId xmlns:p14="http://schemas.microsoft.com/office/powerpoint/2010/main" val="272638785"/>
-      </p:ext>
-    </p:extLst>
-  </p:cSld>
-  <p:clrMapOvr>
-    <a:masterClrMapping/>
-  </p:clrMapOvr>
-  <p:timing>
-    <p:tnLst>
-      <p:par>
-        <p:cTn id="1" dur="indefinite" restart="never" nodeType="tmRoot"/>
-      </p:par>
-    </p:tnLst>
-  </p:timing>
-</p:sld>
-</file>
-
 <file path=ppt/slides/slide8.xml><?xml version="1.0" encoding="utf-8"?>
 <p:sld xmlns:a="http://schemas.openxmlformats.org/drawingml/2006/main" xmlns:r="http://schemas.openxmlformats.org/officeDocument/2006/relationships" xmlns:p="http://schemas.openxmlformats.org/presentationml/2006/main">
   <p:cSld>
@@ -6095,19 +8105,7 @@
             <a:pPr algn="ctr"/>
             <a:r>
               <a:rPr lang="fr-FR" dirty="0" smtClean="0"/>
-              <a:t>Système de notification ( </a:t>
-            </a:r>
-            <a:r>
-              <a:rPr lang="fr-FR" dirty="0" err="1" smtClean="0"/>
-              <a:t>models</a:t>
-            </a:r>
-            <a:r>
-              <a:rPr lang="fr-FR" dirty="0"/>
-              <a:t> </a:t>
-            </a:r>
-            <a:r>
-              <a:rPr lang="fr-FR" dirty="0" smtClean="0"/>
-              <a:t>)</a:t>
+              <a:t>Système de notifications (Controller)</a:t>
             </a:r>
             <a:endParaRPr lang="fr-FR" dirty="0"/>
           </a:p>
@@ -6121,8 +8119,8 @@
         </p:nvSpPr>
         <p:spPr>
           <a:xfrm>
-            <a:off x="838200" y="1318729"/>
-            <a:ext cx="10515600" cy="4801314"/>
+            <a:off x="493363" y="1427216"/>
+            <a:ext cx="11205274" cy="1292662"/>
           </a:xfrm>
           <a:prstGeom prst="rect">
             <a:avLst/>
@@ -6136,264 +8134,346 @@
           <a:lstStyle/>
           <a:p>
             <a:r>
-              <a:rPr lang="fr-FR" i="1" dirty="0"/>
-              <a:t>model (</a:t>
-            </a:r>
-            <a:r>
-              <a:rPr lang="fr-FR" i="1" dirty="0" err="1"/>
-              <a:t>members</a:t>
-            </a:r>
-            <a:r>
-              <a:rPr lang="fr-FR" i="1" dirty="0"/>
-              <a:t>)	Classe </a:t>
-            </a:r>
-            <a:r>
-              <a:rPr lang="fr-FR" i="1" dirty="0" err="1"/>
+              <a:rPr lang="fr-FR" dirty="0" smtClean="0"/>
+              <a:t>	</a:t>
+            </a:r>
+            <a:r>
+              <a:rPr lang="fr-FR" sz="1400" i="1" dirty="0" err="1" smtClean="0"/>
+              <a:t>controller</a:t>
+            </a:r>
+            <a:r>
+              <a:rPr lang="fr-FR" sz="1400" i="1" dirty="0" smtClean="0"/>
+              <a:t> </a:t>
+            </a:r>
+            <a:r>
+              <a:rPr lang="fr-FR" sz="1400" i="1" dirty="0"/>
+              <a:t>(</a:t>
+            </a:r>
+            <a:r>
+              <a:rPr lang="fr-FR" sz="1400" i="1" dirty="0" err="1"/>
+              <a:t>template</a:t>
+            </a:r>
+            <a:r>
+              <a:rPr lang="fr-FR" sz="1400" i="1" dirty="0"/>
+              <a:t>)	</a:t>
+            </a:r>
+            <a:endParaRPr lang="fr-FR" sz="1400" i="1" dirty="0" smtClean="0"/>
+          </a:p>
+          <a:p>
+            <a:r>
+              <a:rPr lang="fr-FR" sz="1400" i="1" dirty="0" smtClean="0"/>
+              <a:t>	Si </a:t>
+            </a:r>
+            <a:r>
+              <a:rPr lang="fr-FR" sz="1400" i="1" dirty="0"/>
+              <a:t>on n'est pas dans l'admin	   </a:t>
+            </a:r>
+            <a:endParaRPr lang="fr-FR" sz="1400" i="1" dirty="0" smtClean="0"/>
+          </a:p>
+          <a:p>
+            <a:r>
+              <a:rPr lang="fr-FR" sz="1400" i="1" dirty="0"/>
+              <a:t>	</a:t>
+            </a:r>
+            <a:r>
+              <a:rPr lang="fr-FR" sz="1400" i="1" dirty="0" smtClean="0"/>
+              <a:t>	Si </a:t>
+            </a:r>
+            <a:r>
+              <a:rPr lang="fr-FR" sz="1400" i="1" dirty="0"/>
+              <a:t>le membre est connecté	      </a:t>
+            </a:r>
+            <a:endParaRPr lang="fr-FR" sz="1400" i="1" dirty="0" smtClean="0"/>
+          </a:p>
+          <a:p>
+            <a:r>
+              <a:rPr lang="fr-FR" sz="1400" i="1" dirty="0"/>
+              <a:t>	</a:t>
+            </a:r>
+            <a:r>
+              <a:rPr lang="fr-FR" sz="1400" i="1" dirty="0" smtClean="0"/>
+              <a:t> </a:t>
+            </a:r>
+            <a:r>
+              <a:rPr lang="fr-FR" sz="1400" i="1" dirty="0"/>
+              <a:t>récupère le nombre de notifications dudit membre dans $</a:t>
+            </a:r>
+            <a:r>
+              <a:rPr lang="fr-FR" sz="1400" i="1" dirty="0" err="1"/>
+              <a:t>notificationsCount</a:t>
+            </a:r>
+            <a:r>
+              <a:rPr lang="fr-FR" sz="1400" i="1" dirty="0"/>
+              <a:t> en appelant </a:t>
+            </a:r>
+            <a:r>
+              <a:rPr lang="fr-FR" sz="1400" i="1" dirty="0" err="1"/>
               <a:t>Members</a:t>
             </a:r>
             <a:r>
-              <a:rPr lang="fr-FR" i="1" dirty="0"/>
-              <a:t>\Single	    </a:t>
-            </a:r>
-            <a:endParaRPr lang="fr-FR" i="1" dirty="0" smtClean="0"/>
-          </a:p>
-          <a:p>
-            <a:r>
-              <a:rPr lang="fr-FR" i="1" dirty="0"/>
+              <a:rPr lang="fr-FR" sz="1400" i="1" dirty="0"/>
+              <a:t>\Single::</a:t>
+            </a:r>
+            <a:r>
+              <a:rPr lang="fr-FR" sz="1400" i="1" dirty="0" err="1"/>
+              <a:t>notificationsCount</a:t>
+            </a:r>
+            <a:r>
+              <a:rPr lang="fr-FR" sz="1400" i="1" dirty="0"/>
+              <a:t>	        </a:t>
+            </a:r>
+            <a:endParaRPr lang="fr-FR" sz="1400" i="1" dirty="0" smtClean="0"/>
+          </a:p>
+          <a:p>
+            <a:r>
+              <a:rPr lang="fr-FR" sz="1400" i="1" dirty="0"/>
               <a:t>	</a:t>
             </a:r>
             <a:r>
-              <a:rPr lang="fr-FR" i="1" dirty="0" smtClean="0"/>
-              <a:t>Méthode </a:t>
-            </a:r>
-            <a:r>
-              <a:rPr lang="fr-FR" i="1" dirty="0" err="1"/>
+              <a:rPr lang="fr-FR" sz="1400" i="1" dirty="0" smtClean="0"/>
+              <a:t> récupère </a:t>
+            </a:r>
+            <a:r>
+              <a:rPr lang="fr-FR" sz="1400" i="1" dirty="0"/>
+              <a:t>les notifications dudit membre dans $notifications en appelant </a:t>
+            </a:r>
+            <a:r>
+              <a:rPr lang="fr-FR" sz="1400" i="1" dirty="0" err="1"/>
+              <a:t>Members</a:t>
+            </a:r>
+            <a:r>
+              <a:rPr lang="fr-FR" sz="1400" i="1" dirty="0"/>
+              <a:t>\Single::</a:t>
+            </a:r>
+            <a:r>
+              <a:rPr lang="fr-FR" sz="1400" i="1" dirty="0" err="1"/>
+              <a:t>getNotifications</a:t>
+            </a:r>
+            <a:r>
+              <a:rPr lang="fr-FR" sz="1200" i="1" dirty="0"/>
+              <a:t>	</a:t>
+            </a:r>
+            <a:r>
+              <a:rPr lang="fr-FR" sz="1200" dirty="0"/>
+              <a:t> 	</a:t>
+            </a:r>
+            <a:r>
+              <a:rPr lang="fr-FR" dirty="0" smtClean="0"/>
+              <a:t> 	</a:t>
+            </a:r>
+            <a:endParaRPr lang="fr-FR" dirty="0"/>
+          </a:p>
+        </p:txBody>
+      </p:sp>
+      <p:sp>
+        <p:nvSpPr>
+          <p:cNvPr id="6" name="ZoneTexte 5"/>
+          <p:cNvSpPr txBox="1"/>
+          <p:nvPr/>
+        </p:nvSpPr>
+        <p:spPr>
+          <a:xfrm>
+            <a:off x="493363" y="3347634"/>
+            <a:ext cx="11391254" cy="2092881"/>
+          </a:xfrm>
+          <a:prstGeom prst="rect">
+            <a:avLst/>
+          </a:prstGeom>
+          <a:noFill/>
+        </p:spPr>
+        <p:txBody>
+          <a:bodyPr wrap="square" rtlCol="0">
+            <a:spAutoFit/>
+          </a:bodyPr>
+          <a:lstStyle/>
+          <a:p>
+            <a:r>
+              <a:rPr lang="fr-FR" dirty="0" smtClean="0"/>
+              <a:t>	</a:t>
+            </a:r>
+            <a:r>
+              <a:rPr lang="fr-FR" sz="1400" dirty="0" smtClean="0">
+                <a:solidFill>
+                  <a:schemeClr val="accent5"/>
+                </a:solidFill>
+              </a:rPr>
+              <a:t>if</a:t>
+            </a:r>
+            <a:r>
+              <a:rPr lang="fr-FR" sz="1400" dirty="0" smtClean="0"/>
+              <a:t> </a:t>
+            </a:r>
+            <a:r>
+              <a:rPr lang="fr-FR" sz="1400" dirty="0"/>
+              <a:t>($admin) {		</a:t>
+            </a:r>
+            <a:endParaRPr lang="fr-FR" sz="1400" dirty="0" smtClean="0"/>
+          </a:p>
+          <a:p>
+            <a:r>
+              <a:rPr lang="fr-FR" sz="1400" dirty="0" smtClean="0"/>
+              <a:t>		...</a:t>
+            </a:r>
+            <a:r>
+              <a:rPr lang="fr-FR" sz="1400" dirty="0"/>
+              <a:t>	</a:t>
+            </a:r>
+            <a:endParaRPr lang="fr-FR" sz="1400" dirty="0" smtClean="0"/>
+          </a:p>
+          <a:p>
+            <a:r>
+              <a:rPr lang="fr-FR" sz="1400" dirty="0" smtClean="0"/>
+              <a:t>	} </a:t>
+            </a:r>
+            <a:r>
+              <a:rPr lang="fr-FR" sz="1400" dirty="0" err="1" smtClean="0">
+                <a:solidFill>
+                  <a:schemeClr val="accent5"/>
+                </a:solidFill>
+              </a:rPr>
+              <a:t>else</a:t>
+            </a:r>
+            <a:r>
+              <a:rPr lang="fr-FR" sz="1400" dirty="0" smtClean="0"/>
+              <a:t> </a:t>
+            </a:r>
+            <a:r>
+              <a:rPr lang="fr-FR" sz="1400" dirty="0"/>
+              <a:t>{		</a:t>
+            </a:r>
+            <a:endParaRPr lang="fr-FR" sz="1400" dirty="0" smtClean="0"/>
+          </a:p>
+          <a:p>
+            <a:r>
+              <a:rPr lang="fr-FR" sz="1400" dirty="0" smtClean="0"/>
+              <a:t>	$</a:t>
+            </a:r>
+            <a:r>
+              <a:rPr lang="fr-FR" sz="1400" dirty="0"/>
+              <a:t>navigation = [			..			</a:t>
+            </a:r>
+            <a:endParaRPr lang="fr-FR" sz="1400" dirty="0" smtClean="0"/>
+          </a:p>
+          <a:p>
+            <a:r>
+              <a:rPr lang="fr-FR" sz="1400" dirty="0" smtClean="0"/>
+              <a:t>];</a:t>
+            </a:r>
+            <a:r>
+              <a:rPr lang="fr-FR" sz="1400" dirty="0"/>
+              <a:t>			</a:t>
+            </a:r>
+            <a:endParaRPr lang="fr-FR" sz="1400" dirty="0" smtClean="0"/>
+          </a:p>
+          <a:p>
+            <a:r>
+              <a:rPr lang="fr-FR" sz="1400" dirty="0" smtClean="0"/>
+              <a:t>	$</a:t>
+            </a:r>
+            <a:r>
+              <a:rPr lang="fr-FR" sz="1400" dirty="0" err="1"/>
+              <a:t>currentMemberObj</a:t>
+            </a:r>
+            <a:r>
+              <a:rPr lang="fr-FR" sz="1400" dirty="0"/>
+              <a:t> = </a:t>
+            </a:r>
+            <a:r>
+              <a:rPr lang="fr-FR" sz="1400" dirty="0">
+                <a:solidFill>
+                  <a:schemeClr val="accent5"/>
+                </a:solidFill>
+              </a:rPr>
+              <a:t>new</a:t>
+            </a:r>
+            <a:r>
+              <a:rPr lang="fr-FR" sz="1400" dirty="0"/>
+              <a:t> </a:t>
+            </a:r>
+            <a:r>
+              <a:rPr lang="fr-FR" sz="1400" dirty="0" err="1"/>
+              <a:t>Members</a:t>
+            </a:r>
+            <a:r>
+              <a:rPr lang="fr-FR" sz="1400" dirty="0"/>
+              <a:t>\Single($</a:t>
+            </a:r>
+            <a:r>
+              <a:rPr lang="fr-FR" sz="1400" dirty="0" err="1"/>
+              <a:t>currentMemberId</a:t>
+            </a:r>
+            <a:r>
+              <a:rPr lang="fr-FR" sz="1400" dirty="0"/>
+              <a:t>);			</a:t>
+            </a:r>
+            <a:endParaRPr lang="fr-FR" sz="1400" dirty="0" smtClean="0"/>
+          </a:p>
+          <a:p>
+            <a:r>
+              <a:rPr lang="fr-FR" sz="1400" dirty="0" smtClean="0"/>
+              <a:t>	$</a:t>
+            </a:r>
+            <a:r>
+              <a:rPr lang="fr-FR" sz="1400" dirty="0" err="1"/>
               <a:t>notificationsCount</a:t>
             </a:r>
             <a:r>
-              <a:rPr lang="fr-FR" i="1" dirty="0"/>
-              <a:t>	        </a:t>
-            </a:r>
-            <a:endParaRPr lang="fr-FR" i="1" dirty="0" smtClean="0"/>
-          </a:p>
-          <a:p>
-            <a:r>
-              <a:rPr lang="fr-FR" i="1" dirty="0"/>
-              <a:t>	</a:t>
-            </a:r>
-            <a:r>
-              <a:rPr lang="fr-FR" i="1" dirty="0" smtClean="0"/>
-              <a:t>	Appelle </a:t>
-            </a:r>
-            <a:r>
-              <a:rPr lang="fr-FR" i="1" dirty="0"/>
-              <a:t>méthode Basics\Handling::</a:t>
-            </a:r>
-            <a:r>
-              <a:rPr lang="fr-FR" i="1" dirty="0" err="1"/>
-              <a:t>countEntries</a:t>
-            </a:r>
-            <a:r>
-              <a:rPr lang="fr-FR" i="1" dirty="0"/>
-              <a:t> pour compter le nombre de notifications où le sujet est l'id du membre	 	    </a:t>
-            </a:r>
-            <a:endParaRPr lang="fr-FR" i="1" dirty="0" smtClean="0"/>
-          </a:p>
-          <a:p>
-            <a:r>
-              <a:rPr lang="fr-FR" i="1" dirty="0"/>
-              <a:t>	</a:t>
-            </a:r>
-            <a:r>
-              <a:rPr lang="fr-FR" i="1" dirty="0" smtClean="0"/>
-              <a:t>Méthode </a:t>
-            </a:r>
-            <a:r>
-              <a:rPr lang="fr-FR" i="1" dirty="0" err="1"/>
+              <a:rPr lang="fr-FR" sz="1400" dirty="0"/>
+              <a:t> = $</a:t>
+            </a:r>
+            <a:r>
+              <a:rPr lang="fr-FR" sz="1400" dirty="0" err="1"/>
+              <a:t>currentMemberObj</a:t>
+            </a:r>
+            <a:r>
+              <a:rPr lang="fr-FR" sz="1400" dirty="0"/>
+              <a:t>-&gt;</a:t>
+            </a:r>
+            <a:r>
+              <a:rPr lang="fr-FR" sz="1400" dirty="0" err="1"/>
+              <a:t>notificationsCount</a:t>
+            </a:r>
+            <a:r>
+              <a:rPr lang="fr-FR" sz="1400" dirty="0"/>
+              <a:t>();			</a:t>
+            </a:r>
+            <a:endParaRPr lang="fr-FR" sz="1400" dirty="0" smtClean="0"/>
+          </a:p>
+          <a:p>
+            <a:r>
+              <a:rPr lang="fr-FR" sz="1400" dirty="0" smtClean="0"/>
+              <a:t>	$</a:t>
+            </a:r>
+            <a:r>
+              <a:rPr lang="fr-FR" sz="1400" dirty="0"/>
+              <a:t>notifications = $</a:t>
+            </a:r>
+            <a:r>
+              <a:rPr lang="fr-FR" sz="1400" dirty="0" err="1"/>
+              <a:t>currentMemberObj</a:t>
+            </a:r>
+            <a:r>
+              <a:rPr lang="fr-FR" sz="1400" dirty="0"/>
+              <a:t>-&gt;</a:t>
+            </a:r>
+            <a:r>
+              <a:rPr lang="fr-FR" sz="1400" dirty="0" err="1"/>
               <a:t>getNotifications</a:t>
             </a:r>
             <a:r>
-              <a:rPr lang="fr-FR" i="1" dirty="0"/>
-              <a:t>	        </a:t>
-            </a:r>
-            <a:endParaRPr lang="fr-FR" i="1" dirty="0" smtClean="0"/>
-          </a:p>
-          <a:p>
-            <a:r>
-              <a:rPr lang="fr-FR" i="1" dirty="0"/>
-              <a:t>	</a:t>
-            </a:r>
-            <a:r>
-              <a:rPr lang="fr-FR" i="1" dirty="0" smtClean="0"/>
-              <a:t>(</a:t>
-            </a:r>
-            <a:r>
-              <a:rPr lang="fr-FR" i="1" dirty="0"/>
-              <a:t>même condition que </a:t>
-            </a:r>
-            <a:r>
-              <a:rPr lang="fr-FR" i="1" dirty="0" err="1"/>
-              <a:t>notificationsCount</a:t>
-            </a:r>
-            <a:r>
-              <a:rPr lang="fr-FR" i="1" dirty="0"/>
-              <a:t>)	        </a:t>
-            </a:r>
-            <a:endParaRPr lang="fr-FR" i="1" dirty="0" smtClean="0"/>
-          </a:p>
-          <a:p>
-            <a:r>
-              <a:rPr lang="fr-FR" i="1" dirty="0"/>
-              <a:t>	</a:t>
-            </a:r>
-            <a:r>
-              <a:rPr lang="fr-FR" i="1" dirty="0" smtClean="0"/>
-              <a:t>	récupère </a:t>
-            </a:r>
-            <a:r>
-              <a:rPr lang="fr-FR" i="1" dirty="0"/>
-              <a:t>les notifications en les classant par date </a:t>
-            </a:r>
-            <a:r>
-              <a:rPr lang="fr-FR" i="1" dirty="0" smtClean="0"/>
-              <a:t>décroissante pour </a:t>
-            </a:r>
-            <a:r>
-              <a:rPr lang="fr-FR" i="1" dirty="0"/>
-              <a:t>chaque notification ; </a:t>
-            </a:r>
-            <a:r>
-              <a:rPr lang="fr-FR" i="1" dirty="0" smtClean="0"/>
-              <a:t>		récupère </a:t>
-            </a:r>
-            <a:r>
-              <a:rPr lang="fr-FR" i="1" dirty="0"/>
-              <a:t>toutes les infos du membre ayant reçu et ayant envoyé	 	    </a:t>
-            </a:r>
-            <a:endParaRPr lang="fr-FR" i="1" dirty="0" smtClean="0"/>
-          </a:p>
-          <a:p>
-            <a:r>
-              <a:rPr lang="fr-FR" i="1" dirty="0"/>
-              <a:t>	</a:t>
-            </a:r>
-            <a:r>
-              <a:rPr lang="fr-FR" i="1" dirty="0" smtClean="0"/>
-              <a:t>Méthode </a:t>
-            </a:r>
-            <a:r>
-              <a:rPr lang="fr-FR" i="1" dirty="0" err="1"/>
-              <a:t>sendFriendRequest</a:t>
-            </a:r>
-            <a:r>
-              <a:rPr lang="fr-FR" i="1" dirty="0"/>
-              <a:t>	       </a:t>
-            </a:r>
-            <a:endParaRPr lang="fr-FR" i="1" dirty="0" smtClean="0"/>
-          </a:p>
-          <a:p>
-            <a:r>
-              <a:rPr lang="fr-FR" i="1" dirty="0"/>
-              <a:t>	</a:t>
-            </a:r>
-            <a:r>
-              <a:rPr lang="fr-FR" i="1" dirty="0" smtClean="0"/>
-              <a:t>	Si </a:t>
-            </a:r>
-            <a:r>
-              <a:rPr lang="fr-FR" i="1" dirty="0"/>
-              <a:t>les conditions pour envoyer une demande d'amis sont respectées	            </a:t>
-            </a:r>
-            <a:endParaRPr lang="fr-FR" i="1" dirty="0" smtClean="0"/>
-          </a:p>
-          <a:p>
-            <a:r>
-              <a:rPr lang="fr-FR" i="1" dirty="0"/>
-              <a:t>	</a:t>
-            </a:r>
-            <a:r>
-              <a:rPr lang="fr-FR" i="1" dirty="0" smtClean="0"/>
-              <a:t>	Rajoute </a:t>
-            </a:r>
-            <a:r>
-              <a:rPr lang="fr-FR" i="1" dirty="0"/>
-              <a:t>dans table notifications les informations de ladite demande d'ami	 	 </a:t>
-            </a:r>
-            <a:r>
-              <a:rPr lang="fr-FR" i="1" dirty="0" smtClean="0"/>
-              <a:t>Méthode </a:t>
-            </a:r>
-            <a:r>
-              <a:rPr lang="fr-FR" i="1" dirty="0" err="1"/>
-              <a:t>acceptFriendRequest</a:t>
-            </a:r>
-            <a:r>
-              <a:rPr lang="fr-FR" i="1" dirty="0"/>
-              <a:t>	        </a:t>
-            </a:r>
-            <a:endParaRPr lang="fr-FR" i="1" dirty="0" smtClean="0"/>
-          </a:p>
-          <a:p>
-            <a:r>
-              <a:rPr lang="fr-FR" i="1" dirty="0"/>
-              <a:t>	</a:t>
-            </a:r>
-            <a:r>
-              <a:rPr lang="fr-FR" i="1" dirty="0" smtClean="0"/>
-              <a:t>S’ils </a:t>
-            </a:r>
-            <a:r>
-              <a:rPr lang="fr-FR" i="1" dirty="0"/>
-              <a:t>peuvent être copains	            </a:t>
-            </a:r>
-            <a:endParaRPr lang="fr-FR" i="1" dirty="0" smtClean="0"/>
-          </a:p>
-          <a:p>
-            <a:r>
-              <a:rPr lang="fr-FR" i="1" dirty="0"/>
-              <a:t>	</a:t>
-            </a:r>
-            <a:r>
-              <a:rPr lang="fr-FR" i="1" dirty="0" smtClean="0"/>
-              <a:t>	Enlève </a:t>
-            </a:r>
-            <a:r>
-              <a:rPr lang="fr-FR" i="1" dirty="0"/>
-              <a:t>la notification de demande	 	    </a:t>
-            </a:r>
-            <a:endParaRPr lang="fr-FR" i="1" dirty="0" smtClean="0"/>
-          </a:p>
-          <a:p>
-            <a:r>
-              <a:rPr lang="fr-FR" i="1" dirty="0"/>
-              <a:t>	</a:t>
-            </a:r>
-            <a:r>
-              <a:rPr lang="fr-FR" i="1" dirty="0" smtClean="0"/>
-              <a:t> Méthode </a:t>
-            </a:r>
-            <a:r>
-              <a:rPr lang="fr-FR" i="1" dirty="0" err="1"/>
-              <a:t>cancelFriendRequest</a:t>
-            </a:r>
-            <a:r>
-              <a:rPr lang="fr-FR" i="1" dirty="0"/>
-              <a:t>	        </a:t>
-            </a:r>
-            <a:endParaRPr lang="fr-FR" i="1" dirty="0" smtClean="0"/>
-          </a:p>
-          <a:p>
-            <a:r>
-              <a:rPr lang="fr-FR" i="1" dirty="0"/>
-              <a:t>	</a:t>
-            </a:r>
-            <a:r>
-              <a:rPr lang="fr-FR" i="1" dirty="0" smtClean="0"/>
-              <a:t>	S’il </a:t>
-            </a:r>
-            <a:r>
-              <a:rPr lang="fr-FR" i="1" dirty="0"/>
-              <a:t>y a une demande d'amis en cours mais que l'un des deux ne veut pas être copains                Enlève la notification de demande</a:t>
+              <a:rPr lang="fr-FR" sz="1400" dirty="0"/>
+              <a:t>();		</a:t>
+            </a:r>
+            <a:endParaRPr lang="fr-FR" sz="1400" dirty="0" smtClean="0"/>
+          </a:p>
+          <a:p>
+            <a:r>
+              <a:rPr lang="fr-FR" sz="1400" dirty="0" smtClean="0"/>
+              <a:t>}</a:t>
+            </a:r>
+            <a:r>
+              <a:rPr lang="fr-FR" sz="1400" dirty="0"/>
+              <a:t>		</a:t>
             </a:r>
           </a:p>
         </p:txBody>
@@ -6401,7 +8481,7 @@
     </p:spTree>
     <p:extLst>
       <p:ext uri="{BB962C8B-B14F-4D97-AF65-F5344CB8AC3E}">
-        <p14:creationId xmlns:p14="http://schemas.microsoft.com/office/powerpoint/2010/main" val="1659622942"/>
+        <p14:creationId xmlns:p14="http://schemas.microsoft.com/office/powerpoint/2010/main" val="272638785"/>
       </p:ext>
     </p:extLst>
   </p:cSld>
@@ -6437,14 +8517,50 @@
       </p:grpSpPr>
       <p:sp>
         <p:nvSpPr>
-          <p:cNvPr id="4" name="ZoneTexte 3"/>
+          <p:cNvPr id="2" name="Titre 1"/>
+          <p:cNvSpPr>
+            <a:spLocks noGrp="1"/>
+          </p:cNvSpPr>
+          <p:nvPr>
+            <p:ph type="title"/>
+          </p:nvPr>
+        </p:nvSpPr>
+        <p:spPr/>
+        <p:txBody>
+          <a:bodyPr/>
+          <a:lstStyle/>
+          <a:p>
+            <a:pPr algn="ctr"/>
+            <a:r>
+              <a:rPr lang="fr-FR" dirty="0" smtClean="0"/>
+              <a:t>Système de notification ( </a:t>
+            </a:r>
+            <a:r>
+              <a:rPr lang="fr-FR" dirty="0" err="1" smtClean="0"/>
+              <a:t>models</a:t>
+            </a:r>
+            <a:r>
+              <a:rPr lang="fr-FR" dirty="0"/>
+              <a:t> </a:t>
+            </a:r>
+            <a:r>
+              <a:rPr lang="fr-FR" dirty="0" smtClean="0"/>
+              <a:t>)</a:t>
+            </a:r>
+            <a:endParaRPr lang="fr-FR" dirty="0"/>
+          </a:p>
+        </p:txBody>
+      </p:sp>
+      <p:sp>
+        <p:nvSpPr>
+          <p:cNvPr id="5" name="ZoneTexte 4"/>
           <p:cNvSpPr txBox="1"/>
           <p:nvPr/>
         </p:nvSpPr>
         <p:spPr>
           <a:xfrm>
-            <a:off x="356460" y="232476"/>
-            <a:ext cx="11623729" cy="6355586"/>
+            <a:off x="838200" y="1318729"/>
+            <a:ext cx="10515600" cy="4801314"/>
           </a:xfrm>
           <a:prstGeom prst="rect">
             <a:avLst/>
@@ -6458,2320 +8574,264 @@
           <a:lstStyle/>
           <a:p>
             <a:r>
-              <a:rPr lang="fr-FR" sz="1100" dirty="0"/>
-              <a:t>&lt;?</a:t>
-            </a:r>
-            <a:r>
-              <a:rPr lang="fr-FR" sz="1100" dirty="0" err="1"/>
-              <a:t>php</a:t>
-            </a:r>
-            <a:r>
-              <a:rPr lang="fr-FR" sz="1100" dirty="0"/>
+              <a:rPr lang="fr-FR" i="1" dirty="0"/>
+              <a:t>model (</a:t>
+            </a:r>
+            <a:r>
+              <a:rPr lang="fr-FR" i="1" dirty="0" err="1"/>
+              <a:t>members</a:t>
+            </a:r>
+            <a:r>
+              <a:rPr lang="fr-FR" i="1" dirty="0"/>
+              <a:t>)	Classe </a:t>
+            </a:r>
+            <a:r>
+              <a:rPr lang="fr-FR" i="1" dirty="0" err="1"/>
+              <a:t>Members</a:t>
+            </a:r>
+            <a:r>
+              <a:rPr lang="fr-FR" i="1" dirty="0"/>
+              <a:t>\Single	    </a:t>
+            </a:r>
+            <a:endParaRPr lang="fr-FR" i="1" dirty="0" smtClean="0"/>
+          </a:p>
+          <a:p>
+            <a:r>
+              <a:rPr lang="fr-FR" i="1" dirty="0"/>
               <a:t>	</a:t>
             </a:r>
-            <a:endParaRPr lang="fr-FR" sz="1100" dirty="0" smtClean="0"/>
-          </a:p>
-          <a:p>
-            <a:r>
-              <a:rPr lang="fr-FR" sz="1100" dirty="0" smtClean="0"/>
-              <a:t>      </a:t>
-            </a:r>
-            <a:r>
-              <a:rPr lang="fr-FR" sz="1100" dirty="0" err="1" smtClean="0">
-                <a:solidFill>
-                  <a:schemeClr val="accent5"/>
-                </a:solidFill>
-              </a:rPr>
-              <a:t>namespace</a:t>
-            </a:r>
-            <a:r>
-              <a:rPr lang="fr-FR" sz="1100" dirty="0" smtClean="0"/>
-              <a:t> </a:t>
-            </a:r>
-            <a:r>
-              <a:rPr lang="fr-FR" sz="1100" dirty="0" err="1">
-                <a:solidFill>
-                  <a:srgbClr val="7030A0"/>
-                </a:solidFill>
-              </a:rPr>
-              <a:t>Members</a:t>
-            </a:r>
-            <a:r>
-              <a:rPr lang="fr-FR" sz="1100" dirty="0">
-                <a:solidFill>
-                  <a:srgbClr val="7030A0"/>
-                </a:solidFill>
-              </a:rPr>
-              <a:t>;</a:t>
-            </a:r>
-            <a:r>
-              <a:rPr lang="fr-FR" sz="1100" dirty="0"/>
+            <a:r>
+              <a:rPr lang="fr-FR" i="1" dirty="0" smtClean="0"/>
+              <a:t>Méthode </a:t>
+            </a:r>
+            <a:r>
+              <a:rPr lang="fr-FR" i="1" dirty="0" err="1"/>
+              <a:t>notificationsCount</a:t>
+            </a:r>
+            <a:r>
+              <a:rPr lang="fr-FR" i="1" dirty="0"/>
+              <a:t>	        </a:t>
+            </a:r>
+            <a:endParaRPr lang="fr-FR" i="1" dirty="0" smtClean="0"/>
+          </a:p>
+          <a:p>
+            <a:r>
+              <a:rPr lang="fr-FR" i="1" dirty="0"/>
               <a:t>	</a:t>
             </a:r>
-            <a:endParaRPr lang="fr-FR" sz="1100" dirty="0" smtClean="0"/>
-          </a:p>
-          <a:p>
-            <a:r>
-              <a:rPr lang="fr-FR" sz="1100" dirty="0"/>
-              <a:t> </a:t>
-            </a:r>
-            <a:r>
-              <a:rPr lang="fr-FR" sz="1100" dirty="0" smtClean="0"/>
-              <a:t>      class </a:t>
-            </a:r>
-            <a:r>
-              <a:rPr lang="fr-FR" sz="1100" dirty="0">
-                <a:solidFill>
-                  <a:srgbClr val="7030A0"/>
-                </a:solidFill>
-              </a:rPr>
-              <a:t>Single </a:t>
-            </a:r>
-            <a:r>
-              <a:rPr lang="fr-FR" sz="1100" dirty="0"/>
-              <a:t>{		</a:t>
-            </a:r>
-            <a:endParaRPr lang="fr-FR" sz="1100" dirty="0" smtClean="0"/>
-          </a:p>
-          <a:p>
-            <a:r>
-              <a:rPr lang="fr-FR" sz="1100" dirty="0"/>
+            <a:r>
+              <a:rPr lang="fr-FR" i="1" dirty="0" smtClean="0"/>
+              <a:t>	Appelle </a:t>
+            </a:r>
+            <a:r>
+              <a:rPr lang="fr-FR" i="1" dirty="0"/>
+              <a:t>méthode Basics\Handling::</a:t>
+            </a:r>
+            <a:r>
+              <a:rPr lang="fr-FR" i="1" dirty="0" err="1"/>
+              <a:t>countEntries</a:t>
+            </a:r>
+            <a:r>
+              <a:rPr lang="fr-FR" i="1" dirty="0"/>
+              <a:t> pour compter le nombre de notifications où le sujet est l'id du membre	 	    </a:t>
+            </a:r>
+            <a:endParaRPr lang="fr-FR" i="1" dirty="0" smtClean="0"/>
+          </a:p>
+          <a:p>
+            <a:r>
+              <a:rPr lang="fr-FR" i="1" dirty="0"/>
               <a:t>	</a:t>
             </a:r>
             <a:r>
-              <a:rPr lang="fr-FR" sz="1100" dirty="0" smtClean="0">
-                <a:solidFill>
-                  <a:schemeClr val="accent5"/>
-                </a:solidFill>
-              </a:rPr>
-              <a:t>public </a:t>
-            </a:r>
-            <a:r>
-              <a:rPr lang="fr-FR" sz="1100" dirty="0" err="1">
-                <a:solidFill>
-                  <a:schemeClr val="accent5"/>
-                </a:solidFill>
-              </a:rPr>
-              <a:t>function</a:t>
-            </a:r>
-            <a:r>
-              <a:rPr lang="fr-FR" sz="1100" dirty="0">
-                <a:solidFill>
-                  <a:schemeClr val="accent5"/>
-                </a:solidFill>
-              </a:rPr>
-              <a:t> </a:t>
-            </a:r>
-            <a:r>
-              <a:rPr lang="fr-FR" sz="1100" dirty="0" err="1">
-                <a:solidFill>
-                  <a:srgbClr val="7030A0"/>
-                </a:solidFill>
-              </a:rPr>
+              <a:rPr lang="fr-FR" i="1" dirty="0" smtClean="0"/>
+              <a:t>Méthode </a:t>
+            </a:r>
+            <a:r>
+              <a:rPr lang="fr-FR" i="1" dirty="0" err="1"/>
+              <a:t>getNotifications</a:t>
+            </a:r>
+            <a:r>
+              <a:rPr lang="fr-FR" i="1" dirty="0"/>
+              <a:t>	        </a:t>
+            </a:r>
+            <a:endParaRPr lang="fr-FR" i="1" dirty="0" smtClean="0"/>
+          </a:p>
+          <a:p>
+            <a:r>
+              <a:rPr lang="fr-FR" i="1" dirty="0"/>
+              <a:t>	</a:t>
+            </a:r>
+            <a:r>
+              <a:rPr lang="fr-FR" i="1" dirty="0" smtClean="0"/>
+              <a:t>(</a:t>
+            </a:r>
+            <a:r>
+              <a:rPr lang="fr-FR" i="1" dirty="0"/>
+              <a:t>même condition que </a:t>
+            </a:r>
+            <a:r>
+              <a:rPr lang="fr-FR" i="1" dirty="0" err="1"/>
               <a:t>notificationsCount</a:t>
             </a:r>
             <a:r>
-              <a:rPr lang="fr-FR" sz="1100" dirty="0"/>
-              <a:t>() {			</a:t>
-            </a:r>
-            <a:endParaRPr lang="fr-FR" sz="1100" dirty="0" smtClean="0"/>
-          </a:p>
-          <a:p>
-            <a:r>
-              <a:rPr lang="fr-FR" sz="1100" dirty="0"/>
+              <a:rPr lang="fr-FR" i="1" dirty="0"/>
+              <a:t>)	        </a:t>
+            </a:r>
+            <a:endParaRPr lang="fr-FR" i="1" dirty="0" smtClean="0"/>
+          </a:p>
+          <a:p>
+            <a:r>
+              <a:rPr lang="fr-FR" i="1" dirty="0"/>
               <a:t>	</a:t>
             </a:r>
             <a:r>
-              <a:rPr lang="fr-FR" sz="1100" dirty="0">
-                <a:solidFill>
-                  <a:schemeClr val="accent5"/>
-                </a:solidFill>
-              </a:rPr>
-              <a:t> </a:t>
-            </a:r>
-            <a:r>
-              <a:rPr lang="fr-FR" sz="1100" dirty="0" smtClean="0">
-                <a:solidFill>
-                  <a:schemeClr val="accent5"/>
-                </a:solidFill>
-              </a:rPr>
-              <a:t>return </a:t>
-            </a:r>
-            <a:r>
-              <a:rPr lang="fr-FR" sz="1100" dirty="0"/>
-              <a:t>\Basics\Handling::</a:t>
-            </a:r>
-            <a:r>
-              <a:rPr lang="fr-FR" sz="1100" dirty="0" err="1"/>
-              <a:t>countEntries</a:t>
-            </a:r>
-            <a:r>
-              <a:rPr lang="fr-FR" sz="1100" dirty="0"/>
-              <a:t>(</a:t>
-            </a:r>
-            <a:r>
-              <a:rPr lang="fr-FR" sz="1100" dirty="0">
-                <a:solidFill>
-                  <a:schemeClr val="accent4"/>
-                </a:solidFill>
-              </a:rPr>
-              <a:t>'notifications', '</a:t>
-            </a:r>
-            <a:r>
-              <a:rPr lang="fr-FR" sz="1100" dirty="0" err="1">
-                <a:solidFill>
-                  <a:schemeClr val="accent4"/>
-                </a:solidFill>
-              </a:rPr>
-              <a:t>subject_id</a:t>
-            </a:r>
-            <a:r>
-              <a:rPr lang="fr-FR" sz="1100" dirty="0">
-                <a:solidFill>
-                  <a:schemeClr val="accent4"/>
-                </a:solidFill>
-              </a:rPr>
-              <a:t> = ' </a:t>
-            </a:r>
-            <a:r>
-              <a:rPr lang="fr-FR" sz="1100" dirty="0"/>
-              <a:t>. $</a:t>
-            </a:r>
-            <a:r>
-              <a:rPr lang="fr-FR" sz="1100" dirty="0" err="1"/>
-              <a:t>this</a:t>
-            </a:r>
-            <a:r>
-              <a:rPr lang="fr-FR" sz="1100" dirty="0"/>
-              <a:t>-&gt;</a:t>
-            </a:r>
-            <a:r>
-              <a:rPr lang="fr-FR" sz="1100" dirty="0" err="1"/>
-              <a:t>member</a:t>
-            </a:r>
-            <a:r>
-              <a:rPr lang="fr-FR" sz="1100" dirty="0"/>
-              <a:t>['id'] </a:t>
-            </a:r>
-            <a:r>
-              <a:rPr lang="fr-FR" sz="1100" dirty="0">
-                <a:solidFill>
-                  <a:schemeClr val="accent4"/>
-                </a:solidFill>
-              </a:rPr>
-              <a:t>. ' AND </a:t>
-            </a:r>
-            <a:r>
-              <a:rPr lang="fr-FR" sz="1100" dirty="0" err="1">
-                <a:solidFill>
-                  <a:schemeClr val="accent4"/>
-                </a:solidFill>
-              </a:rPr>
-              <a:t>seen</a:t>
-            </a:r>
-            <a:r>
-              <a:rPr lang="fr-FR" sz="1100" dirty="0">
-                <a:solidFill>
-                  <a:schemeClr val="accent4"/>
-                </a:solidFill>
-              </a:rPr>
-              <a:t> = \'0\''</a:t>
-            </a:r>
-            <a:r>
-              <a:rPr lang="fr-FR" sz="1100" dirty="0"/>
-              <a:t>);		}		</a:t>
-            </a:r>
-            <a:r>
-              <a:rPr lang="fr-FR" sz="1100" dirty="0" smtClean="0"/>
-              <a:t>                                  	</a:t>
-            </a:r>
-            <a:r>
-              <a:rPr lang="fr-FR" sz="1100" dirty="0" smtClean="0">
-                <a:solidFill>
-                  <a:schemeClr val="accent5"/>
-                </a:solidFill>
-              </a:rPr>
-              <a:t>public </a:t>
-            </a:r>
-            <a:r>
-              <a:rPr lang="fr-FR" sz="1100" dirty="0" err="1">
-                <a:solidFill>
-                  <a:schemeClr val="accent5"/>
-                </a:solidFill>
-              </a:rPr>
-              <a:t>function</a:t>
-            </a:r>
-            <a:r>
-              <a:rPr lang="fr-FR" sz="1100" dirty="0">
-                <a:solidFill>
-                  <a:schemeClr val="accent5"/>
-                </a:solidFill>
-              </a:rPr>
-              <a:t> </a:t>
-            </a:r>
-            <a:r>
-              <a:rPr lang="fr-FR" sz="1100" dirty="0" err="1">
-                <a:solidFill>
-                  <a:srgbClr val="7030A0"/>
-                </a:solidFill>
-              </a:rPr>
-              <a:t>getNotifications</a:t>
-            </a:r>
-            <a:r>
-              <a:rPr lang="fr-FR" sz="1100" dirty="0"/>
-              <a:t>() {			</a:t>
-            </a:r>
-            <a:endParaRPr lang="fr-FR" sz="1100" dirty="0" smtClean="0"/>
-          </a:p>
-          <a:p>
-            <a:r>
-              <a:rPr lang="fr-FR" sz="1100" dirty="0"/>
+              <a:rPr lang="fr-FR" i="1" dirty="0" smtClean="0"/>
+              <a:t>	récupère </a:t>
+            </a:r>
+            <a:r>
+              <a:rPr lang="fr-FR" i="1" dirty="0"/>
+              <a:t>les notifications en les classant par date </a:t>
+            </a:r>
+            <a:r>
+              <a:rPr lang="fr-FR" i="1" dirty="0" smtClean="0"/>
+              <a:t>décroissante pour </a:t>
+            </a:r>
+            <a:r>
+              <a:rPr lang="fr-FR" i="1" dirty="0"/>
+              <a:t>chaque notification ; </a:t>
+            </a:r>
+            <a:r>
+              <a:rPr lang="fr-FR" i="1" dirty="0" smtClean="0"/>
+              <a:t>		récupère </a:t>
+            </a:r>
+            <a:r>
+              <a:rPr lang="fr-FR" i="1" dirty="0"/>
+              <a:t>toutes les infos du membre ayant reçu et ayant envoyé	 	    </a:t>
+            </a:r>
+            <a:endParaRPr lang="fr-FR" i="1" dirty="0" smtClean="0"/>
+          </a:p>
+          <a:p>
+            <a:r>
+              <a:rPr lang="fr-FR" i="1" dirty="0"/>
               <a:t>	</a:t>
             </a:r>
             <a:r>
-              <a:rPr lang="fr-FR" sz="1100" dirty="0" smtClean="0"/>
-              <a:t>$</a:t>
-            </a:r>
-            <a:r>
-              <a:rPr lang="fr-FR" sz="1100" dirty="0" err="1"/>
-              <a:t>request</a:t>
-            </a:r>
-            <a:r>
-              <a:rPr lang="fr-FR" sz="1100" dirty="0"/>
-              <a:t> = \Basics\Site::</a:t>
-            </a:r>
-            <a:r>
-              <a:rPr lang="fr-FR" sz="1100" dirty="0" err="1"/>
-              <a:t>getDB</a:t>
-            </a:r>
-            <a:r>
-              <a:rPr lang="fr-FR" sz="1100" dirty="0"/>
-              <a:t>()-&gt;</a:t>
-            </a:r>
-            <a:r>
-              <a:rPr lang="fr-FR" sz="1100" dirty="0" err="1"/>
-              <a:t>prepare</a:t>
-            </a:r>
-            <a:r>
-              <a:rPr lang="fr-FR" sz="1100" dirty="0"/>
-              <a:t>(</a:t>
-            </a:r>
-            <a:r>
-              <a:rPr lang="fr-FR" sz="1100" dirty="0">
-                <a:solidFill>
-                  <a:schemeClr val="accent4"/>
-                </a:solidFill>
-              </a:rPr>
-              <a:t>'SELECT * FROM notifications WHERE </a:t>
-            </a:r>
-            <a:r>
-              <a:rPr lang="fr-FR" sz="1100" dirty="0" err="1">
-                <a:solidFill>
-                  <a:schemeClr val="accent4"/>
-                </a:solidFill>
-              </a:rPr>
-              <a:t>subject_id</a:t>
-            </a:r>
-            <a:r>
-              <a:rPr lang="fr-FR" sz="1100" dirty="0">
-                <a:solidFill>
-                  <a:schemeClr val="accent4"/>
-                </a:solidFill>
-              </a:rPr>
-              <a:t> = ? ORDER BY </a:t>
-            </a:r>
-            <a:r>
-              <a:rPr lang="fr-FR" sz="1100" dirty="0" err="1">
-                <a:solidFill>
-                  <a:schemeClr val="accent4"/>
-                </a:solidFill>
-              </a:rPr>
-              <a:t>created_at</a:t>
-            </a:r>
-            <a:r>
-              <a:rPr lang="fr-FR" sz="1100" dirty="0">
-                <a:solidFill>
-                  <a:schemeClr val="accent4"/>
-                </a:solidFill>
-              </a:rPr>
-              <a:t> DESC'</a:t>
-            </a:r>
-            <a:r>
-              <a:rPr lang="fr-FR" sz="1100" dirty="0"/>
-              <a:t>);			</a:t>
-            </a:r>
-            <a:endParaRPr lang="fr-FR" sz="1100" dirty="0" smtClean="0"/>
-          </a:p>
-          <a:p>
-            <a:r>
-              <a:rPr lang="fr-FR" sz="1100" dirty="0"/>
+              <a:rPr lang="fr-FR" i="1" dirty="0" smtClean="0"/>
+              <a:t>Méthode </a:t>
+            </a:r>
+            <a:r>
+              <a:rPr lang="fr-FR" i="1" dirty="0" err="1"/>
+              <a:t>sendFriendRequest</a:t>
+            </a:r>
+            <a:r>
+              <a:rPr lang="fr-FR" i="1" dirty="0"/>
+              <a:t>	       </a:t>
+            </a:r>
+            <a:endParaRPr lang="fr-FR" i="1" dirty="0" smtClean="0"/>
+          </a:p>
+          <a:p>
+            <a:r>
+              <a:rPr lang="fr-FR" i="1" dirty="0"/>
               <a:t>	</a:t>
             </a:r>
             <a:r>
-              <a:rPr lang="fr-FR" sz="1100" dirty="0" smtClean="0"/>
-              <a:t>$</a:t>
-            </a:r>
-            <a:r>
-              <a:rPr lang="fr-FR" sz="1100" dirty="0" err="1"/>
-              <a:t>request</a:t>
-            </a:r>
-            <a:r>
-              <a:rPr lang="fr-FR" sz="1100" dirty="0"/>
-              <a:t>-&gt;</a:t>
-            </a:r>
-            <a:r>
-              <a:rPr lang="fr-FR" sz="1100" dirty="0" err="1"/>
-              <a:t>execute</a:t>
-            </a:r>
-            <a:r>
-              <a:rPr lang="fr-FR" sz="1100" dirty="0"/>
-              <a:t>([$</a:t>
-            </a:r>
-            <a:r>
-              <a:rPr lang="fr-FR" sz="1100" dirty="0" err="1"/>
-              <a:t>this</a:t>
-            </a:r>
-            <a:r>
-              <a:rPr lang="fr-FR" sz="1100" dirty="0"/>
-              <a:t>-&gt;</a:t>
-            </a:r>
-            <a:r>
-              <a:rPr lang="fr-FR" sz="1100" dirty="0" err="1"/>
-              <a:t>member</a:t>
-            </a:r>
-            <a:r>
-              <a:rPr lang="fr-FR" sz="1100" dirty="0"/>
-              <a:t>['id']]);			</a:t>
-            </a:r>
-            <a:r>
-              <a:rPr lang="fr-FR" sz="1100" dirty="0" smtClean="0"/>
-              <a:t>                                                                                                                                                                                       	$</a:t>
-            </a:r>
-            <a:r>
-              <a:rPr lang="fr-FR" sz="1100" dirty="0"/>
-              <a:t>notifications = $</a:t>
-            </a:r>
-            <a:r>
-              <a:rPr lang="fr-FR" sz="1100" dirty="0" err="1"/>
-              <a:t>request</a:t>
-            </a:r>
-            <a:r>
-              <a:rPr lang="fr-FR" sz="1100" dirty="0"/>
-              <a:t>-&gt;</a:t>
-            </a:r>
-            <a:r>
-              <a:rPr lang="fr-FR" sz="1100" dirty="0" err="1"/>
-              <a:t>fetchAll</a:t>
-            </a:r>
-            <a:r>
-              <a:rPr lang="fr-FR" sz="1100" dirty="0"/>
-              <a:t>(\PDO::FETCH_ASSOC);			</a:t>
-            </a:r>
-            <a:endParaRPr lang="fr-FR" sz="1100" dirty="0" smtClean="0"/>
-          </a:p>
-          <a:p>
-            <a:r>
-              <a:rPr lang="fr-FR" sz="1100" dirty="0"/>
+              <a:rPr lang="fr-FR" i="1" dirty="0" smtClean="0"/>
+              <a:t>	Si </a:t>
+            </a:r>
+            <a:r>
+              <a:rPr lang="fr-FR" i="1" dirty="0"/>
+              <a:t>les conditions pour envoyer une demande d'amis sont respectées	            </a:t>
+            </a:r>
+            <a:endParaRPr lang="fr-FR" i="1" dirty="0" smtClean="0"/>
+          </a:p>
+          <a:p>
+            <a:r>
+              <a:rPr lang="fr-FR" i="1" dirty="0"/>
               <a:t>	</a:t>
             </a:r>
             <a:r>
-              <a:rPr lang="fr-FR" sz="1100" dirty="0" err="1" smtClean="0">
-                <a:solidFill>
-                  <a:schemeClr val="accent5"/>
-                </a:solidFill>
-              </a:rPr>
-              <a:t>foreach</a:t>
-            </a:r>
-            <a:r>
-              <a:rPr lang="fr-FR" sz="1100" dirty="0" smtClean="0"/>
-              <a:t> </a:t>
-            </a:r>
-            <a:r>
-              <a:rPr lang="fr-FR" sz="1100" dirty="0"/>
-              <a:t>($notifications </a:t>
-            </a:r>
-            <a:r>
-              <a:rPr lang="fr-FR" sz="1100" dirty="0">
-                <a:solidFill>
-                  <a:schemeClr val="accent5"/>
-                </a:solidFill>
-              </a:rPr>
-              <a:t>as</a:t>
-            </a:r>
-            <a:r>
-              <a:rPr lang="fr-FR" sz="1100" dirty="0"/>
-              <a:t> $key =&gt; $</a:t>
-            </a:r>
-            <a:r>
-              <a:rPr lang="fr-FR" sz="1100" dirty="0" err="1"/>
-              <a:t>notificationLoop</a:t>
-            </a:r>
-            <a:r>
-              <a:rPr lang="fr-FR" sz="1100" dirty="0"/>
-              <a:t>) {				</a:t>
-            </a:r>
-            <a:endParaRPr lang="fr-FR" sz="1100" dirty="0" smtClean="0"/>
-          </a:p>
-          <a:p>
-            <a:r>
-              <a:rPr lang="fr-FR" sz="1100" dirty="0"/>
+              <a:rPr lang="fr-FR" i="1" dirty="0" smtClean="0"/>
+              <a:t>	Rajoute </a:t>
+            </a:r>
+            <a:r>
+              <a:rPr lang="fr-FR" i="1" dirty="0"/>
+              <a:t>dans table notifications les informations de ladite demande d'ami	 	 </a:t>
+            </a:r>
+            <a:r>
+              <a:rPr lang="fr-FR" i="1" dirty="0" smtClean="0"/>
+              <a:t>Méthode </a:t>
+            </a:r>
+            <a:r>
+              <a:rPr lang="fr-FR" i="1" dirty="0" err="1"/>
+              <a:t>acceptFriendRequest</a:t>
+            </a:r>
+            <a:r>
+              <a:rPr lang="fr-FR" i="1" dirty="0"/>
+              <a:t>	        </a:t>
+            </a:r>
+            <a:endParaRPr lang="fr-FR" i="1" dirty="0" smtClean="0"/>
+          </a:p>
+          <a:p>
+            <a:r>
+              <a:rPr lang="fr-FR" i="1" dirty="0"/>
               <a:t>	</a:t>
             </a:r>
             <a:r>
-              <a:rPr lang="fr-FR" sz="1100" dirty="0" smtClean="0"/>
-              <a:t>$</a:t>
-            </a:r>
-            <a:r>
-              <a:rPr lang="fr-FR" sz="1100" dirty="0"/>
-              <a:t>notifications[$key</a:t>
-            </a:r>
-            <a:r>
-              <a:rPr lang="fr-FR" sz="1100" dirty="0" smtClean="0"/>
-              <a:t>][</a:t>
-            </a:r>
-            <a:r>
-              <a:rPr lang="fr-FR" sz="1100" dirty="0" smtClean="0">
-                <a:solidFill>
-                  <a:schemeClr val="accent4"/>
-                </a:solidFill>
-              </a:rPr>
-              <a:t>'</a:t>
-            </a:r>
-            <a:r>
-              <a:rPr lang="fr-FR" sz="1100" dirty="0" err="1" smtClean="0">
-                <a:solidFill>
-                  <a:schemeClr val="accent4"/>
-                </a:solidFill>
-              </a:rPr>
-              <a:t>sender</a:t>
-            </a:r>
-            <a:r>
-              <a:rPr lang="fr-FR" sz="1100" dirty="0" smtClean="0">
-                <a:solidFill>
-                  <a:schemeClr val="accent4"/>
-                </a:solidFill>
-              </a:rPr>
-              <a:t>'] </a:t>
-            </a:r>
-            <a:r>
-              <a:rPr lang="fr-FR" sz="1100" dirty="0" smtClean="0"/>
-              <a:t>= </a:t>
-            </a:r>
-            <a:r>
-              <a:rPr lang="fr-FR" sz="1100" dirty="0"/>
-              <a:t>(</a:t>
-            </a:r>
-            <a:r>
-              <a:rPr lang="fr-FR" sz="1100" dirty="0">
-                <a:solidFill>
-                  <a:schemeClr val="accent5"/>
-                </a:solidFill>
-              </a:rPr>
-              <a:t>new</a:t>
-            </a:r>
-            <a:r>
-              <a:rPr lang="fr-FR" sz="1100" dirty="0"/>
-              <a:t> Single($</a:t>
-            </a:r>
-            <a:r>
-              <a:rPr lang="fr-FR" sz="1100" dirty="0" err="1"/>
-              <a:t>notificationLoop</a:t>
-            </a:r>
-            <a:r>
-              <a:rPr lang="fr-FR" sz="1100" dirty="0"/>
-              <a:t>[</a:t>
-            </a:r>
-            <a:r>
-              <a:rPr lang="fr-FR" sz="1100" dirty="0">
-                <a:solidFill>
-                  <a:schemeClr val="accent4"/>
-                </a:solidFill>
-              </a:rPr>
-              <a:t>'</a:t>
-            </a:r>
-            <a:r>
-              <a:rPr lang="fr-FR" sz="1100" dirty="0" err="1">
-                <a:solidFill>
-                  <a:schemeClr val="accent4"/>
-                </a:solidFill>
-              </a:rPr>
-              <a:t>user_id</a:t>
-            </a:r>
-            <a:r>
-              <a:rPr lang="fr-FR" sz="1100" dirty="0">
-                <a:solidFill>
-                  <a:schemeClr val="accent4"/>
-                </a:solidFill>
-              </a:rPr>
-              <a:t>'</a:t>
-            </a:r>
-            <a:r>
-              <a:rPr lang="fr-FR" sz="1100" dirty="0"/>
-              <a:t>]))-&gt;</a:t>
-            </a:r>
-            <a:r>
-              <a:rPr lang="fr-FR" sz="1100" dirty="0" err="1"/>
-              <a:t>getMember</a:t>
-            </a:r>
-            <a:r>
-              <a:rPr lang="fr-FR" sz="1100" dirty="0"/>
-              <a:t>();				</a:t>
-            </a:r>
-            <a:endParaRPr lang="fr-FR" sz="1100" dirty="0" smtClean="0"/>
-          </a:p>
-          <a:p>
-            <a:r>
-              <a:rPr lang="fr-FR" sz="1100" dirty="0"/>
+              <a:rPr lang="fr-FR" i="1" dirty="0" smtClean="0"/>
+              <a:t>S’ils </a:t>
+            </a:r>
+            <a:r>
+              <a:rPr lang="fr-FR" i="1" dirty="0"/>
+              <a:t>peuvent être copains	            </a:t>
+            </a:r>
+            <a:endParaRPr lang="fr-FR" i="1" dirty="0" smtClean="0"/>
+          </a:p>
+          <a:p>
+            <a:r>
+              <a:rPr lang="fr-FR" i="1" dirty="0"/>
               <a:t>	</a:t>
             </a:r>
             <a:r>
-              <a:rPr lang="fr-FR" sz="1100" dirty="0" smtClean="0"/>
-              <a:t>$</a:t>
-            </a:r>
-            <a:r>
-              <a:rPr lang="fr-FR" sz="1100" dirty="0"/>
-              <a:t>notifications[$key][</a:t>
-            </a:r>
-            <a:r>
-              <a:rPr lang="fr-FR" sz="1100" dirty="0" smtClean="0">
-                <a:solidFill>
-                  <a:schemeClr val="accent4"/>
-                </a:solidFill>
-              </a:rPr>
-              <a:t>'</a:t>
-            </a:r>
-            <a:r>
-              <a:rPr lang="fr-FR" sz="1100" dirty="0" err="1" smtClean="0">
-                <a:solidFill>
-                  <a:schemeClr val="accent4"/>
-                </a:solidFill>
-              </a:rPr>
-              <a:t>receiver</a:t>
-            </a:r>
-            <a:r>
-              <a:rPr lang="fr-FR" sz="1100" dirty="0">
-                <a:solidFill>
-                  <a:schemeClr val="accent4"/>
-                </a:solidFill>
-              </a:rPr>
-              <a:t>'</a:t>
-            </a:r>
-            <a:r>
-              <a:rPr lang="fr-FR" sz="1100" dirty="0"/>
-              <a:t>] = $</a:t>
-            </a:r>
-            <a:r>
-              <a:rPr lang="fr-FR" sz="1100" dirty="0" err="1"/>
-              <a:t>this</a:t>
-            </a:r>
-            <a:r>
-              <a:rPr lang="fr-FR" sz="1100" dirty="0"/>
-              <a:t>-&gt;</a:t>
-            </a:r>
-            <a:r>
-              <a:rPr lang="fr-FR" sz="1100" dirty="0" err="1"/>
-              <a:t>member</a:t>
-            </a:r>
-            <a:r>
-              <a:rPr lang="fr-FR" sz="1100" dirty="0"/>
-              <a:t>;			</a:t>
-            </a:r>
-            <a:endParaRPr lang="fr-FR" sz="1100" dirty="0" smtClean="0"/>
-          </a:p>
-          <a:p>
-            <a:r>
-              <a:rPr lang="fr-FR" sz="1100" dirty="0" smtClean="0"/>
-              <a:t>	} </a:t>
-            </a:r>
-            <a:r>
-              <a:rPr lang="fr-FR" sz="1100" dirty="0" smtClean="0">
-                <a:solidFill>
-                  <a:schemeClr val="accent5"/>
-                </a:solidFill>
-              </a:rPr>
-              <a:t>return </a:t>
-            </a:r>
-            <a:r>
-              <a:rPr lang="fr-FR" sz="1100" dirty="0"/>
-              <a:t>$notifications;		</a:t>
-            </a:r>
-            <a:endParaRPr lang="fr-FR" sz="1100" dirty="0" smtClean="0"/>
-          </a:p>
-          <a:p>
-            <a:r>
-              <a:rPr lang="fr-FR" sz="1100" dirty="0" smtClean="0"/>
-              <a:t>}                            </a:t>
-            </a:r>
-            <a:r>
-              <a:rPr lang="fr-FR" sz="1100" dirty="0" smtClean="0">
-                <a:solidFill>
-                  <a:schemeClr val="accent5"/>
-                </a:solidFill>
-              </a:rPr>
-              <a:t>public </a:t>
-            </a:r>
-            <a:r>
-              <a:rPr lang="fr-FR" sz="1100" dirty="0" err="1">
-                <a:solidFill>
-                  <a:schemeClr val="accent5"/>
-                </a:solidFill>
-              </a:rPr>
-              <a:t>function</a:t>
-            </a:r>
-            <a:r>
-              <a:rPr lang="fr-FR" sz="1100" dirty="0">
-                <a:solidFill>
-                  <a:schemeClr val="accent5"/>
-                </a:solidFill>
-              </a:rPr>
-              <a:t> </a:t>
-            </a:r>
-            <a:r>
-              <a:rPr lang="fr-FR" sz="1100" dirty="0" err="1">
-                <a:solidFill>
-                  <a:srgbClr val="7030A0"/>
-                </a:solidFill>
-              </a:rPr>
-              <a:t>sendFriendRequest</a:t>
-            </a:r>
-            <a:r>
-              <a:rPr lang="fr-FR" sz="1100" dirty="0"/>
-              <a:t>($</a:t>
-            </a:r>
-            <a:r>
-              <a:rPr lang="fr-FR" sz="1100" dirty="0" err="1"/>
-              <a:t>requestedId</a:t>
-            </a:r>
-            <a:r>
-              <a:rPr lang="fr-FR" sz="1100" dirty="0"/>
-              <a:t>) {			</a:t>
-            </a:r>
-            <a:endParaRPr lang="fr-FR" sz="1100" dirty="0" smtClean="0"/>
-          </a:p>
-          <a:p>
-            <a:r>
-              <a:rPr lang="fr-FR" sz="1100" dirty="0"/>
+              <a:rPr lang="fr-FR" i="1" dirty="0" smtClean="0"/>
+              <a:t>	Enlève </a:t>
+            </a:r>
+            <a:r>
+              <a:rPr lang="fr-FR" i="1" dirty="0"/>
+              <a:t>la notification de demande	 	    </a:t>
+            </a:r>
+            <a:endParaRPr lang="fr-FR" i="1" dirty="0" smtClean="0"/>
+          </a:p>
+          <a:p>
+            <a:r>
+              <a:rPr lang="fr-FR" i="1" dirty="0"/>
               <a:t>	</a:t>
             </a:r>
             <a:r>
-              <a:rPr lang="fr-FR" sz="1100" dirty="0" smtClean="0"/>
-              <a:t>$</a:t>
-            </a:r>
-            <a:r>
-              <a:rPr lang="fr-FR" sz="1100" dirty="0" err="1"/>
-              <a:t>requestedMember</a:t>
-            </a:r>
-            <a:r>
-              <a:rPr lang="fr-FR" sz="1100" dirty="0"/>
-              <a:t> = (</a:t>
-            </a:r>
-            <a:r>
-              <a:rPr lang="fr-FR" sz="1100" dirty="0">
-                <a:solidFill>
-                  <a:schemeClr val="accent5"/>
-                </a:solidFill>
-              </a:rPr>
-              <a:t>new</a:t>
-            </a:r>
-            <a:r>
-              <a:rPr lang="fr-FR" sz="1100" dirty="0"/>
-              <a:t> Single($</a:t>
-            </a:r>
-            <a:r>
-              <a:rPr lang="fr-FR" sz="1100" dirty="0" err="1"/>
-              <a:t>requestedId</a:t>
-            </a:r>
-            <a:r>
-              <a:rPr lang="fr-FR" sz="1100" dirty="0"/>
-              <a:t>))-&gt;</a:t>
-            </a:r>
-            <a:r>
-              <a:rPr lang="fr-FR" sz="1100" dirty="0" err="1"/>
-              <a:t>getMember</a:t>
-            </a:r>
-            <a:r>
-              <a:rPr lang="fr-FR" sz="1100" dirty="0"/>
-              <a:t>();			</a:t>
-            </a:r>
-            <a:r>
-              <a:rPr lang="fr-FR" sz="1100" dirty="0" smtClean="0"/>
-              <a:t>i</a:t>
-            </a:r>
-          </a:p>
-          <a:p>
-            <a:r>
-              <a:rPr lang="fr-FR" sz="1100" dirty="0"/>
+              <a:rPr lang="fr-FR" i="1" dirty="0" smtClean="0"/>
+              <a:t> Méthode </a:t>
+            </a:r>
+            <a:r>
+              <a:rPr lang="fr-FR" i="1" dirty="0" err="1"/>
+              <a:t>cancelFriendRequest</a:t>
+            </a:r>
+            <a:r>
+              <a:rPr lang="fr-FR" i="1" dirty="0"/>
+              <a:t>	        </a:t>
+            </a:r>
+            <a:endParaRPr lang="fr-FR" i="1" dirty="0" smtClean="0"/>
+          </a:p>
+          <a:p>
+            <a:r>
+              <a:rPr lang="fr-FR" i="1" dirty="0"/>
               <a:t>	</a:t>
             </a:r>
             <a:r>
-              <a:rPr lang="fr-FR" sz="1100" dirty="0" smtClean="0">
-                <a:solidFill>
-                  <a:schemeClr val="accent5"/>
-                </a:solidFill>
-              </a:rPr>
-              <a:t>if </a:t>
-            </a:r>
-            <a:r>
-              <a:rPr lang="fr-FR" sz="1100" dirty="0"/>
-              <a:t>($</a:t>
-            </a:r>
-            <a:r>
-              <a:rPr lang="fr-FR" sz="1100" dirty="0" err="1"/>
-              <a:t>this</a:t>
-            </a:r>
-            <a:r>
-              <a:rPr lang="fr-FR" sz="1100" dirty="0"/>
-              <a:t>-&gt;</a:t>
-            </a:r>
-            <a:r>
-              <a:rPr lang="fr-FR" sz="1100" dirty="0" err="1"/>
-              <a:t>member</a:t>
-            </a:r>
-            <a:r>
-              <a:rPr lang="fr-FR" sz="1100" dirty="0"/>
-              <a:t>['</a:t>
-            </a:r>
-            <a:r>
-              <a:rPr lang="fr-FR" sz="1100" dirty="0" err="1">
-                <a:solidFill>
-                  <a:schemeClr val="accent4"/>
-                </a:solidFill>
-              </a:rPr>
-              <a:t>type_id</a:t>
-            </a:r>
-            <a:r>
-              <a:rPr lang="fr-FR" sz="1100" dirty="0"/>
-              <a:t>'] != </a:t>
-            </a:r>
-            <a:r>
-              <a:rPr lang="fr-FR" sz="1100" dirty="0">
-                <a:solidFill>
-                  <a:schemeClr val="accent6"/>
-                </a:solidFill>
-              </a:rPr>
-              <a:t>3</a:t>
-            </a:r>
-            <a:r>
-              <a:rPr lang="fr-FR" sz="1100" dirty="0"/>
-              <a:t> AND $</a:t>
-            </a:r>
-            <a:r>
-              <a:rPr lang="fr-FR" sz="1100" dirty="0" err="1"/>
-              <a:t>requestedMember</a:t>
-            </a:r>
-            <a:r>
-              <a:rPr lang="fr-FR" sz="1100" dirty="0"/>
-              <a:t>[</a:t>
-            </a:r>
-            <a:r>
-              <a:rPr lang="fr-FR" sz="1100" dirty="0">
-                <a:solidFill>
-                  <a:schemeClr val="accent4"/>
-                </a:solidFill>
-              </a:rPr>
-              <a:t>'</a:t>
-            </a:r>
-            <a:r>
-              <a:rPr lang="fr-FR" sz="1100" dirty="0" err="1">
-                <a:solidFill>
-                  <a:schemeClr val="accent4"/>
-                </a:solidFill>
-              </a:rPr>
-              <a:t>type_id</a:t>
-            </a:r>
-            <a:r>
-              <a:rPr lang="fr-FR" sz="1100" dirty="0">
-                <a:solidFill>
-                  <a:schemeClr val="accent4"/>
-                </a:solidFill>
-              </a:rPr>
-              <a:t>'</a:t>
-            </a:r>
-            <a:r>
-              <a:rPr lang="fr-FR" sz="1100" dirty="0"/>
-              <a:t>] </a:t>
-            </a:r>
-            <a:r>
-              <a:rPr lang="fr-FR" sz="1100" dirty="0" smtClean="0"/>
-              <a:t>!= </a:t>
-            </a:r>
-            <a:r>
-              <a:rPr lang="fr-FR" sz="1100" dirty="0">
-                <a:solidFill>
-                  <a:schemeClr val="accent6"/>
-                </a:solidFill>
-              </a:rPr>
-              <a:t>3</a:t>
-            </a:r>
-            <a:r>
-              <a:rPr lang="fr-FR" sz="1100" dirty="0" smtClean="0"/>
-              <a:t>AND </a:t>
-            </a:r>
-            <a:r>
-              <a:rPr lang="fr-FR" sz="1100" dirty="0"/>
-              <a:t>!$</a:t>
-            </a:r>
-            <a:r>
-              <a:rPr lang="fr-FR" sz="1100" dirty="0" err="1"/>
-              <a:t>this</a:t>
-            </a:r>
-            <a:r>
-              <a:rPr lang="fr-FR" sz="1100" dirty="0"/>
-              <a:t>-&gt;</a:t>
-            </a:r>
-            <a:r>
-              <a:rPr lang="fr-FR" sz="1100" dirty="0" err="1"/>
-              <a:t>befriend</a:t>
-            </a:r>
-            <a:r>
-              <a:rPr lang="fr-FR" sz="1100" dirty="0"/>
-              <a:t>($</a:t>
-            </a:r>
-            <a:r>
-              <a:rPr lang="fr-FR" sz="1100" dirty="0" err="1"/>
-              <a:t>requestedId</a:t>
-            </a:r>
-            <a:r>
-              <a:rPr lang="fr-FR" sz="1100" dirty="0"/>
-              <a:t>) AND !$</a:t>
-            </a:r>
-            <a:r>
-              <a:rPr lang="fr-FR" sz="1100" dirty="0" err="1"/>
-              <a:t>this</a:t>
-            </a:r>
-            <a:r>
-              <a:rPr lang="fr-FR" sz="1100" dirty="0"/>
-              <a:t>-&gt;</a:t>
-            </a:r>
-            <a:r>
-              <a:rPr lang="fr-FR" sz="1100" dirty="0" err="1"/>
-              <a:t>requestPending</a:t>
-            </a:r>
-            <a:r>
-              <a:rPr lang="fr-FR" sz="1100" dirty="0"/>
-              <a:t>($</a:t>
-            </a:r>
-            <a:r>
-              <a:rPr lang="fr-FR" sz="1100" dirty="0" err="1"/>
-              <a:t>requestedId</a:t>
-            </a:r>
-            <a:r>
-              <a:rPr lang="fr-FR" sz="1100" dirty="0"/>
-              <a:t>, </a:t>
-            </a:r>
-            <a:r>
-              <a:rPr lang="fr-FR" sz="1100" dirty="0" err="1">
-                <a:solidFill>
-                  <a:schemeClr val="accent4"/>
-                </a:solidFill>
-              </a:rPr>
-              <a:t>true</a:t>
-            </a:r>
-            <a:r>
-              <a:rPr lang="fr-FR" sz="1100" dirty="0"/>
-              <a:t>)) {			</a:t>
-            </a:r>
-            <a:r>
-              <a:rPr lang="fr-FR" sz="1100" dirty="0" smtClean="0"/>
-              <a:t>$</a:t>
-            </a:r>
-            <a:r>
-              <a:rPr lang="fr-FR" sz="1100" dirty="0" err="1"/>
-              <a:t>request</a:t>
-            </a:r>
-            <a:r>
-              <a:rPr lang="fr-FR" sz="1100" dirty="0"/>
-              <a:t> = \Basics\Site::</a:t>
-            </a:r>
-            <a:r>
-              <a:rPr lang="fr-FR" sz="1100" dirty="0" err="1"/>
-              <a:t>getDB</a:t>
-            </a:r>
-            <a:r>
-              <a:rPr lang="fr-FR" sz="1100" dirty="0"/>
-              <a:t>()-&gt;</a:t>
-            </a:r>
-            <a:r>
-              <a:rPr lang="fr-FR" sz="1100" dirty="0" err="1"/>
-              <a:t>prepare</a:t>
-            </a:r>
-            <a:r>
-              <a:rPr lang="fr-FR" sz="1100" dirty="0"/>
-              <a:t>(</a:t>
-            </a:r>
-            <a:r>
-              <a:rPr lang="fr-FR" sz="1100" dirty="0">
-                <a:solidFill>
-                  <a:schemeClr val="accent4"/>
-                </a:solidFill>
-              </a:rPr>
-              <a:t>'INSERT INTO </a:t>
-            </a:r>
-            <a:r>
-              <a:rPr lang="fr-FR" sz="1100" dirty="0" err="1">
-                <a:solidFill>
-                  <a:schemeClr val="accent4"/>
-                </a:solidFill>
-              </a:rPr>
-              <a:t>friend_requests</a:t>
-            </a:r>
-            <a:r>
-              <a:rPr lang="fr-FR" sz="1100" dirty="0">
-                <a:solidFill>
-                  <a:schemeClr val="accent4"/>
-                </a:solidFill>
-              </a:rPr>
-              <a:t> (</a:t>
-            </a:r>
-            <a:r>
-              <a:rPr lang="fr-FR" sz="1100" dirty="0" err="1">
-                <a:solidFill>
-                  <a:schemeClr val="accent4"/>
-                </a:solidFill>
-              </a:rPr>
-              <a:t>from_u</a:t>
-            </a:r>
-            <a:r>
-              <a:rPr lang="fr-FR" sz="1100" dirty="0">
-                <a:solidFill>
-                  <a:schemeClr val="accent4"/>
-                </a:solidFill>
-              </a:rPr>
-              <a:t>, </a:t>
-            </a:r>
-            <a:r>
-              <a:rPr lang="fr-FR" sz="1100" dirty="0" err="1">
-                <a:solidFill>
-                  <a:schemeClr val="accent4"/>
-                </a:solidFill>
-              </a:rPr>
-              <a:t>to_u</a:t>
-            </a:r>
-            <a:r>
-              <a:rPr lang="fr-FR" sz="1100" dirty="0">
-                <a:solidFill>
-                  <a:schemeClr val="accent4"/>
-                </a:solidFill>
-              </a:rPr>
-              <a:t>) VALUES (?, ?)</a:t>
-            </a:r>
-            <a:r>
-              <a:rPr lang="fr-FR" sz="1100" dirty="0"/>
-              <a:t>');				</a:t>
-            </a:r>
-            <a:endParaRPr lang="fr-FR" sz="1100" dirty="0" smtClean="0"/>
-          </a:p>
-          <a:p>
-            <a:r>
-              <a:rPr lang="fr-FR" sz="1100" dirty="0"/>
-              <a:t>	</a:t>
-            </a:r>
-            <a:r>
-              <a:rPr lang="fr-FR" sz="1100" dirty="0" smtClean="0"/>
-              <a:t>$</a:t>
-            </a:r>
-            <a:r>
-              <a:rPr lang="fr-FR" sz="1100" dirty="0" err="1"/>
-              <a:t>request</a:t>
-            </a:r>
-            <a:r>
-              <a:rPr lang="fr-FR" sz="1100" dirty="0"/>
-              <a:t>-&gt;</a:t>
-            </a:r>
-            <a:r>
-              <a:rPr lang="fr-FR" sz="1100" dirty="0" err="1"/>
-              <a:t>execute</a:t>
-            </a:r>
-            <a:r>
-              <a:rPr lang="fr-FR" sz="1100" dirty="0"/>
-              <a:t>([$</a:t>
-            </a:r>
-            <a:r>
-              <a:rPr lang="fr-FR" sz="1100" dirty="0" err="1"/>
-              <a:t>this</a:t>
-            </a:r>
-            <a:r>
-              <a:rPr lang="fr-FR" sz="1100" dirty="0"/>
-              <a:t>-&gt;</a:t>
-            </a:r>
-            <a:r>
-              <a:rPr lang="fr-FR" sz="1100" dirty="0" err="1"/>
-              <a:t>member</a:t>
-            </a:r>
-            <a:r>
-              <a:rPr lang="fr-FR" sz="1100" dirty="0"/>
-              <a:t>['id'], $</a:t>
-            </a:r>
-            <a:r>
-              <a:rPr lang="fr-FR" sz="1100" dirty="0" err="1"/>
-              <a:t>requestedId</a:t>
-            </a:r>
-            <a:r>
-              <a:rPr lang="fr-FR" sz="1100" dirty="0"/>
-              <a:t>]);				</a:t>
-            </a:r>
-            <a:endParaRPr lang="fr-FR" sz="1100" dirty="0" smtClean="0"/>
-          </a:p>
-          <a:p>
-            <a:r>
-              <a:rPr lang="fr-FR" sz="1100" dirty="0"/>
-              <a:t>	</a:t>
-            </a:r>
-            <a:r>
-              <a:rPr lang="fr-FR" sz="1100" dirty="0" smtClean="0"/>
-              <a:t>$</a:t>
-            </a:r>
-            <a:r>
-              <a:rPr lang="fr-FR" sz="1100" dirty="0" err="1"/>
-              <a:t>request</a:t>
-            </a:r>
-            <a:r>
-              <a:rPr lang="fr-FR" sz="1100" dirty="0"/>
-              <a:t> = \Basics\Site::</a:t>
-            </a:r>
-            <a:r>
-              <a:rPr lang="fr-FR" sz="1100" dirty="0" err="1"/>
-              <a:t>getDB</a:t>
-            </a:r>
-            <a:r>
-              <a:rPr lang="fr-FR" sz="1100" dirty="0"/>
-              <a:t>()-&gt;</a:t>
-            </a:r>
-            <a:r>
-              <a:rPr lang="fr-FR" sz="1100" dirty="0" err="1"/>
-              <a:t>prepare</a:t>
-            </a:r>
-            <a:r>
-              <a:rPr lang="fr-FR" sz="1100" dirty="0"/>
-              <a:t>(</a:t>
-            </a:r>
-            <a:r>
-              <a:rPr lang="fr-FR" sz="1100" dirty="0">
-                <a:solidFill>
-                  <a:schemeClr val="accent4"/>
-                </a:solidFill>
-              </a:rPr>
-              <a:t>'INSERT INTO notifications (</a:t>
-            </a:r>
-            <a:r>
-              <a:rPr lang="fr-FR" sz="1100" dirty="0" err="1">
-                <a:solidFill>
-                  <a:schemeClr val="accent4"/>
-                </a:solidFill>
-              </a:rPr>
-              <a:t>subject_id</a:t>
-            </a:r>
-            <a:r>
-              <a:rPr lang="fr-FR" sz="1100" dirty="0">
-                <a:solidFill>
-                  <a:schemeClr val="accent4"/>
-                </a:solidFill>
-              </a:rPr>
-              <a:t>, </a:t>
-            </a:r>
-            <a:r>
-              <a:rPr lang="fr-FR" sz="1100" dirty="0" err="1">
-                <a:solidFill>
-                  <a:schemeClr val="accent4"/>
-                </a:solidFill>
-              </a:rPr>
-              <a:t>name</a:t>
-            </a:r>
-            <a:r>
-              <a:rPr lang="fr-FR" sz="1100" dirty="0">
-                <a:solidFill>
-                  <a:schemeClr val="accent4"/>
-                </a:solidFill>
-              </a:rPr>
-              <a:t>, </a:t>
-            </a:r>
-            <a:r>
-              <a:rPr lang="fr-FR" sz="1100" dirty="0" err="1">
-                <a:solidFill>
-                  <a:schemeClr val="accent4"/>
-                </a:solidFill>
-              </a:rPr>
-              <a:t>user_id</a:t>
-            </a:r>
-            <a:r>
-              <a:rPr lang="fr-FR" sz="1100" dirty="0">
-                <a:solidFill>
-                  <a:schemeClr val="accent4"/>
-                </a:solidFill>
-              </a:rPr>
-              <a:t>) VALUES (:</a:t>
-            </a:r>
-            <a:r>
-              <a:rPr lang="fr-FR" sz="1100" dirty="0" err="1">
-                <a:solidFill>
-                  <a:schemeClr val="accent4"/>
-                </a:solidFill>
-              </a:rPr>
-              <a:t>subject_id</a:t>
-            </a:r>
-            <a:r>
-              <a:rPr lang="fr-FR" sz="1100" dirty="0">
-                <a:solidFill>
-                  <a:schemeClr val="accent4"/>
-                </a:solidFill>
-              </a:rPr>
-              <a:t>, :</a:t>
-            </a:r>
-            <a:r>
-              <a:rPr lang="fr-FR" sz="1100" dirty="0" err="1">
-                <a:solidFill>
-                  <a:schemeClr val="accent4"/>
-                </a:solidFill>
-              </a:rPr>
-              <a:t>name</a:t>
-            </a:r>
-            <a:r>
-              <a:rPr lang="fr-FR" sz="1100" dirty="0">
-                <a:solidFill>
-                  <a:schemeClr val="accent4"/>
-                </a:solidFill>
-              </a:rPr>
-              <a:t> , :</a:t>
-            </a:r>
-            <a:r>
-              <a:rPr lang="fr-FR" sz="1100" dirty="0" err="1">
-                <a:solidFill>
-                  <a:schemeClr val="accent4"/>
-                </a:solidFill>
-              </a:rPr>
-              <a:t>user_id</a:t>
-            </a:r>
-            <a:r>
-              <a:rPr lang="fr-FR" sz="1100" dirty="0"/>
-              <a:t>)');				$</a:t>
-            </a:r>
-            <a:r>
-              <a:rPr lang="fr-FR" sz="1100" dirty="0" err="1"/>
-              <a:t>request</a:t>
-            </a:r>
-            <a:r>
-              <a:rPr lang="fr-FR" sz="1100" dirty="0"/>
-              <a:t>-&gt;</a:t>
-            </a:r>
-            <a:r>
-              <a:rPr lang="fr-FR" sz="1100" dirty="0" err="1"/>
-              <a:t>execute</a:t>
-            </a:r>
-            <a:r>
-              <a:rPr lang="fr-FR" sz="1100" dirty="0"/>
-              <a:t>(['</a:t>
-            </a:r>
-            <a:r>
-              <a:rPr lang="fr-FR" sz="1100" dirty="0" err="1"/>
-              <a:t>subject_id</a:t>
-            </a:r>
-            <a:r>
-              <a:rPr lang="fr-FR" sz="1100" dirty="0"/>
-              <a:t>'=&gt; $</a:t>
-            </a:r>
-            <a:r>
-              <a:rPr lang="fr-FR" sz="1100" dirty="0" err="1"/>
-              <a:t>requestedId</a:t>
-            </a:r>
-            <a:r>
-              <a:rPr lang="fr-FR" sz="1100" dirty="0"/>
-              <a:t>,					</a:t>
-            </a:r>
-            <a:r>
-              <a:rPr lang="fr-FR" sz="1100" dirty="0" smtClean="0"/>
-              <a:t>’</a:t>
-            </a:r>
-          </a:p>
-          <a:p>
-            <a:r>
-              <a:rPr lang="fr-FR" sz="1100" dirty="0"/>
-              <a:t>	</a:t>
-            </a:r>
-            <a:r>
-              <a:rPr lang="fr-FR" sz="1100" dirty="0" err="1" smtClean="0">
-                <a:solidFill>
-                  <a:schemeClr val="accent4"/>
-                </a:solidFill>
-              </a:rPr>
-              <a:t>name</a:t>
-            </a:r>
-            <a:r>
-              <a:rPr lang="fr-FR" sz="1100" dirty="0"/>
-              <a:t>' =&gt; '</a:t>
-            </a:r>
-            <a:r>
-              <a:rPr lang="fr-FR" sz="1100" dirty="0" err="1">
-                <a:solidFill>
-                  <a:schemeClr val="accent4"/>
-                </a:solidFill>
-              </a:rPr>
-              <a:t>friend_request_sent</a:t>
-            </a:r>
-            <a:r>
-              <a:rPr lang="fr-FR" sz="1100" dirty="0"/>
-              <a:t>',					</a:t>
-            </a:r>
-            <a:endParaRPr lang="fr-FR" sz="1100" dirty="0" smtClean="0"/>
-          </a:p>
-          <a:p>
-            <a:r>
-              <a:rPr lang="fr-FR" sz="1100" dirty="0"/>
-              <a:t>	</a:t>
-            </a:r>
-            <a:r>
-              <a:rPr lang="fr-FR" sz="1100" dirty="0" smtClean="0">
-                <a:solidFill>
-                  <a:schemeClr val="accent4"/>
-                </a:solidFill>
-              </a:rPr>
-              <a:t>'</a:t>
-            </a:r>
-            <a:r>
-              <a:rPr lang="fr-FR" sz="1100" dirty="0" err="1" smtClean="0">
-                <a:solidFill>
-                  <a:schemeClr val="accent4"/>
-                </a:solidFill>
-              </a:rPr>
-              <a:t>user_id</a:t>
-            </a:r>
-            <a:r>
-              <a:rPr lang="fr-FR" sz="1100" dirty="0"/>
-              <a:t>' =&gt; $</a:t>
-            </a:r>
-            <a:r>
-              <a:rPr lang="fr-FR" sz="1100" dirty="0" err="1"/>
-              <a:t>this</a:t>
-            </a:r>
-            <a:r>
-              <a:rPr lang="fr-FR" sz="1100" dirty="0"/>
-              <a:t>-&gt;</a:t>
-            </a:r>
-            <a:r>
-              <a:rPr lang="fr-FR" sz="1100" dirty="0" err="1"/>
-              <a:t>member</a:t>
-            </a:r>
-            <a:r>
-              <a:rPr lang="fr-FR" sz="1100" dirty="0"/>
-              <a:t>[</a:t>
-            </a:r>
-            <a:r>
-              <a:rPr lang="fr-FR" sz="1100" dirty="0">
-                <a:solidFill>
-                  <a:schemeClr val="accent4"/>
-                </a:solidFill>
-              </a:rPr>
-              <a:t>'id']</a:t>
-            </a:r>
-            <a:r>
-              <a:rPr lang="fr-FR" sz="1100" dirty="0"/>
-              <a:t>				</a:t>
-            </a:r>
-            <a:endParaRPr lang="fr-FR" sz="1100" dirty="0" smtClean="0"/>
-          </a:p>
-          <a:p>
-            <a:r>
-              <a:rPr lang="fr-FR" sz="1100" dirty="0"/>
-              <a:t>	</a:t>
-            </a:r>
-            <a:r>
-              <a:rPr lang="fr-FR" sz="1100" dirty="0" smtClean="0"/>
-              <a:t>]);</a:t>
-            </a:r>
-            <a:r>
-              <a:rPr lang="fr-FR" sz="1100" dirty="0" smtClean="0">
-                <a:solidFill>
-                  <a:schemeClr val="accent5"/>
-                </a:solidFill>
-              </a:rPr>
-              <a:t> return </a:t>
-            </a:r>
-            <a:r>
-              <a:rPr lang="fr-FR" sz="1100" dirty="0" err="1">
-                <a:solidFill>
-                  <a:schemeClr val="accent4"/>
-                </a:solidFill>
-              </a:rPr>
-              <a:t>true</a:t>
-            </a:r>
-            <a:r>
-              <a:rPr lang="fr-FR" sz="1100" dirty="0">
-                <a:solidFill>
-                  <a:schemeClr val="accent4"/>
-                </a:solidFill>
-              </a:rPr>
-              <a:t>;</a:t>
-            </a:r>
-            <a:r>
-              <a:rPr lang="fr-FR" sz="1100" dirty="0"/>
-              <a:t>	</a:t>
-            </a:r>
-            <a:r>
-              <a:rPr lang="fr-FR" sz="1100" dirty="0" smtClean="0"/>
-              <a:t>} </a:t>
-            </a:r>
-            <a:r>
-              <a:rPr lang="fr-FR" sz="1100" dirty="0" err="1" smtClean="0">
-                <a:solidFill>
-                  <a:schemeClr val="accent5"/>
-                </a:solidFill>
-              </a:rPr>
-              <a:t>else</a:t>
-            </a:r>
-            <a:r>
-              <a:rPr lang="fr-FR" sz="1100" dirty="0" smtClean="0"/>
-              <a:t> </a:t>
-            </a:r>
-            <a:r>
-              <a:rPr lang="fr-FR" sz="1100" dirty="0" smtClean="0">
-                <a:solidFill>
-                  <a:schemeClr val="accent5"/>
-                </a:solidFill>
-              </a:rPr>
-              <a:t>return </a:t>
-            </a:r>
-            <a:r>
-              <a:rPr lang="fr-FR" sz="1100" dirty="0">
-                <a:solidFill>
-                  <a:schemeClr val="accent4"/>
-                </a:solidFill>
-              </a:rPr>
-              <a:t>false</a:t>
-            </a:r>
-            <a:r>
-              <a:rPr lang="fr-FR" sz="1100" dirty="0" smtClean="0"/>
-              <a:t>; }</a:t>
-            </a:r>
-            <a:r>
-              <a:rPr lang="fr-FR" sz="1100" dirty="0"/>
-              <a:t>		</a:t>
-            </a:r>
-            <a:endParaRPr lang="fr-FR" sz="1100" dirty="0" smtClean="0"/>
-          </a:p>
-          <a:p>
-            <a:r>
-              <a:rPr lang="fr-FR" sz="1100" dirty="0"/>
-              <a:t>	</a:t>
-            </a:r>
-            <a:r>
-              <a:rPr lang="fr-FR" sz="1100" dirty="0" smtClean="0">
-                <a:solidFill>
-                  <a:schemeClr val="accent5"/>
-                </a:solidFill>
-              </a:rPr>
-              <a:t>public </a:t>
-            </a:r>
-            <a:r>
-              <a:rPr lang="fr-FR" sz="1100" dirty="0" err="1">
-                <a:solidFill>
-                  <a:schemeClr val="accent5"/>
-                </a:solidFill>
-              </a:rPr>
-              <a:t>function</a:t>
-            </a:r>
-            <a:r>
-              <a:rPr lang="fr-FR" sz="1100" dirty="0">
-                <a:solidFill>
-                  <a:schemeClr val="accent5"/>
-                </a:solidFill>
-              </a:rPr>
-              <a:t> </a:t>
-            </a:r>
-            <a:r>
-              <a:rPr lang="fr-FR" sz="1100" dirty="0" err="1">
-                <a:solidFill>
-                  <a:srgbClr val="7030A0"/>
-                </a:solidFill>
-              </a:rPr>
-              <a:t>acceptFriendRequest</a:t>
-            </a:r>
-            <a:r>
-              <a:rPr lang="fr-FR" sz="1100" dirty="0"/>
-              <a:t>($</a:t>
-            </a:r>
-            <a:r>
-              <a:rPr lang="fr-FR" sz="1100" dirty="0" err="1"/>
-              <a:t>senderId</a:t>
-            </a:r>
-            <a:r>
-              <a:rPr lang="fr-FR" sz="1100" dirty="0"/>
-              <a:t>) {			</a:t>
-            </a:r>
-            <a:endParaRPr lang="fr-FR" sz="1100" dirty="0" smtClean="0"/>
-          </a:p>
-          <a:p>
-            <a:r>
-              <a:rPr lang="fr-FR" sz="1100" dirty="0"/>
-              <a:t>	</a:t>
-            </a:r>
-            <a:r>
-              <a:rPr lang="fr-FR" sz="1100" dirty="0" smtClean="0"/>
-              <a:t>$</a:t>
-            </a:r>
-            <a:r>
-              <a:rPr lang="fr-FR" sz="1100" dirty="0" err="1"/>
-              <a:t>requestedMemberObj</a:t>
-            </a:r>
-            <a:r>
-              <a:rPr lang="fr-FR" sz="1100" dirty="0"/>
-              <a:t> = new Single($</a:t>
-            </a:r>
-            <a:r>
-              <a:rPr lang="fr-FR" sz="1100" dirty="0" err="1"/>
-              <a:t>senderId</a:t>
-            </a:r>
-            <a:r>
-              <a:rPr lang="fr-FR" sz="1100" dirty="0"/>
-              <a:t>);			</a:t>
-            </a:r>
-            <a:endParaRPr lang="fr-FR" sz="1100" dirty="0" smtClean="0"/>
-          </a:p>
-          <a:p>
-            <a:r>
-              <a:rPr lang="fr-FR" sz="1100" dirty="0"/>
-              <a:t>	</a:t>
-            </a:r>
-            <a:r>
-              <a:rPr lang="fr-FR" sz="1100" dirty="0" smtClean="0"/>
-              <a:t>$</a:t>
-            </a:r>
-            <a:r>
-              <a:rPr lang="fr-FR" sz="1100" dirty="0" err="1"/>
-              <a:t>requestedMember</a:t>
-            </a:r>
-            <a:r>
-              <a:rPr lang="fr-FR" sz="1100" dirty="0"/>
-              <a:t> = $</a:t>
-            </a:r>
-            <a:r>
-              <a:rPr lang="fr-FR" sz="1100" dirty="0" err="1"/>
-              <a:t>requestedMemberObj</a:t>
-            </a:r>
-            <a:r>
-              <a:rPr lang="fr-FR" sz="1100" dirty="0"/>
-              <a:t>-&gt;</a:t>
-            </a:r>
-            <a:r>
-              <a:rPr lang="fr-FR" sz="1100" dirty="0" err="1"/>
-              <a:t>getMember</a:t>
-            </a:r>
-            <a:r>
-              <a:rPr lang="fr-FR" sz="1100" dirty="0"/>
-              <a:t>();			</a:t>
-            </a:r>
-            <a:endParaRPr lang="fr-FR" sz="1100" dirty="0" smtClean="0"/>
-          </a:p>
-          <a:p>
-            <a:r>
-              <a:rPr lang="fr-FR" sz="1100" dirty="0"/>
-              <a:t>	</a:t>
-            </a:r>
-            <a:r>
-              <a:rPr lang="fr-FR" sz="1100" dirty="0" smtClean="0"/>
-              <a:t>if </a:t>
-            </a:r>
-            <a:r>
-              <a:rPr lang="fr-FR" sz="1100" dirty="0"/>
-              <a:t>($</a:t>
-            </a:r>
-            <a:r>
-              <a:rPr lang="fr-FR" sz="1100" dirty="0" err="1"/>
-              <a:t>this</a:t>
-            </a:r>
-            <a:r>
-              <a:rPr lang="fr-FR" sz="1100" dirty="0"/>
-              <a:t>-&gt;</a:t>
-            </a:r>
-            <a:r>
-              <a:rPr lang="fr-FR" sz="1100" dirty="0" err="1"/>
-              <a:t>member</a:t>
-            </a:r>
-            <a:r>
-              <a:rPr lang="fr-FR" sz="1100" dirty="0"/>
-              <a:t>['</a:t>
-            </a:r>
-            <a:r>
-              <a:rPr lang="fr-FR" sz="1100" dirty="0" err="1">
-                <a:solidFill>
-                  <a:schemeClr val="accent4"/>
-                </a:solidFill>
-              </a:rPr>
-              <a:t>type_id</a:t>
-            </a:r>
-            <a:r>
-              <a:rPr lang="fr-FR" sz="1100" dirty="0"/>
-              <a:t>'] != </a:t>
-            </a:r>
-            <a:r>
-              <a:rPr lang="fr-FR" sz="1100" dirty="0">
-                <a:solidFill>
-                  <a:schemeClr val="accent6"/>
-                </a:solidFill>
-              </a:rPr>
-              <a:t>3</a:t>
-            </a:r>
-            <a:r>
-              <a:rPr lang="fr-FR" sz="1100" dirty="0"/>
-              <a:t> AND $</a:t>
-            </a:r>
-            <a:r>
-              <a:rPr lang="fr-FR" sz="1100" dirty="0" err="1"/>
-              <a:t>requestedMember</a:t>
-            </a:r>
-            <a:r>
-              <a:rPr lang="fr-FR" sz="1100" dirty="0"/>
-              <a:t>[</a:t>
-            </a:r>
-            <a:r>
-              <a:rPr lang="fr-FR" sz="1100" dirty="0">
-                <a:solidFill>
-                  <a:schemeClr val="accent4"/>
-                </a:solidFill>
-              </a:rPr>
-              <a:t>'</a:t>
-            </a:r>
-            <a:r>
-              <a:rPr lang="fr-FR" sz="1100" dirty="0" err="1">
-                <a:solidFill>
-                  <a:schemeClr val="accent4"/>
-                </a:solidFill>
-              </a:rPr>
-              <a:t>type_id</a:t>
-            </a:r>
-            <a:r>
-              <a:rPr lang="fr-FR" sz="1100" dirty="0">
-                <a:solidFill>
-                  <a:schemeClr val="accent4"/>
-                </a:solidFill>
-              </a:rPr>
-              <a:t>'</a:t>
-            </a:r>
-            <a:r>
-              <a:rPr lang="fr-FR" sz="1100" dirty="0"/>
-              <a:t>] != </a:t>
-            </a:r>
-            <a:r>
-              <a:rPr lang="fr-FR" sz="1100" dirty="0">
-                <a:solidFill>
-                  <a:schemeClr val="accent6"/>
-                </a:solidFill>
-              </a:rPr>
-              <a:t>3</a:t>
-            </a:r>
-            <a:r>
-              <a:rPr lang="fr-FR" sz="1100" dirty="0"/>
-              <a:t> AND !$</a:t>
-            </a:r>
-            <a:r>
-              <a:rPr lang="fr-FR" sz="1100" dirty="0" err="1"/>
-              <a:t>this</a:t>
-            </a:r>
-            <a:r>
-              <a:rPr lang="fr-FR" sz="1100" dirty="0"/>
-              <a:t>-&gt;</a:t>
-            </a:r>
-            <a:r>
-              <a:rPr lang="fr-FR" sz="1100" dirty="0" err="1"/>
-              <a:t>befriend</a:t>
-            </a:r>
-            <a:r>
-              <a:rPr lang="fr-FR" sz="1100" dirty="0"/>
-              <a:t>($</a:t>
-            </a:r>
-            <a:r>
-              <a:rPr lang="fr-FR" sz="1100" dirty="0" err="1"/>
-              <a:t>senderId</a:t>
-            </a:r>
-            <a:r>
-              <a:rPr lang="fr-FR" sz="1100" dirty="0"/>
-              <a:t>) AND $</a:t>
-            </a:r>
-            <a:r>
-              <a:rPr lang="fr-FR" sz="1100" dirty="0" err="1"/>
-              <a:t>requestedMemberObj</a:t>
-            </a:r>
-            <a:r>
-              <a:rPr lang="fr-FR" sz="1100" dirty="0"/>
-              <a:t>-&gt;</a:t>
-            </a:r>
-            <a:r>
-              <a:rPr lang="fr-FR" sz="1100" dirty="0" err="1"/>
-              <a:t>requestPending</a:t>
-            </a:r>
-            <a:r>
-              <a:rPr lang="fr-FR" sz="1100" dirty="0"/>
-              <a:t>($</a:t>
-            </a:r>
-            <a:r>
-              <a:rPr lang="fr-FR" sz="1100" dirty="0" err="1"/>
-              <a:t>this</a:t>
-            </a:r>
-            <a:r>
-              <a:rPr lang="fr-FR" sz="1100" dirty="0"/>
-              <a:t>-&gt;</a:t>
-            </a:r>
-            <a:r>
-              <a:rPr lang="fr-FR" sz="1100" dirty="0" err="1"/>
-              <a:t>member</a:t>
-            </a:r>
-            <a:r>
-              <a:rPr lang="fr-FR" sz="1100" dirty="0"/>
-              <a:t>[</a:t>
-            </a:r>
-            <a:r>
-              <a:rPr lang="fr-FR" sz="1100" dirty="0">
-                <a:solidFill>
-                  <a:schemeClr val="accent4"/>
-                </a:solidFill>
-              </a:rPr>
-              <a:t>'id</a:t>
-            </a:r>
-            <a:r>
-              <a:rPr lang="fr-FR" sz="1100" dirty="0"/>
-              <a:t>'])) 		</a:t>
-            </a:r>
-            <a:r>
-              <a:rPr lang="fr-FR" sz="1100" dirty="0" smtClean="0"/>
-              <a:t>$</a:t>
-            </a:r>
-            <a:r>
-              <a:rPr lang="fr-FR" sz="1100" dirty="0" err="1"/>
-              <a:t>request</a:t>
-            </a:r>
-            <a:r>
-              <a:rPr lang="fr-FR" sz="1100" dirty="0"/>
-              <a:t> = \Basics\Site::</a:t>
-            </a:r>
-            <a:r>
-              <a:rPr lang="fr-FR" sz="1100" dirty="0" err="1"/>
-              <a:t>getDB</a:t>
-            </a:r>
-            <a:r>
-              <a:rPr lang="fr-FR" sz="1100" dirty="0"/>
-              <a:t>()-&gt;</a:t>
-            </a:r>
-            <a:r>
-              <a:rPr lang="fr-FR" sz="1100" dirty="0" err="1"/>
-              <a:t>prepare</a:t>
-            </a:r>
-            <a:r>
-              <a:rPr lang="fr-FR" sz="1100" dirty="0"/>
-              <a:t>(</a:t>
-            </a:r>
-            <a:r>
-              <a:rPr lang="fr-FR" sz="1100" dirty="0">
-                <a:solidFill>
-                  <a:schemeClr val="accent4"/>
-                </a:solidFill>
-              </a:rPr>
-              <a:t>'DELETE FROM notifications WHERE </a:t>
-            </a:r>
-            <a:r>
-              <a:rPr lang="fr-FR" sz="1100" dirty="0" err="1">
-                <a:solidFill>
-                  <a:schemeClr val="accent4"/>
-                </a:solidFill>
-              </a:rPr>
-              <a:t>user_id</a:t>
-            </a:r>
-            <a:r>
-              <a:rPr lang="fr-FR" sz="1100" dirty="0">
-                <a:solidFill>
-                  <a:schemeClr val="accent4"/>
-                </a:solidFill>
-              </a:rPr>
-              <a:t> = ? AND </a:t>
-            </a:r>
-            <a:r>
-              <a:rPr lang="fr-FR" sz="1100" dirty="0" err="1">
-                <a:solidFill>
-                  <a:schemeClr val="accent4"/>
-                </a:solidFill>
-              </a:rPr>
-              <a:t>subject_id</a:t>
-            </a:r>
-            <a:r>
-              <a:rPr lang="fr-FR" sz="1100" dirty="0">
-                <a:solidFill>
-                  <a:schemeClr val="accent4"/>
-                </a:solidFill>
-              </a:rPr>
-              <a:t> = ?</a:t>
-            </a:r>
-            <a:r>
-              <a:rPr lang="fr-FR" sz="1100" dirty="0"/>
-              <a:t>');				</a:t>
-            </a:r>
-            <a:endParaRPr lang="fr-FR" sz="1100" dirty="0" smtClean="0"/>
-          </a:p>
-          <a:p>
-            <a:r>
-              <a:rPr lang="fr-FR" sz="1100" dirty="0"/>
-              <a:t>	</a:t>
-            </a:r>
-            <a:r>
-              <a:rPr lang="fr-FR" sz="1100" dirty="0" smtClean="0"/>
-              <a:t>$</a:t>
-            </a:r>
-            <a:r>
-              <a:rPr lang="fr-FR" sz="1100" dirty="0" err="1"/>
-              <a:t>request</a:t>
-            </a:r>
-            <a:r>
-              <a:rPr lang="fr-FR" sz="1100" dirty="0"/>
-              <a:t>-&gt;</a:t>
-            </a:r>
-            <a:r>
-              <a:rPr lang="fr-FR" sz="1100" dirty="0" err="1"/>
-              <a:t>execute</a:t>
-            </a:r>
-            <a:r>
-              <a:rPr lang="fr-FR" sz="1100" dirty="0"/>
-              <a:t>([$</a:t>
-            </a:r>
-            <a:r>
-              <a:rPr lang="fr-FR" sz="1100" dirty="0" err="1"/>
-              <a:t>senderId</a:t>
-            </a:r>
-            <a:r>
-              <a:rPr lang="fr-FR" sz="1100" dirty="0"/>
-              <a:t>, $</a:t>
-            </a:r>
-            <a:r>
-              <a:rPr lang="fr-FR" sz="1100" dirty="0" err="1"/>
-              <a:t>this</a:t>
-            </a:r>
-            <a:r>
-              <a:rPr lang="fr-FR" sz="1100" dirty="0"/>
-              <a:t>-&gt;</a:t>
-            </a:r>
-            <a:r>
-              <a:rPr lang="fr-FR" sz="1100" dirty="0" err="1"/>
-              <a:t>member</a:t>
-            </a:r>
-            <a:r>
-              <a:rPr lang="fr-FR" sz="1100" dirty="0"/>
-              <a:t>[</a:t>
-            </a:r>
-            <a:r>
-              <a:rPr lang="fr-FR" sz="1100" dirty="0">
-                <a:solidFill>
-                  <a:schemeClr val="accent4"/>
-                </a:solidFill>
-              </a:rPr>
-              <a:t>'id'</a:t>
-            </a:r>
-            <a:r>
-              <a:rPr lang="fr-FR" sz="1100" dirty="0"/>
-              <a:t>]]);				</a:t>
-            </a:r>
-            <a:endParaRPr lang="fr-FR" sz="1100" dirty="0" smtClean="0"/>
-          </a:p>
-          <a:p>
-            <a:r>
-              <a:rPr lang="fr-FR" sz="1100" dirty="0" smtClean="0"/>
-              <a:t>	</a:t>
-            </a:r>
-            <a:r>
-              <a:rPr lang="fr-FR" sz="1100" dirty="0" smtClean="0">
-                <a:solidFill>
-                  <a:schemeClr val="accent4"/>
-                </a:solidFill>
-              </a:rPr>
-              <a:t>return</a:t>
-            </a:r>
-            <a:r>
-              <a:rPr lang="fr-FR" sz="1100" dirty="0" smtClean="0"/>
-              <a:t> </a:t>
-            </a:r>
-            <a:r>
-              <a:rPr lang="fr-FR" sz="1100" dirty="0" err="1">
-                <a:solidFill>
-                  <a:schemeClr val="accent4"/>
-                </a:solidFill>
-              </a:rPr>
-              <a:t>true</a:t>
-            </a:r>
-            <a:r>
-              <a:rPr lang="fr-FR" sz="1100" dirty="0">
-                <a:solidFill>
-                  <a:schemeClr val="accent4"/>
-                </a:solidFill>
-              </a:rPr>
-              <a:t>;</a:t>
-            </a:r>
-            <a:r>
-              <a:rPr lang="fr-FR" sz="1100" dirty="0"/>
-              <a:t>	</a:t>
-            </a:r>
-            <a:r>
-              <a:rPr lang="fr-FR" sz="1100" dirty="0" smtClean="0"/>
-              <a:t>} </a:t>
-            </a:r>
-            <a:r>
-              <a:rPr lang="fr-FR" sz="1100" dirty="0" err="1" smtClean="0">
-                <a:solidFill>
-                  <a:schemeClr val="accent5"/>
-                </a:solidFill>
-              </a:rPr>
-              <a:t>else</a:t>
-            </a:r>
-            <a:r>
-              <a:rPr lang="fr-FR" sz="1100" dirty="0" smtClean="0">
-                <a:solidFill>
-                  <a:schemeClr val="accent5"/>
-                </a:solidFill>
-              </a:rPr>
-              <a:t> return </a:t>
-            </a:r>
-            <a:r>
-              <a:rPr lang="fr-FR" sz="1100" dirty="0">
-                <a:solidFill>
-                  <a:schemeClr val="accent4"/>
-                </a:solidFill>
-              </a:rPr>
-              <a:t>false</a:t>
-            </a:r>
-            <a:r>
-              <a:rPr lang="fr-FR" sz="1100" dirty="0" smtClean="0"/>
-              <a:t>; }</a:t>
-            </a:r>
-            <a:r>
-              <a:rPr lang="fr-FR" sz="1100" dirty="0"/>
-              <a:t>		</a:t>
-            </a:r>
-            <a:endParaRPr lang="fr-FR" sz="1100" dirty="0" smtClean="0"/>
-          </a:p>
-          <a:p>
-            <a:r>
-              <a:rPr lang="fr-FR" sz="1100" dirty="0"/>
-              <a:t>	</a:t>
-            </a:r>
-            <a:r>
-              <a:rPr lang="fr-FR" sz="1100" dirty="0" smtClean="0">
-                <a:solidFill>
-                  <a:schemeClr val="accent5"/>
-                </a:solidFill>
-              </a:rPr>
-              <a:t>public </a:t>
-            </a:r>
-            <a:r>
-              <a:rPr lang="fr-FR" sz="1100" dirty="0" err="1">
-                <a:solidFill>
-                  <a:schemeClr val="accent5"/>
-                </a:solidFill>
-              </a:rPr>
-              <a:t>function</a:t>
-            </a:r>
-            <a:r>
-              <a:rPr lang="fr-FR" sz="1100" dirty="0">
-                <a:solidFill>
-                  <a:schemeClr val="accent5"/>
-                </a:solidFill>
-              </a:rPr>
-              <a:t> </a:t>
-            </a:r>
-            <a:r>
-              <a:rPr lang="fr-FR" sz="1100" dirty="0" err="1">
-                <a:solidFill>
-                  <a:srgbClr val="7030A0"/>
-                </a:solidFill>
-              </a:rPr>
-              <a:t>cancelFriendRequest</a:t>
-            </a:r>
-            <a:r>
-              <a:rPr lang="fr-FR" sz="1100" dirty="0"/>
-              <a:t>($</a:t>
-            </a:r>
-            <a:r>
-              <a:rPr lang="fr-FR" sz="1100" dirty="0" err="1"/>
-              <a:t>requestedId</a:t>
-            </a:r>
-            <a:r>
-              <a:rPr lang="fr-FR" sz="1100" dirty="0"/>
-              <a:t>) {			</a:t>
-            </a:r>
-            <a:endParaRPr lang="fr-FR" sz="1100" dirty="0" smtClean="0"/>
-          </a:p>
-          <a:p>
-            <a:r>
-              <a:rPr lang="fr-FR" sz="1100" dirty="0"/>
-              <a:t>	</a:t>
-            </a:r>
-            <a:r>
-              <a:rPr lang="fr-FR" sz="1100" dirty="0" smtClean="0"/>
-              <a:t>$</a:t>
-            </a:r>
-            <a:r>
-              <a:rPr lang="fr-FR" sz="1100" dirty="0" err="1"/>
-              <a:t>requestedMember</a:t>
-            </a:r>
-            <a:r>
-              <a:rPr lang="fr-FR" sz="1100" dirty="0"/>
-              <a:t> = (</a:t>
-            </a:r>
-            <a:r>
-              <a:rPr lang="fr-FR" sz="1100" dirty="0">
-                <a:solidFill>
-                  <a:schemeClr val="accent5"/>
-                </a:solidFill>
-              </a:rPr>
-              <a:t>new</a:t>
-            </a:r>
-            <a:r>
-              <a:rPr lang="fr-FR" sz="1100" dirty="0"/>
-              <a:t> Single($</a:t>
-            </a:r>
-            <a:r>
-              <a:rPr lang="fr-FR" sz="1100" dirty="0" err="1"/>
-              <a:t>requestedId</a:t>
-            </a:r>
-            <a:r>
-              <a:rPr lang="fr-FR" sz="1100" dirty="0"/>
-              <a:t>))-&gt;</a:t>
-            </a:r>
-            <a:r>
-              <a:rPr lang="fr-FR" sz="1100" dirty="0" err="1"/>
-              <a:t>getMember</a:t>
-            </a:r>
-            <a:r>
-              <a:rPr lang="fr-FR" sz="1100" dirty="0"/>
-              <a:t>();			</a:t>
-            </a:r>
-            <a:endParaRPr lang="fr-FR" sz="1100" dirty="0" smtClean="0"/>
-          </a:p>
-          <a:p>
-            <a:r>
-              <a:rPr lang="fr-FR" sz="1100" dirty="0"/>
-              <a:t>	</a:t>
-            </a:r>
-            <a:r>
-              <a:rPr lang="fr-FR" sz="1100" dirty="0" smtClean="0">
-                <a:solidFill>
-                  <a:schemeClr val="accent5"/>
-                </a:solidFill>
-              </a:rPr>
-              <a:t>if </a:t>
-            </a:r>
-            <a:r>
-              <a:rPr lang="fr-FR" sz="1100" dirty="0"/>
-              <a:t>($</a:t>
-            </a:r>
-            <a:r>
-              <a:rPr lang="fr-FR" sz="1100" dirty="0" err="1"/>
-              <a:t>this</a:t>
-            </a:r>
-            <a:r>
-              <a:rPr lang="fr-FR" sz="1100" dirty="0"/>
-              <a:t>-&gt;</a:t>
-            </a:r>
-            <a:r>
-              <a:rPr lang="fr-FR" sz="1100" dirty="0" err="1"/>
-              <a:t>befriend</a:t>
-            </a:r>
-            <a:r>
-              <a:rPr lang="fr-FR" sz="1100" dirty="0"/>
-              <a:t>($</a:t>
-            </a:r>
-            <a:r>
-              <a:rPr lang="fr-FR" sz="1100" dirty="0" err="1"/>
-              <a:t>requestedId</a:t>
-            </a:r>
-            <a:r>
-              <a:rPr lang="fr-FR" sz="1100" dirty="0"/>
-              <a:t>)) {						</a:t>
-            </a:r>
-            <a:endParaRPr lang="fr-FR" sz="1100" dirty="0" smtClean="0"/>
-          </a:p>
-          <a:p>
-            <a:r>
-              <a:rPr lang="fr-FR" sz="1100" dirty="0" smtClean="0"/>
-              <a:t>                              } </a:t>
-            </a:r>
-            <a:r>
-              <a:rPr lang="fr-FR" sz="1100" dirty="0" err="1" smtClean="0">
-                <a:solidFill>
-                  <a:schemeClr val="accent5"/>
-                </a:solidFill>
-              </a:rPr>
-              <a:t>elseif</a:t>
-            </a:r>
-            <a:r>
-              <a:rPr lang="fr-FR" sz="1100" dirty="0" smtClean="0">
-                <a:solidFill>
-                  <a:schemeClr val="accent5"/>
-                </a:solidFill>
-              </a:rPr>
-              <a:t> </a:t>
-            </a:r>
-            <a:r>
-              <a:rPr lang="fr-FR" sz="1100" dirty="0"/>
-              <a:t>($</a:t>
-            </a:r>
-            <a:r>
-              <a:rPr lang="fr-FR" sz="1100" dirty="0" err="1"/>
-              <a:t>this</a:t>
-            </a:r>
-            <a:r>
-              <a:rPr lang="fr-FR" sz="1100" dirty="0"/>
-              <a:t>-&gt;</a:t>
-            </a:r>
-            <a:r>
-              <a:rPr lang="fr-FR" sz="1100" dirty="0" err="1"/>
-              <a:t>requestPending</a:t>
-            </a:r>
-            <a:r>
-              <a:rPr lang="fr-FR" sz="1100" dirty="0"/>
-              <a:t>($</a:t>
-            </a:r>
-            <a:r>
-              <a:rPr lang="fr-FR" sz="1100" dirty="0" err="1"/>
-              <a:t>requestedId</a:t>
-            </a:r>
-            <a:r>
-              <a:rPr lang="fr-FR" sz="1100" dirty="0"/>
-              <a:t>, </a:t>
-            </a:r>
-            <a:r>
-              <a:rPr lang="fr-FR" sz="1100" dirty="0" err="1"/>
-              <a:t>true</a:t>
-            </a:r>
-            <a:r>
-              <a:rPr lang="fr-FR" sz="1100" dirty="0"/>
-              <a:t>)) {							</a:t>
-            </a:r>
-            <a:endParaRPr lang="fr-FR" sz="1100" dirty="0" smtClean="0"/>
-          </a:p>
-          <a:p>
-            <a:r>
-              <a:rPr lang="fr-FR" sz="1100" dirty="0"/>
-              <a:t>	</a:t>
-            </a:r>
-            <a:r>
-              <a:rPr lang="fr-FR" sz="1100" dirty="0" smtClean="0"/>
-              <a:t>$</a:t>
-            </a:r>
-            <a:r>
-              <a:rPr lang="fr-FR" sz="1100" dirty="0" err="1"/>
-              <a:t>request</a:t>
-            </a:r>
-            <a:r>
-              <a:rPr lang="fr-FR" sz="1100" dirty="0"/>
-              <a:t> = \Basics\Site::</a:t>
-            </a:r>
-            <a:r>
-              <a:rPr lang="fr-FR" sz="1100" dirty="0" err="1"/>
-              <a:t>getDB</a:t>
-            </a:r>
-            <a:r>
-              <a:rPr lang="fr-FR" sz="1100" dirty="0"/>
-              <a:t>()-&gt;</a:t>
-            </a:r>
-            <a:r>
-              <a:rPr lang="fr-FR" sz="1100" dirty="0" err="1"/>
-              <a:t>prepare</a:t>
-            </a:r>
-            <a:r>
-              <a:rPr lang="fr-FR" sz="1100" dirty="0"/>
-              <a:t>(</a:t>
-            </a:r>
-            <a:r>
-              <a:rPr lang="fr-FR" sz="1100" dirty="0">
-                <a:solidFill>
-                  <a:schemeClr val="accent4"/>
-                </a:solidFill>
-              </a:rPr>
-              <a:t>'DELETE FROM notifications WHERE (</a:t>
-            </a:r>
-            <a:r>
-              <a:rPr lang="fr-FR" sz="1100" dirty="0" err="1">
-                <a:solidFill>
-                  <a:schemeClr val="accent4"/>
-                </a:solidFill>
-              </a:rPr>
-              <a:t>user_id</a:t>
-            </a:r>
-            <a:r>
-              <a:rPr lang="fr-FR" sz="1100" dirty="0">
-                <a:solidFill>
-                  <a:schemeClr val="accent4"/>
-                </a:solidFill>
-              </a:rPr>
-              <a:t> = ? AND </a:t>
-            </a:r>
-            <a:r>
-              <a:rPr lang="fr-FR" sz="1100" dirty="0" err="1">
-                <a:solidFill>
-                  <a:schemeClr val="accent4"/>
-                </a:solidFill>
-              </a:rPr>
-              <a:t>subject_id</a:t>
-            </a:r>
-            <a:r>
-              <a:rPr lang="fr-FR" sz="1100" dirty="0">
-                <a:solidFill>
-                  <a:schemeClr val="accent4"/>
-                </a:solidFill>
-              </a:rPr>
-              <a:t> = ?) OR (</a:t>
-            </a:r>
-            <a:r>
-              <a:rPr lang="fr-FR" sz="1100" dirty="0" err="1">
-                <a:solidFill>
-                  <a:schemeClr val="accent4"/>
-                </a:solidFill>
-              </a:rPr>
-              <a:t>subject_id</a:t>
-            </a:r>
-            <a:r>
-              <a:rPr lang="fr-FR" sz="1100" dirty="0">
-                <a:solidFill>
-                  <a:schemeClr val="accent4"/>
-                </a:solidFill>
-              </a:rPr>
-              <a:t> = ? AND </a:t>
-            </a:r>
-            <a:r>
-              <a:rPr lang="fr-FR" sz="1100" dirty="0" err="1">
-                <a:solidFill>
-                  <a:schemeClr val="accent4"/>
-                </a:solidFill>
-              </a:rPr>
-              <a:t>user_id</a:t>
-            </a:r>
-            <a:r>
-              <a:rPr lang="fr-FR" sz="1100" dirty="0">
-                <a:solidFill>
-                  <a:schemeClr val="accent4"/>
-                </a:solidFill>
-              </a:rPr>
-              <a:t> = ?)</a:t>
-            </a:r>
-            <a:r>
-              <a:rPr lang="fr-FR" sz="1100" dirty="0"/>
-              <a:t>');			</a:t>
-            </a:r>
-            <a:r>
-              <a:rPr lang="fr-FR" sz="1100" dirty="0" smtClean="0"/>
-              <a:t>$</a:t>
-            </a:r>
-            <a:r>
-              <a:rPr lang="fr-FR" sz="1100" dirty="0" err="1"/>
-              <a:t>request</a:t>
-            </a:r>
-            <a:r>
-              <a:rPr lang="fr-FR" sz="1100" dirty="0"/>
-              <a:t>-&gt;</a:t>
-            </a:r>
-            <a:r>
-              <a:rPr lang="fr-FR" sz="1100" dirty="0" err="1"/>
-              <a:t>execute</a:t>
-            </a:r>
-            <a:r>
-              <a:rPr lang="fr-FR" sz="1100" dirty="0"/>
-              <a:t>([$</a:t>
-            </a:r>
-            <a:r>
-              <a:rPr lang="fr-FR" sz="1100" dirty="0" err="1"/>
-              <a:t>requestedId</a:t>
-            </a:r>
-            <a:r>
-              <a:rPr lang="fr-FR" sz="1100" dirty="0"/>
-              <a:t>, $</a:t>
-            </a:r>
-            <a:r>
-              <a:rPr lang="fr-FR" sz="1100" dirty="0" err="1"/>
-              <a:t>this</a:t>
-            </a:r>
-            <a:r>
-              <a:rPr lang="fr-FR" sz="1100" dirty="0"/>
-              <a:t>-&gt;</a:t>
-            </a:r>
-            <a:r>
-              <a:rPr lang="fr-FR" sz="1100" dirty="0" err="1"/>
-              <a:t>member</a:t>
-            </a:r>
-            <a:r>
-              <a:rPr lang="fr-FR" sz="1100" dirty="0"/>
-              <a:t>[</a:t>
-            </a:r>
-            <a:r>
-              <a:rPr lang="fr-FR" sz="1100" dirty="0">
-                <a:solidFill>
-                  <a:schemeClr val="accent4"/>
-                </a:solidFill>
-              </a:rPr>
-              <a:t>'id'</a:t>
-            </a:r>
-            <a:r>
-              <a:rPr lang="fr-FR" sz="1100" dirty="0"/>
-              <a:t>], $</a:t>
-            </a:r>
-            <a:r>
-              <a:rPr lang="fr-FR" sz="1100" dirty="0" err="1"/>
-              <a:t>this</a:t>
-            </a:r>
-            <a:r>
-              <a:rPr lang="fr-FR" sz="1100" dirty="0"/>
-              <a:t>-&gt;</a:t>
-            </a:r>
-            <a:r>
-              <a:rPr lang="fr-FR" sz="1100" dirty="0" err="1"/>
-              <a:t>member</a:t>
-            </a:r>
-            <a:r>
-              <a:rPr lang="fr-FR" sz="1100" dirty="0"/>
-              <a:t>[</a:t>
-            </a:r>
-            <a:r>
-              <a:rPr lang="fr-FR" sz="1100" dirty="0">
-                <a:solidFill>
-                  <a:schemeClr val="accent4"/>
-                </a:solidFill>
-              </a:rPr>
-              <a:t>'id'</a:t>
-            </a:r>
-            <a:r>
-              <a:rPr lang="fr-FR" sz="1100" dirty="0"/>
-              <a:t>], $</a:t>
-            </a:r>
-            <a:r>
-              <a:rPr lang="fr-FR" sz="1100" dirty="0" err="1"/>
-              <a:t>requestedId</a:t>
-            </a:r>
-            <a:r>
-              <a:rPr lang="fr-FR" sz="1100" dirty="0"/>
-              <a:t>]);			</a:t>
-            </a:r>
-            <a:endParaRPr lang="fr-FR" sz="1100" dirty="0" smtClean="0"/>
-          </a:p>
-          <a:p>
-            <a:r>
-              <a:rPr lang="fr-FR" sz="1100" dirty="0" smtClean="0"/>
-              <a:t>}</a:t>
-            </a:r>
-            <a:r>
-              <a:rPr lang="fr-FR" sz="1100" dirty="0"/>
-              <a:t>	</a:t>
-            </a:r>
-            <a:r>
-              <a:rPr lang="fr-FR" sz="1100" dirty="0" smtClean="0">
-                <a:solidFill>
-                  <a:schemeClr val="accent5"/>
-                </a:solidFill>
-              </a:rPr>
-              <a:t>return </a:t>
-            </a:r>
-            <a:r>
-              <a:rPr lang="fr-FR" sz="1100" dirty="0" err="1">
-                <a:solidFill>
-                  <a:schemeClr val="accent4"/>
-                </a:solidFill>
-              </a:rPr>
-              <a:t>true</a:t>
-            </a:r>
-            <a:r>
-              <a:rPr lang="fr-FR" sz="1100" dirty="0"/>
-              <a:t>;		}</a:t>
+              <a:rPr lang="fr-FR" i="1" dirty="0" smtClean="0"/>
+              <a:t>	S’il </a:t>
+            </a:r>
+            <a:r>
+              <a:rPr lang="fr-FR" i="1" dirty="0"/>
+              <a:t>y a une demande d'amis en cours mais que l'un des deux ne veut pas être copains                Enlève la notification de demande</a:t>
             </a:r>
           </a:p>
         </p:txBody>
@@ -8779,7 +8839,7 @@
     </p:spTree>
     <p:extLst>
       <p:ext uri="{BB962C8B-B14F-4D97-AF65-F5344CB8AC3E}">
-        <p14:creationId xmlns:p14="http://schemas.microsoft.com/office/powerpoint/2010/main" val="2007987021"/>
+        <p14:creationId xmlns:p14="http://schemas.microsoft.com/office/powerpoint/2010/main" val="1659622942"/>
       </p:ext>
     </p:extLst>
   </p:cSld>

--- a/Présentation ISN.pptx
+++ b/Présentation ISN.pptx
@@ -7691,7 +7691,7 @@
       </p:sp>
       <p:pic>
         <p:nvPicPr>
-          <p:cNvPr id="8" name="Image 7"/>
+          <p:cNvPr id="3" name="Image 2"/>
           <p:cNvPicPr>
             <a:picLocks noChangeAspect="1"/>
           </p:cNvPicPr>
@@ -7711,8 +7711,8 @@
         </p:blipFill>
         <p:spPr>
           <a:xfrm>
-            <a:off x="1087901" y="1033617"/>
-            <a:ext cx="10016197" cy="6355960"/>
+            <a:off x="838200" y="1073051"/>
+            <a:ext cx="9742481" cy="5784949"/>
           </a:xfrm>
           <a:prstGeom prst="rect">
             <a:avLst/>
